--- a/Documents/PitchDeck.pptx
+++ b/Documents/PitchDeck.pptx
@@ -2,7 +2,7 @@
 <file path=ppt/presentation.xml><?xml version="1.0" encoding="utf-8"?>
 <p:presentation xmlns:a="http://schemas.openxmlformats.org/drawingml/2006/main" xmlns:r="http://schemas.openxmlformats.org/officeDocument/2006/relationships" xmlns:p="http://schemas.openxmlformats.org/presentationml/2006/main" saveSubsetFonts="1">
   <p:sldMasterIdLst>
-    <p:sldMasterId id="2147483690" r:id="rId1"/>
+    <p:sldMasterId id="2147483831" r:id="rId1"/>
   </p:sldMasterIdLst>
   <p:sldIdLst>
     <p:sldId id="256" r:id="rId2"/>
@@ -111,11 +111,16 @@
       </a:defRPr>
     </a:lvl9pPr>
   </p:defaultTextStyle>
+  <p:extLst>
+    <p:ext uri="{EFAFB233-063F-42B5-8137-9DF3F51BA10A}">
+      <p15:sldGuideLst xmlns:p15="http://schemas.microsoft.com/office/powerpoint/2012/main"/>
+    </p:ext>
+  </p:extLst>
 </p:presentation>
 </file>
 
 <file path=ppt/slideLayouts/slideLayout1.xml><?xml version="1.0" encoding="utf-8"?>
-<p:sldLayout xmlns:a="http://schemas.openxmlformats.org/drawingml/2006/main" xmlns:r="http://schemas.openxmlformats.org/officeDocument/2006/relationships" xmlns:p="http://schemas.openxmlformats.org/presentationml/2006/main" showMasterSp="0" type="title" preserve="1">
+<p:sldLayout xmlns:a="http://schemas.openxmlformats.org/drawingml/2006/main" xmlns:r="http://schemas.openxmlformats.org/officeDocument/2006/relationships" xmlns:p="http://schemas.openxmlformats.org/presentationml/2006/main" type="title" preserve="1">
   <p:cSld name="Title Slide">
     <p:spTree>
       <p:nvGrpSpPr>
@@ -143,8 +148,8 @@
         </p:nvSpPr>
         <p:spPr>
           <a:xfrm>
-            <a:off x="684212" y="685799"/>
-            <a:ext cx="8001000" cy="2971801"/>
+            <a:off x="1751012" y="609601"/>
+            <a:ext cx="8676222" cy="3200400"/>
           </a:xfrm>
         </p:spPr>
         <p:txBody>
@@ -152,9 +157,22 @@
             <a:normAutofit/>
           </a:bodyPr>
           <a:lstStyle>
-            <a:lvl1pPr algn="l">
+            <a:lvl1pPr algn="ctr">
               <a:defRPr sz="4800">
-                <a:effectLst/>
+                <a:effectLst>
+                  <a:glow rad="38100">
+                    <a:schemeClr val="bg1">
+                      <a:lumMod val="65000"/>
+                      <a:lumOff val="35000"/>
+                      <a:alpha val="50000"/>
+                    </a:schemeClr>
+                  </a:glow>
+                  <a:outerShdw blurRad="28575" dist="31750" dir="13200000" algn="tl" rotWithShape="0">
+                    <a:srgbClr val="000000">
+                      <a:alpha val="25000"/>
+                    </a:srgbClr>
+                  </a:outerShdw>
+                </a:effectLst>
               </a:defRPr>
             </a:lvl1pPr>
           </a:lstStyle>
@@ -179,8 +197,8 @@
         </p:nvSpPr>
         <p:spPr>
           <a:xfrm>
-            <a:off x="684212" y="3843867"/>
-            <a:ext cx="6400800" cy="1947333"/>
+            <a:off x="1751012" y="3886200"/>
+            <a:ext cx="8676222" cy="1905000"/>
           </a:xfrm>
         </p:spPr>
         <p:txBody>
@@ -188,14 +206,23 @@
             <a:normAutofit/>
           </a:bodyPr>
           <a:lstStyle>
-            <a:lvl1pPr marL="0" indent="0" algn="l">
+            <a:lvl1pPr marL="0" indent="0" algn="ctr">
               <a:buNone/>
               <a:defRPr sz="2100">
-                <a:solidFill>
-                  <a:schemeClr val="bg2">
-                    <a:lumMod val="75000"/>
-                  </a:schemeClr>
-                </a:solidFill>
+                <a:gradFill flip="none" rotWithShape="1">
+                  <a:gsLst>
+                    <a:gs pos="0">
+                      <a:schemeClr val="tx1"/>
+                    </a:gs>
+                    <a:gs pos="100000">
+                      <a:schemeClr val="tx1">
+                        <a:lumMod val="75000"/>
+                      </a:schemeClr>
+                    </a:gs>
+                  </a:gsLst>
+                  <a:lin ang="5400000" scaled="0"/>
+                  <a:tileRect/>
+                </a:gradFill>
               </a:defRPr>
             </a:lvl1pPr>
             <a:lvl2pPr marL="457200" indent="0" algn="ctr">
@@ -305,7 +332,7 @@
           <a:p>
             <a:fld id="{325CA7BC-FAA3-42D2-A4A6-6231C6B4CE4A}" type="datetimeFigureOut">
               <a:rPr lang="en-AU" smtClean="0"/>
-              <a:t>28/02/2024</a:t>
+              <a:t>6/03/2024</a:t>
             </a:fld>
             <a:endParaRPr lang="en-AU"/>
           </a:p>
@@ -353,185 +380,10 @@
           </a:p>
         </p:txBody>
       </p:sp>
-      <p:cxnSp>
-        <p:nvCxnSpPr>
-          <p:cNvPr id="16" name="Straight Connector 15"/>
-          <p:cNvCxnSpPr/>
-          <p:nvPr/>
-        </p:nvCxnSpPr>
-        <p:spPr>
-          <a:xfrm flipH="1">
-            <a:off x="8228012" y="8467"/>
-            <a:ext cx="3810000" cy="3810000"/>
-          </a:xfrm>
-          <a:prstGeom prst="line">
-            <a:avLst/>
-          </a:prstGeom>
-          <a:ln w="12700">
-            <a:solidFill>
-              <a:schemeClr val="tx1"/>
-            </a:solidFill>
-          </a:ln>
-        </p:spPr>
-        <p:style>
-          <a:lnRef idx="2">
-            <a:schemeClr val="accent1"/>
-          </a:lnRef>
-          <a:fillRef idx="0">
-            <a:schemeClr val="accent1"/>
-          </a:fillRef>
-          <a:effectRef idx="1">
-            <a:schemeClr val="accent1"/>
-          </a:effectRef>
-          <a:fontRef idx="minor">
-            <a:schemeClr val="tx1"/>
-          </a:fontRef>
-        </p:style>
-      </p:cxnSp>
-      <p:cxnSp>
-        <p:nvCxnSpPr>
-          <p:cNvPr id="17" name="Straight Connector 16"/>
-          <p:cNvCxnSpPr/>
-          <p:nvPr/>
-        </p:nvCxnSpPr>
-        <p:spPr>
-          <a:xfrm flipH="1">
-            <a:off x="6108170" y="91545"/>
-            <a:ext cx="6080655" cy="6080655"/>
-          </a:xfrm>
-          <a:prstGeom prst="line">
-            <a:avLst/>
-          </a:prstGeom>
-          <a:ln w="12700">
-            <a:solidFill>
-              <a:schemeClr val="tx1"/>
-            </a:solidFill>
-          </a:ln>
-        </p:spPr>
-        <p:style>
-          <a:lnRef idx="2">
-            <a:schemeClr val="accent1"/>
-          </a:lnRef>
-          <a:fillRef idx="0">
-            <a:schemeClr val="accent1"/>
-          </a:fillRef>
-          <a:effectRef idx="1">
-            <a:schemeClr val="accent1"/>
-          </a:effectRef>
-          <a:fontRef idx="minor">
-            <a:schemeClr val="tx1"/>
-          </a:fontRef>
-        </p:style>
-      </p:cxnSp>
-      <p:cxnSp>
-        <p:nvCxnSpPr>
-          <p:cNvPr id="19" name="Straight Connector 18"/>
-          <p:cNvCxnSpPr/>
-          <p:nvPr/>
-        </p:nvCxnSpPr>
-        <p:spPr>
-          <a:xfrm flipH="1">
-            <a:off x="7235825" y="228600"/>
-            <a:ext cx="4953000" cy="4953000"/>
-          </a:xfrm>
-          <a:prstGeom prst="line">
-            <a:avLst/>
-          </a:prstGeom>
-          <a:ln w="12700">
-            <a:solidFill>
-              <a:schemeClr val="tx1"/>
-            </a:solidFill>
-          </a:ln>
-        </p:spPr>
-        <p:style>
-          <a:lnRef idx="2">
-            <a:schemeClr val="accent1"/>
-          </a:lnRef>
-          <a:fillRef idx="0">
-            <a:schemeClr val="accent1"/>
-          </a:fillRef>
-          <a:effectRef idx="1">
-            <a:schemeClr val="accent1"/>
-          </a:effectRef>
-          <a:fontRef idx="minor">
-            <a:schemeClr val="tx1"/>
-          </a:fontRef>
-        </p:style>
-      </p:cxnSp>
-      <p:cxnSp>
-        <p:nvCxnSpPr>
-          <p:cNvPr id="21" name="Straight Connector 20"/>
-          <p:cNvCxnSpPr/>
-          <p:nvPr/>
-        </p:nvCxnSpPr>
-        <p:spPr>
-          <a:xfrm flipH="1">
-            <a:off x="7335837" y="32278"/>
-            <a:ext cx="4852989" cy="4852989"/>
-          </a:xfrm>
-          <a:prstGeom prst="line">
-            <a:avLst/>
-          </a:prstGeom>
-          <a:ln w="31750">
-            <a:solidFill>
-              <a:schemeClr val="tx1"/>
-            </a:solidFill>
-          </a:ln>
-        </p:spPr>
-        <p:style>
-          <a:lnRef idx="2">
-            <a:schemeClr val="accent1"/>
-          </a:lnRef>
-          <a:fillRef idx="0">
-            <a:schemeClr val="accent1"/>
-          </a:fillRef>
-          <a:effectRef idx="1">
-            <a:schemeClr val="accent1"/>
-          </a:effectRef>
-          <a:fontRef idx="minor">
-            <a:schemeClr val="tx1"/>
-          </a:fontRef>
-        </p:style>
-      </p:cxnSp>
-      <p:cxnSp>
-        <p:nvCxnSpPr>
-          <p:cNvPr id="23" name="Straight Connector 22"/>
-          <p:cNvCxnSpPr/>
-          <p:nvPr/>
-        </p:nvCxnSpPr>
-        <p:spPr>
-          <a:xfrm flipH="1">
-            <a:off x="7845426" y="609601"/>
-            <a:ext cx="4343399" cy="4343399"/>
-          </a:xfrm>
-          <a:prstGeom prst="line">
-            <a:avLst/>
-          </a:prstGeom>
-          <a:ln w="31750">
-            <a:solidFill>
-              <a:schemeClr val="tx1"/>
-            </a:solidFill>
-          </a:ln>
-        </p:spPr>
-        <p:style>
-          <a:lnRef idx="2">
-            <a:schemeClr val="accent1"/>
-          </a:lnRef>
-          <a:fillRef idx="0">
-            <a:schemeClr val="accent1"/>
-          </a:fillRef>
-          <a:effectRef idx="1">
-            <a:schemeClr val="accent1"/>
-          </a:effectRef>
-          <a:fontRef idx="minor">
-            <a:schemeClr val="tx1"/>
-          </a:fontRef>
-        </p:style>
-      </p:cxnSp>
     </p:spTree>
     <p:extLst>
       <p:ext uri="{BB962C8B-B14F-4D97-AF65-F5344CB8AC3E}">
-        <p14:creationId xmlns:p14="http://schemas.microsoft.com/office/powerpoint/2010/main" val="1627580439"/>
+        <p14:creationId xmlns:p14="http://schemas.microsoft.com/office/powerpoint/2010/main" val="1802110908"/>
       </p:ext>
     </p:extLst>
   </p:cSld>
@@ -568,10 +420,21 @@
             <p:ph type="title"/>
           </p:nvPr>
         </p:nvSpPr>
-        <p:spPr/>
-        <p:txBody>
-          <a:bodyPr/>
-          <a:lstStyle/>
+        <p:spPr>
+          <a:xfrm>
+            <a:off x="1141413" y="4732865"/>
+            <a:ext cx="9906000" cy="566738"/>
+          </a:xfrm>
+        </p:spPr>
+        <p:txBody>
+          <a:bodyPr anchor="b">
+            <a:normAutofit/>
+          </a:bodyPr>
+          <a:lstStyle>
+            <a:lvl1pPr algn="l">
+              <a:defRPr sz="2400" b="0"/>
+            </a:lvl1pPr>
+          </a:lstStyle>
           <a:p>
             <a:r>
               <a:rPr lang="en-US"/>
@@ -583,31 +446,39 @@
       </p:sp>
       <p:sp>
         <p:nvSpPr>
-          <p:cNvPr id="17" name="Picture Placeholder 2"/>
+          <p:cNvPr id="3" name="Picture Placeholder 2"/>
           <p:cNvSpPr>
             <a:spLocks noGrp="1" noChangeAspect="1"/>
           </p:cNvSpPr>
           <p:nvPr>
-            <p:ph type="pic" idx="13"/>
+            <p:ph type="pic" idx="1"/>
           </p:nvPr>
         </p:nvSpPr>
         <p:spPr>
           <a:xfrm>
-            <a:off x="685800" y="533400"/>
-            <a:ext cx="10818812" cy="3124200"/>
+            <a:off x="1979612" y="932112"/>
+            <a:ext cx="8225944" cy="3164976"/>
           </a:xfrm>
-          <a:prstGeom prst="snip2DiagRect">
+          <a:prstGeom prst="roundRect">
             <a:avLst>
-              <a:gd name="adj1" fmla="val 10815"/>
-              <a:gd name="adj2" fmla="val 0"/>
+              <a:gd name="adj" fmla="val 4380"/>
             </a:avLst>
           </a:prstGeom>
-          <a:ln w="15875">
-            <a:solidFill>
-              <a:schemeClr val="tx1">
-                <a:alpha val="40000"/>
-              </a:schemeClr>
-            </a:solidFill>
+          <a:ln w="38100">
+            <a:gradFill flip="none" rotWithShape="1">
+              <a:gsLst>
+                <a:gs pos="0">
+                  <a:schemeClr val="bg2"/>
+                </a:gs>
+                <a:gs pos="100000">
+                  <a:schemeClr val="bg2">
+                    <a:lumMod val="75000"/>
+                  </a:schemeClr>
+                </a:gs>
+              </a:gsLst>
+              <a:lin ang="5400000" scaled="0"/>
+              <a:tileRect/>
+            </a:gradFill>
           </a:ln>
           <a:effectLst>
             <a:innerShdw blurRad="57150" dist="38100" dir="14460000">
@@ -670,50 +541,61 @@
       </p:sp>
       <p:sp>
         <p:nvSpPr>
-          <p:cNvPr id="16" name="Text Placeholder 9"/>
-          <p:cNvSpPr>
-            <a:spLocks noGrp="1"/>
-          </p:cNvSpPr>
-          <p:nvPr>
-            <p:ph type="body" sz="quarter" idx="14"/>
+          <p:cNvPr id="4" name="Text Placeholder 3"/>
+          <p:cNvSpPr>
+            <a:spLocks noGrp="1"/>
+          </p:cNvSpPr>
+          <p:nvPr>
+            <p:ph type="body" sz="half" idx="2"/>
           </p:nvPr>
         </p:nvSpPr>
         <p:spPr>
           <a:xfrm>
-            <a:off x="914402" y="3843867"/>
-            <a:ext cx="8304210" cy="457200"/>
+            <a:off x="1141413" y="5299603"/>
+            <a:ext cx="9906000" cy="493712"/>
           </a:xfrm>
         </p:spPr>
         <p:txBody>
-          <a:bodyPr anchor="t">
+          <a:bodyPr>
             <a:normAutofit/>
           </a:bodyPr>
           <a:lstStyle>
             <a:lvl1pPr marL="0" indent="0">
-              <a:buFontTx/>
-              <a:buNone/>
-              <a:defRPr sz="1600"/>
+              <a:buNone/>
+              <a:defRPr sz="1400"/>
             </a:lvl1pPr>
             <a:lvl2pPr marL="457200" indent="0">
-              <a:buFontTx/>
-              <a:buNone/>
-              <a:defRPr/>
+              <a:buNone/>
+              <a:defRPr sz="1200"/>
             </a:lvl2pPr>
             <a:lvl3pPr marL="914400" indent="0">
-              <a:buFontTx/>
-              <a:buNone/>
-              <a:defRPr/>
+              <a:buNone/>
+              <a:defRPr sz="1000"/>
             </a:lvl3pPr>
             <a:lvl4pPr marL="1371600" indent="0">
-              <a:buFontTx/>
-              <a:buNone/>
-              <a:defRPr/>
+              <a:buNone/>
+              <a:defRPr sz="900"/>
             </a:lvl4pPr>
             <a:lvl5pPr marL="1828800" indent="0">
-              <a:buFontTx/>
-              <a:buNone/>
-              <a:defRPr/>
+              <a:buNone/>
+              <a:defRPr sz="900"/>
             </a:lvl5pPr>
+            <a:lvl6pPr marL="2286000" indent="0">
+              <a:buNone/>
+              <a:defRPr sz="900"/>
+            </a:lvl6pPr>
+            <a:lvl7pPr marL="2743200" indent="0">
+              <a:buNone/>
+              <a:defRPr sz="900"/>
+            </a:lvl7pPr>
+            <a:lvl8pPr marL="3200400" indent="0">
+              <a:buNone/>
+              <a:defRPr sz="900"/>
+            </a:lvl8pPr>
+            <a:lvl9pPr marL="3657600" indent="0">
+              <a:buNone/>
+              <a:defRPr sz="900"/>
+            </a:lvl9pPr>
           </a:lstStyle>
           <a:p>
             <a:pPr lvl="0"/>
@@ -726,7 +608,7 @@
       </p:sp>
       <p:sp>
         <p:nvSpPr>
-          <p:cNvPr id="3" name="Date Placeholder 2"/>
+          <p:cNvPr id="5" name="Date Placeholder 4"/>
           <p:cNvSpPr>
             <a:spLocks noGrp="1"/>
           </p:cNvSpPr>
@@ -741,7 +623,7 @@
           <a:p>
             <a:fld id="{325CA7BC-FAA3-42D2-A4A6-6231C6B4CE4A}" type="datetimeFigureOut">
               <a:rPr lang="en-AU" smtClean="0"/>
-              <a:t>28/02/2024</a:t>
+              <a:t>6/03/2024</a:t>
             </a:fld>
             <a:endParaRPr lang="en-AU"/>
           </a:p>
@@ -749,7 +631,7 @@
       </p:sp>
       <p:sp>
         <p:nvSpPr>
-          <p:cNvPr id="4" name="Footer Placeholder 3"/>
+          <p:cNvPr id="6" name="Footer Placeholder 5"/>
           <p:cNvSpPr>
             <a:spLocks noGrp="1"/>
           </p:cNvSpPr>
@@ -768,7 +650,7 @@
       </p:sp>
       <p:sp>
         <p:nvSpPr>
-          <p:cNvPr id="5" name="Slide Number Placeholder 4"/>
+          <p:cNvPr id="7" name="Slide Number Placeholder 6"/>
           <p:cNvSpPr>
             <a:spLocks noGrp="1"/>
           </p:cNvSpPr>
@@ -792,7 +674,7 @@
     </p:spTree>
     <p:extLst>
       <p:ext uri="{BB962C8B-B14F-4D97-AF65-F5344CB8AC3E}">
-        <p14:creationId xmlns:p14="http://schemas.microsoft.com/office/powerpoint/2010/main" val="3260618919"/>
+        <p14:creationId xmlns:p14="http://schemas.microsoft.com/office/powerpoint/2010/main" val="701942744"/>
       </p:ext>
     </p:extLst>
   </p:cSld>
@@ -831,8 +713,8 @@
         </p:nvSpPr>
         <p:spPr>
           <a:xfrm>
-            <a:off x="684213" y="685800"/>
-            <a:ext cx="10058400" cy="2743200"/>
+            <a:off x="1141412" y="609601"/>
+            <a:ext cx="9905999" cy="3124199"/>
           </a:xfrm>
         </p:spPr>
         <p:txBody>
@@ -865,8 +747,8 @@
         </p:nvSpPr>
         <p:spPr>
           <a:xfrm>
-            <a:off x="684212" y="4114800"/>
-            <a:ext cx="8535988" cy="1879600"/>
+            <a:off x="1141411" y="4343400"/>
+            <a:ext cx="9906000" cy="1447800"/>
           </a:xfrm>
         </p:spPr>
         <p:txBody>
@@ -877,11 +759,20 @@
             <a:lvl1pPr marL="0" indent="0" algn="l">
               <a:buNone/>
               <a:defRPr sz="2000">
-                <a:solidFill>
-                  <a:schemeClr val="bg2">
-                    <a:lumMod val="75000"/>
-                  </a:schemeClr>
-                </a:solidFill>
+                <a:gradFill flip="none" rotWithShape="1">
+                  <a:gsLst>
+                    <a:gs pos="0">
+                      <a:schemeClr val="tx1"/>
+                    </a:gs>
+                    <a:gs pos="100000">
+                      <a:schemeClr val="tx1">
+                        <a:lumMod val="75000"/>
+                      </a:schemeClr>
+                    </a:gs>
+                  </a:gsLst>
+                  <a:lin ang="5400000" scaled="0"/>
+                  <a:tileRect/>
+                </a:gradFill>
               </a:defRPr>
             </a:lvl1pPr>
             <a:lvl2pPr marL="457200" indent="0">
@@ -991,7 +882,7 @@
           <a:p>
             <a:fld id="{325CA7BC-FAA3-42D2-A4A6-6231C6B4CE4A}" type="datetimeFigureOut">
               <a:rPr lang="en-AU" smtClean="0"/>
-              <a:t>28/02/2024</a:t>
+              <a:t>6/03/2024</a:t>
             </a:fld>
             <a:endParaRPr lang="en-AU"/>
           </a:p>
@@ -1042,7 +933,7 @@
     </p:spTree>
     <p:extLst>
       <p:ext uri="{BB962C8B-B14F-4D97-AF65-F5344CB8AC3E}">
-        <p14:creationId xmlns:p14="http://schemas.microsoft.com/office/powerpoint/2010/main" val="3059898060"/>
+        <p14:creationId xmlns:p14="http://schemas.microsoft.com/office/powerpoint/2010/main" val="3645873583"/>
       </p:ext>
     </p:extLst>
   </p:cSld>
@@ -1071,18 +962,248 @@
       </p:grpSpPr>
       <p:sp>
         <p:nvSpPr>
-          <p:cNvPr id="2" name="Title 1"/>
-          <p:cNvSpPr>
-            <a:spLocks noGrp="1"/>
-          </p:cNvSpPr>
-          <p:nvPr>
-            <p:ph type="title"/>
-          </p:nvPr>
+          <p:cNvPr id="14" name="TextBox 13"/>
+          <p:cNvSpPr txBox="1"/>
+          <p:nvPr/>
         </p:nvSpPr>
         <p:spPr>
           <a:xfrm>
-            <a:off x="1141411" y="685800"/>
-            <a:ext cx="9144001" cy="2743200"/>
+            <a:off x="836612" y="786824"/>
+            <a:ext cx="609600" cy="584776"/>
+          </a:xfrm>
+          <a:prstGeom prst="rect">
+            <a:avLst/>
+          </a:prstGeom>
+        </p:spPr>
+        <p:txBody>
+          <a:bodyPr vert="horz" lIns="91440" tIns="45720" rIns="91440" bIns="45720" rtlCol="0" anchor="ctr">
+            <a:noAutofit/>
+          </a:bodyPr>
+          <a:lstStyle>
+            <a:lvl1pPr>
+              <a:spcBef>
+                <a:spcPct val="0"/>
+              </a:spcBef>
+              <a:buNone/>
+              <a:defRPr sz="3200" b="0" cap="all">
+                <a:ln w="3175" cmpd="sng">
+                  <a:noFill/>
+                </a:ln>
+                <a:effectLst>
+                  <a:glow rad="38100">
+                    <a:schemeClr val="bg1">
+                      <a:lumMod val="65000"/>
+                      <a:lumOff val="35000"/>
+                      <a:alpha val="40000"/>
+                    </a:schemeClr>
+                  </a:glow>
+                  <a:outerShdw blurRad="28575" dist="38100" dir="14040000" algn="tl" rotWithShape="0">
+                    <a:srgbClr val="000000">
+                      <a:alpha val="25000"/>
+                    </a:srgbClr>
+                  </a:outerShdw>
+                </a:effectLst>
+              </a:defRPr>
+            </a:lvl1pPr>
+            <a:lvl2pPr>
+              <a:defRPr>
+                <a:solidFill>
+                  <a:schemeClr val="tx2"/>
+                </a:solidFill>
+              </a:defRPr>
+            </a:lvl2pPr>
+            <a:lvl3pPr>
+              <a:defRPr>
+                <a:solidFill>
+                  <a:schemeClr val="tx2"/>
+                </a:solidFill>
+              </a:defRPr>
+            </a:lvl3pPr>
+            <a:lvl4pPr>
+              <a:defRPr>
+                <a:solidFill>
+                  <a:schemeClr val="tx2"/>
+                </a:solidFill>
+              </a:defRPr>
+            </a:lvl4pPr>
+            <a:lvl5pPr>
+              <a:defRPr>
+                <a:solidFill>
+                  <a:schemeClr val="tx2"/>
+                </a:solidFill>
+              </a:defRPr>
+            </a:lvl5pPr>
+            <a:lvl6pPr>
+              <a:defRPr>
+                <a:solidFill>
+                  <a:schemeClr val="tx2"/>
+                </a:solidFill>
+              </a:defRPr>
+            </a:lvl6pPr>
+            <a:lvl7pPr>
+              <a:defRPr>
+                <a:solidFill>
+                  <a:schemeClr val="tx2"/>
+                </a:solidFill>
+              </a:defRPr>
+            </a:lvl7pPr>
+            <a:lvl8pPr>
+              <a:defRPr>
+                <a:solidFill>
+                  <a:schemeClr val="tx2"/>
+                </a:solidFill>
+              </a:defRPr>
+            </a:lvl8pPr>
+            <a:lvl9pPr>
+              <a:defRPr>
+                <a:solidFill>
+                  <a:schemeClr val="tx2"/>
+                </a:solidFill>
+              </a:defRPr>
+            </a:lvl9pPr>
+          </a:lstStyle>
+          <a:p>
+            <a:pPr lvl="0"/>
+            <a:r>
+              <a:rPr lang="en-US" sz="8000" dirty="0">
+                <a:solidFill>
+                  <a:schemeClr val="accent1"/>
+                </a:solidFill>
+              </a:rPr>
+              <a:t>“</a:t>
+            </a:r>
+          </a:p>
+        </p:txBody>
+      </p:sp>
+      <p:sp>
+        <p:nvSpPr>
+          <p:cNvPr id="15" name="TextBox 14"/>
+          <p:cNvSpPr txBox="1"/>
+          <p:nvPr/>
+        </p:nvSpPr>
+        <p:spPr>
+          <a:xfrm>
+            <a:off x="10437812" y="2743200"/>
+            <a:ext cx="609600" cy="584776"/>
+          </a:xfrm>
+          <a:prstGeom prst="rect">
+            <a:avLst/>
+          </a:prstGeom>
+        </p:spPr>
+        <p:txBody>
+          <a:bodyPr vert="horz" lIns="91440" tIns="45720" rIns="91440" bIns="45720" rtlCol="0" anchor="ctr">
+            <a:noAutofit/>
+          </a:bodyPr>
+          <a:lstStyle>
+            <a:lvl1pPr>
+              <a:spcBef>
+                <a:spcPct val="0"/>
+              </a:spcBef>
+              <a:buNone/>
+              <a:defRPr sz="3200" b="0" cap="all">
+                <a:ln w="3175" cmpd="sng">
+                  <a:noFill/>
+                </a:ln>
+                <a:effectLst>
+                  <a:glow rad="38100">
+                    <a:schemeClr val="bg1">
+                      <a:lumMod val="65000"/>
+                      <a:lumOff val="35000"/>
+                      <a:alpha val="40000"/>
+                    </a:schemeClr>
+                  </a:glow>
+                  <a:outerShdw blurRad="28575" dist="38100" dir="14040000" algn="tl" rotWithShape="0">
+                    <a:srgbClr val="000000">
+                      <a:alpha val="25000"/>
+                    </a:srgbClr>
+                  </a:outerShdw>
+                </a:effectLst>
+              </a:defRPr>
+            </a:lvl1pPr>
+            <a:lvl2pPr>
+              <a:defRPr>
+                <a:solidFill>
+                  <a:schemeClr val="tx2"/>
+                </a:solidFill>
+              </a:defRPr>
+            </a:lvl2pPr>
+            <a:lvl3pPr>
+              <a:defRPr>
+                <a:solidFill>
+                  <a:schemeClr val="tx2"/>
+                </a:solidFill>
+              </a:defRPr>
+            </a:lvl3pPr>
+            <a:lvl4pPr>
+              <a:defRPr>
+                <a:solidFill>
+                  <a:schemeClr val="tx2"/>
+                </a:solidFill>
+              </a:defRPr>
+            </a:lvl4pPr>
+            <a:lvl5pPr>
+              <a:defRPr>
+                <a:solidFill>
+                  <a:schemeClr val="tx2"/>
+                </a:solidFill>
+              </a:defRPr>
+            </a:lvl5pPr>
+            <a:lvl6pPr>
+              <a:defRPr>
+                <a:solidFill>
+                  <a:schemeClr val="tx2"/>
+                </a:solidFill>
+              </a:defRPr>
+            </a:lvl6pPr>
+            <a:lvl7pPr>
+              <a:defRPr>
+                <a:solidFill>
+                  <a:schemeClr val="tx2"/>
+                </a:solidFill>
+              </a:defRPr>
+            </a:lvl7pPr>
+            <a:lvl8pPr>
+              <a:defRPr>
+                <a:solidFill>
+                  <a:schemeClr val="tx2"/>
+                </a:solidFill>
+              </a:defRPr>
+            </a:lvl8pPr>
+            <a:lvl9pPr>
+              <a:defRPr>
+                <a:solidFill>
+                  <a:schemeClr val="tx2"/>
+                </a:solidFill>
+              </a:defRPr>
+            </a:lvl9pPr>
+          </a:lstStyle>
+          <a:p>
+            <a:pPr lvl="0" algn="r"/>
+            <a:r>
+              <a:rPr lang="en-US" sz="8000" dirty="0">
+                <a:solidFill>
+                  <a:schemeClr val="accent1"/>
+                </a:solidFill>
+              </a:rPr>
+              <a:t>”</a:t>
+            </a:r>
+          </a:p>
+        </p:txBody>
+      </p:sp>
+      <p:sp>
+        <p:nvSpPr>
+          <p:cNvPr id="2" name="Title 1"/>
+          <p:cNvSpPr>
+            <a:spLocks noGrp="1"/>
+          </p:cNvSpPr>
+          <p:nvPr>
+            <p:ph type="title"/>
+          </p:nvPr>
+        </p:nvSpPr>
+        <p:spPr>
+          <a:xfrm>
+            <a:off x="1446213" y="609601"/>
+            <a:ext cx="9296398" cy="2743199"/>
           </a:xfrm>
         </p:spPr>
         <p:txBody>
@@ -1119,8 +1240,8 @@
         </p:nvSpPr>
         <p:spPr>
           <a:xfrm>
-            <a:off x="1446212" y="3429000"/>
-            <a:ext cx="8534400" cy="381000"/>
+            <a:off x="1674812" y="3352800"/>
+            <a:ext cx="8839202" cy="381000"/>
           </a:xfrm>
         </p:spPr>
         <p:txBody>
@@ -1173,108 +1294,39 @@
         </p:nvSpPr>
         <p:spPr>
           <a:xfrm>
-            <a:off x="684213" y="4301067"/>
-            <a:ext cx="8534400" cy="1684865"/>
+            <a:off x="1141411" y="4343400"/>
+            <a:ext cx="9906000" cy="1447800"/>
           </a:xfrm>
         </p:spPr>
         <p:txBody>
-          <a:bodyPr anchor="ctr">
+          <a:bodyPr vert="horz" lIns="91440" tIns="45720" rIns="91440" bIns="45720" rtlCol="0" anchor="ctr">
             <a:normAutofit/>
           </a:bodyPr>
           <a:lstStyle>
-            <a:lvl1pPr marL="0" indent="0" algn="l">
-              <a:buNone/>
-              <a:defRPr sz="2000">
-                <a:solidFill>
-                  <a:schemeClr val="bg2">
-                    <a:lumMod val="75000"/>
-                  </a:schemeClr>
-                </a:solidFill>
+            <a:lvl1pPr>
+              <a:buNone/>
+              <a:defRPr lang="en-US" sz="2000">
+                <a:gradFill flip="none" rotWithShape="1">
+                  <a:gsLst>
+                    <a:gs pos="0">
+                      <a:schemeClr val="tx1"/>
+                    </a:gs>
+                    <a:gs pos="100000">
+                      <a:schemeClr val="tx1">
+                        <a:lumMod val="75000"/>
+                      </a:schemeClr>
+                    </a:gs>
+                  </a:gsLst>
+                  <a:lin ang="5400000" scaled="0"/>
+                  <a:tileRect/>
+                </a:gradFill>
               </a:defRPr>
             </a:lvl1pPr>
-            <a:lvl2pPr marL="457200" indent="0">
-              <a:buNone/>
-              <a:defRPr sz="1800">
-                <a:solidFill>
-                  <a:schemeClr val="tx1">
-                    <a:tint val="75000"/>
-                  </a:schemeClr>
-                </a:solidFill>
-              </a:defRPr>
-            </a:lvl2pPr>
-            <a:lvl3pPr marL="914400" indent="0">
-              <a:buNone/>
-              <a:defRPr sz="1600">
-                <a:solidFill>
-                  <a:schemeClr val="tx1">
-                    <a:tint val="75000"/>
-                  </a:schemeClr>
-                </a:solidFill>
-              </a:defRPr>
-            </a:lvl3pPr>
-            <a:lvl4pPr marL="1371600" indent="0">
-              <a:buNone/>
-              <a:defRPr sz="1400">
-                <a:solidFill>
-                  <a:schemeClr val="tx1">
-                    <a:tint val="75000"/>
-                  </a:schemeClr>
-                </a:solidFill>
-              </a:defRPr>
-            </a:lvl4pPr>
-            <a:lvl5pPr marL="1828800" indent="0">
-              <a:buNone/>
-              <a:defRPr sz="1400">
-                <a:solidFill>
-                  <a:schemeClr val="tx1">
-                    <a:tint val="75000"/>
-                  </a:schemeClr>
-                </a:solidFill>
-              </a:defRPr>
-            </a:lvl5pPr>
-            <a:lvl6pPr marL="2286000" indent="0">
-              <a:buNone/>
-              <a:defRPr sz="1400">
-                <a:solidFill>
-                  <a:schemeClr val="tx1">
-                    <a:tint val="75000"/>
-                  </a:schemeClr>
-                </a:solidFill>
-              </a:defRPr>
-            </a:lvl6pPr>
-            <a:lvl7pPr marL="2743200" indent="0">
-              <a:buNone/>
-              <a:defRPr sz="1400">
-                <a:solidFill>
-                  <a:schemeClr val="tx1">
-                    <a:tint val="75000"/>
-                  </a:schemeClr>
-                </a:solidFill>
-              </a:defRPr>
-            </a:lvl7pPr>
-            <a:lvl8pPr marL="3200400" indent="0">
-              <a:buNone/>
-              <a:defRPr sz="1400">
-                <a:solidFill>
-                  <a:schemeClr val="tx1">
-                    <a:tint val="75000"/>
-                  </a:schemeClr>
-                </a:solidFill>
-              </a:defRPr>
-            </a:lvl8pPr>
-            <a:lvl9pPr marL="3657600" indent="0">
-              <a:buNone/>
-              <a:defRPr sz="1400">
-                <a:solidFill>
-                  <a:schemeClr val="tx1">
-                    <a:tint val="75000"/>
-                  </a:schemeClr>
-                </a:solidFill>
-              </a:defRPr>
-            </a:lvl9pPr>
           </a:lstStyle>
           <a:p>
-            <a:pPr lvl="0"/>
+            <a:pPr marL="0" lvl="0" indent="0">
+              <a:buNone/>
+            </a:pPr>
             <a:r>
               <a:rPr lang="en-US"/>
               <a:t>Click to edit Master text styles</a:t>
@@ -1299,7 +1351,7 @@
           <a:p>
             <a:fld id="{325CA7BC-FAA3-42D2-A4A6-6231C6B4CE4A}" type="datetimeFigureOut">
               <a:rPr lang="en-AU" smtClean="0"/>
-              <a:t>28/02/2024</a:t>
+              <a:t>6/03/2024</a:t>
             </a:fld>
             <a:endParaRPr lang="en-AU"/>
           </a:p>
@@ -1347,78 +1399,10 @@
           </a:p>
         </p:txBody>
       </p:sp>
-      <p:sp>
-        <p:nvSpPr>
-          <p:cNvPr id="14" name="TextBox 13"/>
-          <p:cNvSpPr txBox="1"/>
-          <p:nvPr/>
-        </p:nvSpPr>
-        <p:spPr>
-          <a:xfrm>
-            <a:off x="531812" y="812222"/>
-            <a:ext cx="609600" cy="584776"/>
-          </a:xfrm>
-          <a:prstGeom prst="rect">
-            <a:avLst/>
-          </a:prstGeom>
-        </p:spPr>
-        <p:txBody>
-          <a:bodyPr vert="horz" lIns="91440" tIns="45720" rIns="91440" bIns="45720" rtlCol="0" anchor="ctr">
-            <a:noAutofit/>
-          </a:bodyPr>
-          <a:lstStyle/>
-          <a:p>
-            <a:pPr lvl="0"/>
-            <a:r>
-              <a:rPr lang="en-US" sz="8000" dirty="0">
-                <a:solidFill>
-                  <a:schemeClr val="tx1"/>
-                </a:solidFill>
-                <a:effectLst/>
-              </a:rPr>
-              <a:t>“</a:t>
-            </a:r>
-          </a:p>
-        </p:txBody>
-      </p:sp>
-      <p:sp>
-        <p:nvSpPr>
-          <p:cNvPr id="15" name="TextBox 14"/>
-          <p:cNvSpPr txBox="1"/>
-          <p:nvPr/>
-        </p:nvSpPr>
-        <p:spPr>
-          <a:xfrm>
-            <a:off x="10285412" y="2768601"/>
-            <a:ext cx="609600" cy="584776"/>
-          </a:xfrm>
-          <a:prstGeom prst="rect">
-            <a:avLst/>
-          </a:prstGeom>
-        </p:spPr>
-        <p:txBody>
-          <a:bodyPr vert="horz" lIns="91440" tIns="45720" rIns="91440" bIns="45720" rtlCol="0" anchor="ctr">
-            <a:noAutofit/>
-          </a:bodyPr>
-          <a:lstStyle/>
-          <a:p>
-            <a:pPr lvl="0" algn="r"/>
-            <a:r>
-              <a:rPr lang="en-US" sz="8000" dirty="0">
-                <a:solidFill>
-                  <a:schemeClr val="tx1"/>
-                </a:solidFill>
-                <a:effectLst/>
-              </a:rPr>
-              <a:t>”</a:t>
-            </a:r>
-          </a:p>
-        </p:txBody>
-      </p:sp>
     </p:spTree>
     <p:extLst>
       <p:ext uri="{BB962C8B-B14F-4D97-AF65-F5344CB8AC3E}">
-        <p14:creationId xmlns:p14="http://schemas.microsoft.com/office/powerpoint/2010/main" val="931079198"/>
+        <p14:creationId xmlns:p14="http://schemas.microsoft.com/office/powerpoint/2010/main" val="229173311"/>
       </p:ext>
     </p:extLst>
   </p:cSld>
@@ -1457,8 +1441,8 @@
         </p:nvSpPr>
         <p:spPr>
           <a:xfrm>
-            <a:off x="684212" y="3429000"/>
-            <a:ext cx="8534400" cy="1697400"/>
+            <a:off x="1141412" y="3308581"/>
+            <a:ext cx="9906000" cy="1468800"/>
           </a:xfrm>
         </p:spPr>
         <p:txBody>
@@ -1491,108 +1475,38 @@
         </p:nvSpPr>
         <p:spPr>
           <a:xfrm>
-            <a:off x="684211" y="5132981"/>
-            <a:ext cx="8535990" cy="860400"/>
+            <a:off x="1141410" y="4777381"/>
+            <a:ext cx="9906001" cy="860400"/>
           </a:xfrm>
         </p:spPr>
         <p:txBody>
-          <a:bodyPr anchor="t">
+          <a:bodyPr vert="horz" lIns="91440" tIns="45720" rIns="91440" bIns="45720" rtlCol="0" anchor="t">
             <a:normAutofit/>
           </a:bodyPr>
           <a:lstStyle>
-            <a:lvl1pPr marL="0" indent="0" algn="l">
-              <a:buNone/>
-              <a:defRPr sz="2000">
-                <a:solidFill>
-                  <a:schemeClr val="bg2">
-                    <a:lumMod val="75000"/>
-                  </a:schemeClr>
-                </a:solidFill>
+            <a:lvl1pPr>
+              <a:defRPr lang="en-US" sz="2000">
+                <a:gradFill flip="none" rotWithShape="1">
+                  <a:gsLst>
+                    <a:gs pos="0">
+                      <a:schemeClr val="tx1"/>
+                    </a:gs>
+                    <a:gs pos="100000">
+                      <a:schemeClr val="tx1">
+                        <a:lumMod val="75000"/>
+                      </a:schemeClr>
+                    </a:gs>
+                  </a:gsLst>
+                  <a:lin ang="5400000" scaled="0"/>
+                  <a:tileRect/>
+                </a:gradFill>
               </a:defRPr>
             </a:lvl1pPr>
-            <a:lvl2pPr marL="457200" indent="0">
-              <a:buNone/>
-              <a:defRPr sz="1800">
-                <a:solidFill>
-                  <a:schemeClr val="tx1">
-                    <a:tint val="75000"/>
-                  </a:schemeClr>
-                </a:solidFill>
-              </a:defRPr>
-            </a:lvl2pPr>
-            <a:lvl3pPr marL="914400" indent="0">
-              <a:buNone/>
-              <a:defRPr sz="1600">
-                <a:solidFill>
-                  <a:schemeClr val="tx1">
-                    <a:tint val="75000"/>
-                  </a:schemeClr>
-                </a:solidFill>
-              </a:defRPr>
-            </a:lvl3pPr>
-            <a:lvl4pPr marL="1371600" indent="0">
-              <a:buNone/>
-              <a:defRPr sz="1400">
-                <a:solidFill>
-                  <a:schemeClr val="tx1">
-                    <a:tint val="75000"/>
-                  </a:schemeClr>
-                </a:solidFill>
-              </a:defRPr>
-            </a:lvl4pPr>
-            <a:lvl5pPr marL="1828800" indent="0">
-              <a:buNone/>
-              <a:defRPr sz="1400">
-                <a:solidFill>
-                  <a:schemeClr val="tx1">
-                    <a:tint val="75000"/>
-                  </a:schemeClr>
-                </a:solidFill>
-              </a:defRPr>
-            </a:lvl5pPr>
-            <a:lvl6pPr marL="2286000" indent="0">
-              <a:buNone/>
-              <a:defRPr sz="1400">
-                <a:solidFill>
-                  <a:schemeClr val="tx1">
-                    <a:tint val="75000"/>
-                  </a:schemeClr>
-                </a:solidFill>
-              </a:defRPr>
-            </a:lvl6pPr>
-            <a:lvl7pPr marL="2743200" indent="0">
-              <a:buNone/>
-              <a:defRPr sz="1400">
-                <a:solidFill>
-                  <a:schemeClr val="tx1">
-                    <a:tint val="75000"/>
-                  </a:schemeClr>
-                </a:solidFill>
-              </a:defRPr>
-            </a:lvl7pPr>
-            <a:lvl8pPr marL="3200400" indent="0">
-              <a:buNone/>
-              <a:defRPr sz="1400">
-                <a:solidFill>
-                  <a:schemeClr val="tx1">
-                    <a:tint val="75000"/>
-                  </a:schemeClr>
-                </a:solidFill>
-              </a:defRPr>
-            </a:lvl8pPr>
-            <a:lvl9pPr marL="3657600" indent="0">
-              <a:buNone/>
-              <a:defRPr sz="1400">
-                <a:solidFill>
-                  <a:schemeClr val="tx1">
-                    <a:tint val="75000"/>
-                  </a:schemeClr>
-                </a:solidFill>
-              </a:defRPr>
-            </a:lvl9pPr>
           </a:lstStyle>
           <a:p>
-            <a:pPr lvl="0"/>
+            <a:pPr marL="0" lvl="0" indent="0">
+              <a:buNone/>
+            </a:pPr>
             <a:r>
               <a:rPr lang="en-US"/>
               <a:t>Click to edit Master text styles</a:t>
@@ -1617,7 +1531,7 @@
           <a:p>
             <a:fld id="{325CA7BC-FAA3-42D2-A4A6-6231C6B4CE4A}" type="datetimeFigureOut">
               <a:rPr lang="en-AU" smtClean="0"/>
-              <a:t>28/02/2024</a:t>
+              <a:t>6/03/2024</a:t>
             </a:fld>
             <a:endParaRPr lang="en-AU"/>
           </a:p>
@@ -1668,7 +1582,7 @@
     </p:spTree>
     <p:extLst>
       <p:ext uri="{BB962C8B-B14F-4D97-AF65-F5344CB8AC3E}">
-        <p14:creationId xmlns:p14="http://schemas.microsoft.com/office/powerpoint/2010/main" val="2914104524"/>
+        <p14:creationId xmlns:p14="http://schemas.microsoft.com/office/powerpoint/2010/main" val="3844220724"/>
       </p:ext>
     </p:extLst>
   </p:cSld>
@@ -1697,18 +1611,248 @@
       </p:grpSpPr>
       <p:sp>
         <p:nvSpPr>
-          <p:cNvPr id="2" name="Title 1"/>
-          <p:cNvSpPr>
-            <a:spLocks noGrp="1"/>
-          </p:cNvSpPr>
-          <p:nvPr>
-            <p:ph type="title"/>
-          </p:nvPr>
+          <p:cNvPr id="14" name="TextBox 13"/>
+          <p:cNvSpPr txBox="1"/>
+          <p:nvPr/>
         </p:nvSpPr>
         <p:spPr>
           <a:xfrm>
-            <a:off x="1141413" y="685800"/>
-            <a:ext cx="9144000" cy="2743200"/>
+            <a:off x="836612" y="786824"/>
+            <a:ext cx="609600" cy="584776"/>
+          </a:xfrm>
+          <a:prstGeom prst="rect">
+            <a:avLst/>
+          </a:prstGeom>
+        </p:spPr>
+        <p:txBody>
+          <a:bodyPr vert="horz" lIns="91440" tIns="45720" rIns="91440" bIns="45720" rtlCol="0" anchor="ctr">
+            <a:noAutofit/>
+          </a:bodyPr>
+          <a:lstStyle>
+            <a:lvl1pPr>
+              <a:spcBef>
+                <a:spcPct val="0"/>
+              </a:spcBef>
+              <a:buNone/>
+              <a:defRPr sz="3200" b="0" cap="all">
+                <a:ln w="3175" cmpd="sng">
+                  <a:noFill/>
+                </a:ln>
+                <a:effectLst>
+                  <a:glow rad="38100">
+                    <a:schemeClr val="bg1">
+                      <a:lumMod val="65000"/>
+                      <a:lumOff val="35000"/>
+                      <a:alpha val="40000"/>
+                    </a:schemeClr>
+                  </a:glow>
+                  <a:outerShdw blurRad="28575" dist="38100" dir="14040000" algn="tl" rotWithShape="0">
+                    <a:srgbClr val="000000">
+                      <a:alpha val="25000"/>
+                    </a:srgbClr>
+                  </a:outerShdw>
+                </a:effectLst>
+              </a:defRPr>
+            </a:lvl1pPr>
+            <a:lvl2pPr>
+              <a:defRPr>
+                <a:solidFill>
+                  <a:schemeClr val="tx2"/>
+                </a:solidFill>
+              </a:defRPr>
+            </a:lvl2pPr>
+            <a:lvl3pPr>
+              <a:defRPr>
+                <a:solidFill>
+                  <a:schemeClr val="tx2"/>
+                </a:solidFill>
+              </a:defRPr>
+            </a:lvl3pPr>
+            <a:lvl4pPr>
+              <a:defRPr>
+                <a:solidFill>
+                  <a:schemeClr val="tx2"/>
+                </a:solidFill>
+              </a:defRPr>
+            </a:lvl4pPr>
+            <a:lvl5pPr>
+              <a:defRPr>
+                <a:solidFill>
+                  <a:schemeClr val="tx2"/>
+                </a:solidFill>
+              </a:defRPr>
+            </a:lvl5pPr>
+            <a:lvl6pPr>
+              <a:defRPr>
+                <a:solidFill>
+                  <a:schemeClr val="tx2"/>
+                </a:solidFill>
+              </a:defRPr>
+            </a:lvl6pPr>
+            <a:lvl7pPr>
+              <a:defRPr>
+                <a:solidFill>
+                  <a:schemeClr val="tx2"/>
+                </a:solidFill>
+              </a:defRPr>
+            </a:lvl7pPr>
+            <a:lvl8pPr>
+              <a:defRPr>
+                <a:solidFill>
+                  <a:schemeClr val="tx2"/>
+                </a:solidFill>
+              </a:defRPr>
+            </a:lvl8pPr>
+            <a:lvl9pPr>
+              <a:defRPr>
+                <a:solidFill>
+                  <a:schemeClr val="tx2"/>
+                </a:solidFill>
+              </a:defRPr>
+            </a:lvl9pPr>
+          </a:lstStyle>
+          <a:p>
+            <a:pPr lvl="0"/>
+            <a:r>
+              <a:rPr lang="en-US" sz="8000" dirty="0">
+                <a:solidFill>
+                  <a:schemeClr val="accent1"/>
+                </a:solidFill>
+              </a:rPr>
+              <a:t>“</a:t>
+            </a:r>
+          </a:p>
+        </p:txBody>
+      </p:sp>
+      <p:sp>
+        <p:nvSpPr>
+          <p:cNvPr id="15" name="TextBox 14"/>
+          <p:cNvSpPr txBox="1"/>
+          <p:nvPr/>
+        </p:nvSpPr>
+        <p:spPr>
+          <a:xfrm>
+            <a:off x="10437812" y="2743200"/>
+            <a:ext cx="609600" cy="584776"/>
+          </a:xfrm>
+          <a:prstGeom prst="rect">
+            <a:avLst/>
+          </a:prstGeom>
+        </p:spPr>
+        <p:txBody>
+          <a:bodyPr vert="horz" lIns="91440" tIns="45720" rIns="91440" bIns="45720" rtlCol="0" anchor="ctr">
+            <a:noAutofit/>
+          </a:bodyPr>
+          <a:lstStyle>
+            <a:lvl1pPr>
+              <a:spcBef>
+                <a:spcPct val="0"/>
+              </a:spcBef>
+              <a:buNone/>
+              <a:defRPr sz="3200" b="0" cap="all">
+                <a:ln w="3175" cmpd="sng">
+                  <a:noFill/>
+                </a:ln>
+                <a:effectLst>
+                  <a:glow rad="38100">
+                    <a:schemeClr val="bg1">
+                      <a:lumMod val="65000"/>
+                      <a:lumOff val="35000"/>
+                      <a:alpha val="40000"/>
+                    </a:schemeClr>
+                  </a:glow>
+                  <a:outerShdw blurRad="28575" dist="38100" dir="14040000" algn="tl" rotWithShape="0">
+                    <a:srgbClr val="000000">
+                      <a:alpha val="25000"/>
+                    </a:srgbClr>
+                  </a:outerShdw>
+                </a:effectLst>
+              </a:defRPr>
+            </a:lvl1pPr>
+            <a:lvl2pPr>
+              <a:defRPr>
+                <a:solidFill>
+                  <a:schemeClr val="tx2"/>
+                </a:solidFill>
+              </a:defRPr>
+            </a:lvl2pPr>
+            <a:lvl3pPr>
+              <a:defRPr>
+                <a:solidFill>
+                  <a:schemeClr val="tx2"/>
+                </a:solidFill>
+              </a:defRPr>
+            </a:lvl3pPr>
+            <a:lvl4pPr>
+              <a:defRPr>
+                <a:solidFill>
+                  <a:schemeClr val="tx2"/>
+                </a:solidFill>
+              </a:defRPr>
+            </a:lvl4pPr>
+            <a:lvl5pPr>
+              <a:defRPr>
+                <a:solidFill>
+                  <a:schemeClr val="tx2"/>
+                </a:solidFill>
+              </a:defRPr>
+            </a:lvl5pPr>
+            <a:lvl6pPr>
+              <a:defRPr>
+                <a:solidFill>
+                  <a:schemeClr val="tx2"/>
+                </a:solidFill>
+              </a:defRPr>
+            </a:lvl6pPr>
+            <a:lvl7pPr>
+              <a:defRPr>
+                <a:solidFill>
+                  <a:schemeClr val="tx2"/>
+                </a:solidFill>
+              </a:defRPr>
+            </a:lvl7pPr>
+            <a:lvl8pPr>
+              <a:defRPr>
+                <a:solidFill>
+                  <a:schemeClr val="tx2"/>
+                </a:solidFill>
+              </a:defRPr>
+            </a:lvl8pPr>
+            <a:lvl9pPr>
+              <a:defRPr>
+                <a:solidFill>
+                  <a:schemeClr val="tx2"/>
+                </a:solidFill>
+              </a:defRPr>
+            </a:lvl9pPr>
+          </a:lstStyle>
+          <a:p>
+            <a:pPr lvl="0" algn="r"/>
+            <a:r>
+              <a:rPr lang="en-US" sz="8000" dirty="0">
+                <a:solidFill>
+                  <a:schemeClr val="accent1"/>
+                </a:solidFill>
+              </a:rPr>
+              <a:t>”</a:t>
+            </a:r>
+          </a:p>
+        </p:txBody>
+      </p:sp>
+      <p:sp>
+        <p:nvSpPr>
+          <p:cNvPr id="2" name="Title 1"/>
+          <p:cNvSpPr>
+            <a:spLocks noGrp="1"/>
+          </p:cNvSpPr>
+          <p:nvPr>
+            <p:ph type="title"/>
+          </p:nvPr>
+        </p:nvSpPr>
+        <p:spPr>
+          <a:xfrm>
+            <a:off x="1446213" y="609601"/>
+            <a:ext cx="9296398" cy="2743199"/>
           </a:xfrm>
         </p:spPr>
         <p:txBody>
@@ -1718,9 +1862,20 @@
           <a:lstStyle>
             <a:lvl1pPr algn="l">
               <a:defRPr sz="3200" b="0" cap="all">
-                <a:solidFill>
-                  <a:schemeClr val="tx1"/>
-                </a:solidFill>
+                <a:gradFill flip="none" rotWithShape="1">
+                  <a:gsLst>
+                    <a:gs pos="0">
+                      <a:schemeClr val="tx1"/>
+                    </a:gs>
+                    <a:gs pos="100000">
+                      <a:schemeClr val="tx1">
+                        <a:lumMod val="75000"/>
+                      </a:schemeClr>
+                    </a:gs>
+                  </a:gsLst>
+                  <a:lin ang="5400000" scaled="0"/>
+                  <a:tileRect/>
+                </a:gradFill>
               </a:defRPr>
             </a:lvl1pPr>
           </a:lstStyle>
@@ -1745,8 +1900,8 @@
         </p:nvSpPr>
         <p:spPr>
           <a:xfrm>
-            <a:off x="684212" y="3928534"/>
-            <a:ext cx="8534401" cy="1049866"/>
+            <a:off x="1141412" y="3886200"/>
+            <a:ext cx="9906000" cy="889000"/>
           </a:xfrm>
         </p:spPr>
         <p:txBody>
@@ -1760,10 +1915,34 @@
                 <a:ln w="3175" cmpd="sng">
                   <a:noFill/>
                 </a:ln>
-                <a:solidFill>
-                  <a:schemeClr val="tx1"/>
-                </a:solidFill>
-                <a:effectLst/>
+                <a:gradFill flip="none" rotWithShape="1">
+                  <a:gsLst>
+                    <a:gs pos="0">
+                      <a:schemeClr val="tx1"/>
+                    </a:gs>
+                    <a:gs pos="100000">
+                      <a:schemeClr val="tx1">
+                        <a:lumMod val="75000"/>
+                      </a:schemeClr>
+                    </a:gs>
+                  </a:gsLst>
+                  <a:lin ang="5400000" scaled="0"/>
+                  <a:tileRect/>
+                </a:gradFill>
+                <a:effectLst>
+                  <a:glow rad="38100">
+                    <a:schemeClr val="bg1">
+                      <a:lumMod val="65000"/>
+                      <a:lumOff val="35000"/>
+                      <a:alpha val="40000"/>
+                    </a:schemeClr>
+                  </a:glow>
+                  <a:outerShdw blurRad="28575" dist="38100" dir="14040000" algn="tl" rotWithShape="0">
+                    <a:srgbClr val="000000">
+                      <a:alpha val="25000"/>
+                    </a:srgbClr>
+                  </a:outerShdw>
+                </a:effectLst>
               </a:defRPr>
             </a:lvl1pPr>
           </a:lstStyle>
@@ -1793,8 +1972,8 @@
         </p:nvSpPr>
         <p:spPr>
           <a:xfrm>
-            <a:off x="684211" y="4978400"/>
-            <a:ext cx="8534401" cy="1016000"/>
+            <a:off x="1141411" y="4775200"/>
+            <a:ext cx="9906000" cy="1016000"/>
           </a:xfrm>
         </p:spPr>
         <p:txBody>
@@ -1805,11 +1984,20 @@
             <a:lvl1pPr marL="0" indent="0" algn="l">
               <a:buNone/>
               <a:defRPr sz="1800">
-                <a:solidFill>
-                  <a:schemeClr val="bg2">
-                    <a:lumMod val="75000"/>
-                  </a:schemeClr>
-                </a:solidFill>
+                <a:gradFill flip="none" rotWithShape="1">
+                  <a:gsLst>
+                    <a:gs pos="0">
+                      <a:schemeClr val="tx1"/>
+                    </a:gs>
+                    <a:gs pos="100000">
+                      <a:schemeClr val="tx1">
+                        <a:lumMod val="75000"/>
+                      </a:schemeClr>
+                    </a:gs>
+                  </a:gsLst>
+                  <a:lin ang="5400000" scaled="0"/>
+                  <a:tileRect/>
+                </a:gradFill>
               </a:defRPr>
             </a:lvl1pPr>
             <a:lvl2pPr marL="457200" indent="0">
@@ -1919,7 +2107,7 @@
           <a:p>
             <a:fld id="{325CA7BC-FAA3-42D2-A4A6-6231C6B4CE4A}" type="datetimeFigureOut">
               <a:rPr lang="en-AU" smtClean="0"/>
-              <a:t>28/02/2024</a:t>
+              <a:t>6/03/2024</a:t>
             </a:fld>
             <a:endParaRPr lang="en-AU"/>
           </a:p>
@@ -1967,78 +2155,10 @@
           </a:p>
         </p:txBody>
       </p:sp>
-      <p:sp>
-        <p:nvSpPr>
-          <p:cNvPr id="11" name="TextBox 10"/>
-          <p:cNvSpPr txBox="1"/>
-          <p:nvPr/>
-        </p:nvSpPr>
-        <p:spPr>
-          <a:xfrm>
-            <a:off x="531812" y="812222"/>
-            <a:ext cx="609600" cy="584776"/>
-          </a:xfrm>
-          <a:prstGeom prst="rect">
-            <a:avLst/>
-          </a:prstGeom>
-        </p:spPr>
-        <p:txBody>
-          <a:bodyPr vert="horz" lIns="91440" tIns="45720" rIns="91440" bIns="45720" rtlCol="0" anchor="ctr">
-            <a:noAutofit/>
-          </a:bodyPr>
-          <a:lstStyle/>
-          <a:p>
-            <a:pPr lvl="0"/>
-            <a:r>
-              <a:rPr lang="en-US" sz="8000" dirty="0">
-                <a:solidFill>
-                  <a:schemeClr val="tx1"/>
-                </a:solidFill>
-                <a:effectLst/>
-              </a:rPr>
-              <a:t>“</a:t>
-            </a:r>
-          </a:p>
-        </p:txBody>
-      </p:sp>
-      <p:sp>
-        <p:nvSpPr>
-          <p:cNvPr id="12" name="TextBox 11"/>
-          <p:cNvSpPr txBox="1"/>
-          <p:nvPr/>
-        </p:nvSpPr>
-        <p:spPr>
-          <a:xfrm>
-            <a:off x="10285412" y="2768601"/>
-            <a:ext cx="609600" cy="584776"/>
-          </a:xfrm>
-          <a:prstGeom prst="rect">
-            <a:avLst/>
-          </a:prstGeom>
-        </p:spPr>
-        <p:txBody>
-          <a:bodyPr vert="horz" lIns="91440" tIns="45720" rIns="91440" bIns="45720" rtlCol="0" anchor="ctr">
-            <a:noAutofit/>
-          </a:bodyPr>
-          <a:lstStyle/>
-          <a:p>
-            <a:pPr lvl="0" algn="r"/>
-            <a:r>
-              <a:rPr lang="en-US" sz="8000" dirty="0">
-                <a:solidFill>
-                  <a:schemeClr val="tx1"/>
-                </a:solidFill>
-                <a:effectLst/>
-              </a:rPr>
-              <a:t>”</a:t>
-            </a:r>
-          </a:p>
-        </p:txBody>
-      </p:sp>
     </p:spTree>
     <p:extLst>
       <p:ext uri="{BB962C8B-B14F-4D97-AF65-F5344CB8AC3E}">
-        <p14:creationId xmlns:p14="http://schemas.microsoft.com/office/powerpoint/2010/main" val="4205763597"/>
+        <p14:creationId xmlns:p14="http://schemas.microsoft.com/office/powerpoint/2010/main" val="2533724510"/>
       </p:ext>
     </p:extLst>
   </p:cSld>
@@ -2077,8 +2197,8 @@
         </p:nvSpPr>
         <p:spPr>
           <a:xfrm>
-            <a:off x="684213" y="685800"/>
-            <a:ext cx="10058400" cy="2743200"/>
+            <a:off x="1141412" y="609601"/>
+            <a:ext cx="9905999" cy="2743199"/>
           </a:xfrm>
         </p:spPr>
         <p:txBody>
@@ -2112,8 +2232,8 @@
         </p:nvSpPr>
         <p:spPr>
           <a:xfrm>
-            <a:off x="684212" y="3928534"/>
-            <a:ext cx="8534400" cy="838200"/>
+            <a:off x="1141412" y="3505200"/>
+            <a:ext cx="9906000" cy="838200"/>
           </a:xfrm>
         </p:spPr>
         <p:txBody>
@@ -2123,14 +2243,38 @@
           <a:lstStyle>
             <a:lvl1pPr>
               <a:buNone/>
-              <a:defRPr lang="en-US" sz="2400" b="0" cap="all" dirty="0">
+              <a:defRPr lang="en-US" sz="2800" b="0" cap="all" dirty="0">
                 <a:ln w="3175" cmpd="sng">
                   <a:noFill/>
                 </a:ln>
-                <a:solidFill>
-                  <a:schemeClr val="tx1"/>
-                </a:solidFill>
-                <a:effectLst/>
+                <a:gradFill flip="none" rotWithShape="1">
+                  <a:gsLst>
+                    <a:gs pos="0">
+                      <a:schemeClr val="tx1"/>
+                    </a:gs>
+                    <a:gs pos="100000">
+                      <a:schemeClr val="tx1">
+                        <a:lumMod val="75000"/>
+                      </a:schemeClr>
+                    </a:gs>
+                  </a:gsLst>
+                  <a:lin ang="5400000" scaled="0"/>
+                  <a:tileRect/>
+                </a:gradFill>
+                <a:effectLst>
+                  <a:glow rad="38100">
+                    <a:schemeClr val="bg1">
+                      <a:lumMod val="65000"/>
+                      <a:lumOff val="35000"/>
+                      <a:alpha val="40000"/>
+                    </a:schemeClr>
+                  </a:glow>
+                  <a:outerShdw blurRad="28575" dist="38100" dir="14040000" algn="tl" rotWithShape="0">
+                    <a:srgbClr val="000000">
+                      <a:alpha val="25000"/>
+                    </a:srgbClr>
+                  </a:outerShdw>
+                </a:effectLst>
               </a:defRPr>
             </a:lvl1pPr>
           </a:lstStyle>
@@ -2160,8 +2304,8 @@
         </p:nvSpPr>
         <p:spPr>
           <a:xfrm>
-            <a:off x="684211" y="4766732"/>
-            <a:ext cx="8534401" cy="1227667"/>
+            <a:off x="1141411" y="4343400"/>
+            <a:ext cx="9906000" cy="1447800"/>
           </a:xfrm>
         </p:spPr>
         <p:txBody>
@@ -2172,11 +2316,20 @@
             <a:lvl1pPr marL="0" indent="0" algn="l">
               <a:buNone/>
               <a:defRPr sz="1800">
-                <a:solidFill>
-                  <a:schemeClr val="bg2">
-                    <a:lumMod val="75000"/>
-                  </a:schemeClr>
-                </a:solidFill>
+                <a:gradFill flip="none" rotWithShape="1">
+                  <a:gsLst>
+                    <a:gs pos="0">
+                      <a:schemeClr val="tx1"/>
+                    </a:gs>
+                    <a:gs pos="100000">
+                      <a:schemeClr val="tx1">
+                        <a:lumMod val="75000"/>
+                      </a:schemeClr>
+                    </a:gs>
+                  </a:gsLst>
+                  <a:lin ang="5400000" scaled="0"/>
+                  <a:tileRect/>
+                </a:gradFill>
               </a:defRPr>
             </a:lvl1pPr>
             <a:lvl2pPr marL="457200" indent="0">
@@ -2286,7 +2439,7 @@
           <a:p>
             <a:fld id="{325CA7BC-FAA3-42D2-A4A6-6231C6B4CE4A}" type="datetimeFigureOut">
               <a:rPr lang="en-AU" smtClean="0"/>
-              <a:t>28/02/2024</a:t>
+              <a:t>6/03/2024</a:t>
             </a:fld>
             <a:endParaRPr lang="en-AU"/>
           </a:p>
@@ -2337,7 +2490,7 @@
     </p:spTree>
     <p:extLst>
       <p:ext uri="{BB962C8B-B14F-4D97-AF65-F5344CB8AC3E}">
-        <p14:creationId xmlns:p14="http://schemas.microsoft.com/office/powerpoint/2010/main" val="4020943519"/>
+        <p14:creationId xmlns:p14="http://schemas.microsoft.com/office/powerpoint/2010/main" val="3413334802"/>
       </p:ext>
     </p:extLst>
   </p:cSld>
@@ -2366,7 +2519,7 @@
       </p:grpSpPr>
       <p:sp>
         <p:nvSpPr>
-          <p:cNvPr id="2" name="Title 1"/>
+          <p:cNvPr id="7" name="Title 1"/>
           <p:cNvSpPr>
             <a:spLocks noGrp="1"/>
           </p:cNvSpPr>
@@ -2374,14 +2527,15 @@
             <p:ph type="title"/>
           </p:nvPr>
         </p:nvSpPr>
-        <p:spPr/>
+        <p:spPr>
+          <a:xfrm>
+            <a:off x="1141413" y="609600"/>
+            <a:ext cx="9905998" cy="1905000"/>
+          </a:xfrm>
+        </p:spPr>
         <p:txBody>
           <a:bodyPr/>
-          <a:lstStyle>
-            <a:lvl1pPr algn="l">
-              <a:defRPr/>
-            </a:lvl1pPr>
-          </a:lstStyle>
+          <a:lstStyle/>
           <a:p>
             <a:r>
               <a:rPr lang="en-US"/>
@@ -2460,7 +2614,7 @@
           <a:p>
             <a:fld id="{325CA7BC-FAA3-42D2-A4A6-6231C6B4CE4A}" type="datetimeFigureOut">
               <a:rPr lang="en-AU" smtClean="0"/>
-              <a:t>28/02/2024</a:t>
+              <a:t>6/03/2024</a:t>
             </a:fld>
             <a:endParaRPr lang="en-AU"/>
           </a:p>
@@ -2511,7 +2665,7 @@
     </p:spTree>
     <p:extLst>
       <p:ext uri="{BB962C8B-B14F-4D97-AF65-F5344CB8AC3E}">
-        <p14:creationId xmlns:p14="http://schemas.microsoft.com/office/powerpoint/2010/main" val="3178554522"/>
+        <p14:creationId xmlns:p14="http://schemas.microsoft.com/office/powerpoint/2010/main" val="1475101626"/>
       </p:ext>
     </p:extLst>
   </p:cSld>
@@ -2550,8 +2704,8 @@
         </p:nvSpPr>
         <p:spPr>
           <a:xfrm>
-            <a:off x="8685212" y="685800"/>
-            <a:ext cx="2057400" cy="4572000"/>
+            <a:off x="8836898" y="609599"/>
+            <a:ext cx="2210514" cy="5181601"/>
           </a:xfrm>
         </p:spPr>
         <p:txBody>
@@ -2578,8 +2732,8 @@
         </p:nvSpPr>
         <p:spPr>
           <a:xfrm>
-            <a:off x="685800" y="685800"/>
-            <a:ext cx="7823200" cy="5308600"/>
+            <a:off x="1141412" y="609600"/>
+            <a:ext cx="7543800" cy="5181600"/>
           </a:xfrm>
         </p:spPr>
         <p:txBody>
@@ -2640,7 +2794,7 @@
           <a:p>
             <a:fld id="{325CA7BC-FAA3-42D2-A4A6-6231C6B4CE4A}" type="datetimeFigureOut">
               <a:rPr lang="en-AU" smtClean="0"/>
-              <a:t>28/02/2024</a:t>
+              <a:t>6/03/2024</a:t>
             </a:fld>
             <a:endParaRPr lang="en-AU"/>
           </a:p>
@@ -2691,7 +2845,7 @@
     </p:spTree>
     <p:extLst>
       <p:ext uri="{BB962C8B-B14F-4D97-AF65-F5344CB8AC3E}">
-        <p14:creationId xmlns:p14="http://schemas.microsoft.com/office/powerpoint/2010/main" val="2086710305"/>
+        <p14:creationId xmlns:p14="http://schemas.microsoft.com/office/powerpoint/2010/main" val="4041270499"/>
       </p:ext>
     </p:extLst>
   </p:cSld>
@@ -2810,7 +2964,7 @@
           <a:p>
             <a:fld id="{325CA7BC-FAA3-42D2-A4A6-6231C6B4CE4A}" type="datetimeFigureOut">
               <a:rPr lang="en-AU" smtClean="0"/>
-              <a:t>28/02/2024</a:t>
+              <a:t>6/03/2024</a:t>
             </a:fld>
             <a:endParaRPr lang="en-AU"/>
           </a:p>
@@ -2861,7 +3015,7 @@
     </p:spTree>
     <p:extLst>
       <p:ext uri="{BB962C8B-B14F-4D97-AF65-F5344CB8AC3E}">
-        <p14:creationId xmlns:p14="http://schemas.microsoft.com/office/powerpoint/2010/main" val="1615166943"/>
+        <p14:creationId xmlns:p14="http://schemas.microsoft.com/office/powerpoint/2010/main" val="3445698653"/>
       </p:ext>
     </p:extLst>
   </p:cSld>
@@ -2900,17 +3054,15 @@
         </p:nvSpPr>
         <p:spPr>
           <a:xfrm>
-            <a:off x="684211" y="2006600"/>
-            <a:ext cx="8534401" cy="2281600"/>
+            <a:off x="1751013" y="3308581"/>
+            <a:ext cx="8686800" cy="1468800"/>
           </a:xfrm>
         </p:spPr>
         <p:txBody>
-          <a:bodyPr anchor="b">
-            <a:normAutofit/>
-          </a:bodyPr>
+          <a:bodyPr anchor="b"/>
           <a:lstStyle>
-            <a:lvl1pPr algn="l">
-              <a:defRPr sz="3600" b="0" cap="all"/>
+            <a:lvl1pPr algn="r">
+              <a:defRPr sz="4000" b="0" cap="all"/>
             </a:lvl1pPr>
           </a:lstStyle>
           <a:p>
@@ -2934,8 +3086,8 @@
         </p:nvSpPr>
         <p:spPr>
           <a:xfrm>
-            <a:off x="684213" y="4495800"/>
-            <a:ext cx="8534400" cy="1498600"/>
+            <a:off x="1751011" y="4777381"/>
+            <a:ext cx="8686801" cy="860400"/>
           </a:xfrm>
         </p:spPr>
         <p:txBody>
@@ -2943,14 +3095,23 @@
             <a:normAutofit/>
           </a:bodyPr>
           <a:lstStyle>
-            <a:lvl1pPr marL="0" indent="0" algn="l">
-              <a:buNone/>
-              <a:defRPr sz="1800">
-                <a:solidFill>
-                  <a:schemeClr val="bg2">
-                    <a:lumMod val="75000"/>
-                  </a:schemeClr>
-                </a:solidFill>
+            <a:lvl1pPr marL="0" indent="0" algn="r">
+              <a:buNone/>
+              <a:defRPr sz="2000">
+                <a:gradFill flip="none" rotWithShape="1">
+                  <a:gsLst>
+                    <a:gs pos="0">
+                      <a:schemeClr val="tx1"/>
+                    </a:gs>
+                    <a:gs pos="100000">
+                      <a:schemeClr val="tx1">
+                        <a:lumMod val="75000"/>
+                      </a:schemeClr>
+                    </a:gs>
+                  </a:gsLst>
+                  <a:lin ang="5400000" scaled="0"/>
+                  <a:tileRect/>
+                </a:gradFill>
               </a:defRPr>
             </a:lvl1pPr>
             <a:lvl2pPr marL="457200" indent="0">
@@ -3060,7 +3221,7 @@
           <a:p>
             <a:fld id="{325CA7BC-FAA3-42D2-A4A6-6231C6B4CE4A}" type="datetimeFigureOut">
               <a:rPr lang="en-AU" smtClean="0"/>
-              <a:t>28/02/2024</a:t>
+              <a:t>6/03/2024</a:t>
             </a:fld>
             <a:endParaRPr lang="en-AU"/>
           </a:p>
@@ -3111,7 +3272,7 @@
     </p:spTree>
     <p:extLst>
       <p:ext uri="{BB962C8B-B14F-4D97-AF65-F5344CB8AC3E}">
-        <p14:creationId xmlns:p14="http://schemas.microsoft.com/office/powerpoint/2010/main" val="1423083917"/>
+        <p14:creationId xmlns:p14="http://schemas.microsoft.com/office/powerpoint/2010/main" val="1452809497"/>
       </p:ext>
     </p:extLst>
   </p:cSld>
@@ -3173,15 +3334,43 @@
         </p:nvSpPr>
         <p:spPr>
           <a:xfrm>
-            <a:off x="684211" y="685800"/>
-            <a:ext cx="4937655" cy="3615267"/>
+            <a:off x="1141412" y="2666999"/>
+            <a:ext cx="4876800" cy="3124201"/>
           </a:xfrm>
         </p:spPr>
         <p:txBody>
           <a:bodyPr>
             <a:normAutofit/>
           </a:bodyPr>
-          <a:lstStyle/>
+          <a:lstStyle>
+            <a:lvl1pPr>
+              <a:defRPr sz="1800"/>
+            </a:lvl1pPr>
+            <a:lvl2pPr>
+              <a:defRPr sz="1600"/>
+            </a:lvl2pPr>
+            <a:lvl3pPr>
+              <a:defRPr sz="1400"/>
+            </a:lvl3pPr>
+            <a:lvl4pPr>
+              <a:defRPr sz="1200"/>
+            </a:lvl4pPr>
+            <a:lvl5pPr>
+              <a:defRPr sz="1200"/>
+            </a:lvl5pPr>
+            <a:lvl6pPr>
+              <a:defRPr sz="1200"/>
+            </a:lvl6pPr>
+            <a:lvl7pPr>
+              <a:defRPr sz="1200"/>
+            </a:lvl7pPr>
+            <a:lvl8pPr>
+              <a:defRPr sz="1200"/>
+            </a:lvl8pPr>
+            <a:lvl9pPr>
+              <a:defRPr sz="1200"/>
+            </a:lvl9pPr>
+          </a:lstStyle>
           <a:p>
             <a:pPr lvl="0"/>
             <a:r>
@@ -3232,15 +3421,43 @@
         </p:nvSpPr>
         <p:spPr>
           <a:xfrm>
-            <a:off x="5808133" y="685801"/>
-            <a:ext cx="4934479" cy="3615266"/>
+            <a:off x="6170612" y="2667000"/>
+            <a:ext cx="4876800" cy="3124200"/>
           </a:xfrm>
         </p:spPr>
         <p:txBody>
           <a:bodyPr>
             <a:normAutofit/>
           </a:bodyPr>
-          <a:lstStyle/>
+          <a:lstStyle>
+            <a:lvl1pPr>
+              <a:defRPr sz="1800"/>
+            </a:lvl1pPr>
+            <a:lvl2pPr>
+              <a:defRPr sz="1600"/>
+            </a:lvl2pPr>
+            <a:lvl3pPr>
+              <a:defRPr sz="1400"/>
+            </a:lvl3pPr>
+            <a:lvl4pPr>
+              <a:defRPr sz="1200"/>
+            </a:lvl4pPr>
+            <a:lvl5pPr>
+              <a:defRPr sz="1200"/>
+            </a:lvl5pPr>
+            <a:lvl6pPr>
+              <a:defRPr sz="1200"/>
+            </a:lvl6pPr>
+            <a:lvl7pPr>
+              <a:defRPr sz="1200"/>
+            </a:lvl7pPr>
+            <a:lvl8pPr>
+              <a:defRPr sz="1200"/>
+            </a:lvl8pPr>
+            <a:lvl9pPr>
+              <a:defRPr sz="1200"/>
+            </a:lvl9pPr>
+          </a:lstStyle>
           <a:p>
             <a:pPr lvl="0"/>
             <a:r>
@@ -3296,7 +3513,7 @@
           <a:p>
             <a:fld id="{325CA7BC-FAA3-42D2-A4A6-6231C6B4CE4A}" type="datetimeFigureOut">
               <a:rPr lang="en-AU" smtClean="0"/>
-              <a:t>28/02/2024</a:t>
+              <a:t>6/03/2024</a:t>
             </a:fld>
             <a:endParaRPr lang="en-AU"/>
           </a:p>
@@ -3347,7 +3564,7 @@
     </p:spTree>
     <p:extLst>
       <p:ext uri="{BB962C8B-B14F-4D97-AF65-F5344CB8AC3E}">
-        <p14:creationId xmlns:p14="http://schemas.microsoft.com/office/powerpoint/2010/main" val="518270844"/>
+        <p14:creationId xmlns:p14="http://schemas.microsoft.com/office/powerpoint/2010/main" val="2582919579"/>
       </p:ext>
     </p:extLst>
   </p:cSld>
@@ -3413,8 +3630,8 @@
         </p:nvSpPr>
         <p:spPr>
           <a:xfrm>
-            <a:off x="972080" y="685800"/>
-            <a:ext cx="4649787" cy="576262"/>
+            <a:off x="1429280" y="2658533"/>
+            <a:ext cx="4588931" cy="576262"/>
           </a:xfrm>
         </p:spPr>
         <p:txBody>
@@ -3424,11 +3641,7 @@
           <a:lstStyle>
             <a:lvl1pPr marL="0" indent="0">
               <a:buNone/>
-              <a:defRPr sz="2800" b="0">
-                <a:solidFill>
-                  <a:schemeClr val="tx1"/>
-                </a:solidFill>
-              </a:defRPr>
+              <a:defRPr sz="2800" b="0"/>
             </a:lvl1pPr>
             <a:lvl2pPr marL="457200" indent="0">
               <a:buNone/>
@@ -3484,15 +3697,43 @@
         </p:nvSpPr>
         <p:spPr>
           <a:xfrm>
-            <a:off x="684211" y="1270529"/>
-            <a:ext cx="4937655" cy="3030538"/>
+            <a:off x="1141412" y="3243262"/>
+            <a:ext cx="4876800" cy="2547937"/>
           </a:xfrm>
         </p:spPr>
         <p:txBody>
           <a:bodyPr anchor="t">
             <a:normAutofit/>
           </a:bodyPr>
-          <a:lstStyle/>
+          <a:lstStyle>
+            <a:lvl1pPr>
+              <a:defRPr sz="1800"/>
+            </a:lvl1pPr>
+            <a:lvl2pPr>
+              <a:defRPr sz="1600"/>
+            </a:lvl2pPr>
+            <a:lvl3pPr>
+              <a:defRPr sz="1400"/>
+            </a:lvl3pPr>
+            <a:lvl4pPr>
+              <a:defRPr sz="1200"/>
+            </a:lvl4pPr>
+            <a:lvl5pPr>
+              <a:defRPr sz="1200"/>
+            </a:lvl5pPr>
+            <a:lvl6pPr>
+              <a:defRPr sz="1200"/>
+            </a:lvl6pPr>
+            <a:lvl7pPr>
+              <a:defRPr sz="1200"/>
+            </a:lvl7pPr>
+            <a:lvl8pPr>
+              <a:defRPr sz="1200"/>
+            </a:lvl8pPr>
+            <a:lvl9pPr>
+              <a:defRPr sz="1200"/>
+            </a:lvl9pPr>
+          </a:lstStyle>
           <a:p>
             <a:pPr lvl="0"/>
             <a:r>
@@ -3543,8 +3784,8 @@
         </p:nvSpPr>
         <p:spPr>
           <a:xfrm>
-            <a:off x="6079066" y="685800"/>
-            <a:ext cx="4665134" cy="576262"/>
+            <a:off x="6443133" y="2667000"/>
+            <a:ext cx="4604280" cy="576262"/>
           </a:xfrm>
         </p:spPr>
         <p:txBody>
@@ -3554,11 +3795,7 @@
           <a:lstStyle>
             <a:lvl1pPr marL="0" indent="0">
               <a:buNone/>
-              <a:defRPr sz="2800" b="0">
-                <a:solidFill>
-                  <a:schemeClr val="tx1"/>
-                </a:solidFill>
-              </a:defRPr>
+              <a:defRPr sz="2800" b="0"/>
             </a:lvl1pPr>
             <a:lvl2pPr marL="457200" indent="0">
               <a:buNone/>
@@ -3614,15 +3851,43 @@
         </p:nvSpPr>
         <p:spPr>
           <a:xfrm>
-            <a:off x="5806545" y="1262062"/>
-            <a:ext cx="4929188" cy="3030538"/>
+            <a:off x="6170612" y="3243262"/>
+            <a:ext cx="4876801" cy="2547937"/>
           </a:xfrm>
         </p:spPr>
         <p:txBody>
           <a:bodyPr anchor="t">
             <a:normAutofit/>
           </a:bodyPr>
-          <a:lstStyle/>
+          <a:lstStyle>
+            <a:lvl1pPr>
+              <a:defRPr sz="1800"/>
+            </a:lvl1pPr>
+            <a:lvl2pPr>
+              <a:defRPr sz="1600"/>
+            </a:lvl2pPr>
+            <a:lvl3pPr>
+              <a:defRPr sz="1400"/>
+            </a:lvl3pPr>
+            <a:lvl4pPr>
+              <a:defRPr sz="1200"/>
+            </a:lvl4pPr>
+            <a:lvl5pPr>
+              <a:defRPr sz="1200"/>
+            </a:lvl5pPr>
+            <a:lvl6pPr>
+              <a:defRPr sz="1200"/>
+            </a:lvl6pPr>
+            <a:lvl7pPr>
+              <a:defRPr sz="1200"/>
+            </a:lvl7pPr>
+            <a:lvl8pPr>
+              <a:defRPr sz="1200"/>
+            </a:lvl8pPr>
+            <a:lvl9pPr>
+              <a:defRPr sz="1200"/>
+            </a:lvl9pPr>
+          </a:lstStyle>
           <a:p>
             <a:pPr lvl="0"/>
             <a:r>
@@ -3678,7 +3943,7 @@
           <a:p>
             <a:fld id="{325CA7BC-FAA3-42D2-A4A6-6231C6B4CE4A}" type="datetimeFigureOut">
               <a:rPr lang="en-AU" smtClean="0"/>
-              <a:t>28/02/2024</a:t>
+              <a:t>6/03/2024</a:t>
             </a:fld>
             <a:endParaRPr lang="en-AU"/>
           </a:p>
@@ -3729,7 +3994,7 @@
     </p:spTree>
     <p:extLst>
       <p:ext uri="{BB962C8B-B14F-4D97-AF65-F5344CB8AC3E}">
-        <p14:creationId xmlns:p14="http://schemas.microsoft.com/office/powerpoint/2010/main" val="2628278220"/>
+        <p14:creationId xmlns:p14="http://schemas.microsoft.com/office/powerpoint/2010/main" val="1185404179"/>
       </p:ext>
     </p:extLst>
   </p:cSld>
@@ -3796,7 +4061,7 @@
           <a:p>
             <a:fld id="{325CA7BC-FAA3-42D2-A4A6-6231C6B4CE4A}" type="datetimeFigureOut">
               <a:rPr lang="en-AU" smtClean="0"/>
-              <a:t>28/02/2024</a:t>
+              <a:t>6/03/2024</a:t>
             </a:fld>
             <a:endParaRPr lang="en-AU"/>
           </a:p>
@@ -3847,7 +4112,7 @@
     </p:spTree>
     <p:extLst>
       <p:ext uri="{BB962C8B-B14F-4D97-AF65-F5344CB8AC3E}">
-        <p14:creationId xmlns:p14="http://schemas.microsoft.com/office/powerpoint/2010/main" val="3433520228"/>
+        <p14:creationId xmlns:p14="http://schemas.microsoft.com/office/powerpoint/2010/main" val="630315521"/>
       </p:ext>
     </p:extLst>
   </p:cSld>
@@ -3891,7 +4156,7 @@
           <a:p>
             <a:fld id="{325CA7BC-FAA3-42D2-A4A6-6231C6B4CE4A}" type="datetimeFigureOut">
               <a:rPr lang="en-AU" smtClean="0"/>
-              <a:t>28/02/2024</a:t>
+              <a:t>6/03/2024</a:t>
             </a:fld>
             <a:endParaRPr lang="en-AU"/>
           </a:p>
@@ -3942,7 +4207,7 @@
     </p:spTree>
     <p:extLst>
       <p:ext uri="{BB962C8B-B14F-4D97-AF65-F5344CB8AC3E}">
-        <p14:creationId xmlns:p14="http://schemas.microsoft.com/office/powerpoint/2010/main" val="1756708604"/>
+        <p14:creationId xmlns:p14="http://schemas.microsoft.com/office/powerpoint/2010/main" val="2621930933"/>
       </p:ext>
     </p:extLst>
   </p:cSld>
@@ -3981,8 +4246,8 @@
         </p:nvSpPr>
         <p:spPr>
           <a:xfrm>
-            <a:off x="7085012" y="685800"/>
-            <a:ext cx="3657600" cy="1371600"/>
+            <a:off x="1141411" y="1600200"/>
+            <a:ext cx="3549121" cy="1371600"/>
           </a:xfrm>
         </p:spPr>
         <p:txBody>
@@ -4015,15 +4280,43 @@
         </p:nvSpPr>
         <p:spPr>
           <a:xfrm>
-            <a:off x="684212" y="685800"/>
-            <a:ext cx="5943601" cy="5308600"/>
+            <a:off x="5103812" y="609601"/>
+            <a:ext cx="5943601" cy="5181600"/>
           </a:xfrm>
         </p:spPr>
         <p:txBody>
           <a:bodyPr anchor="ctr">
             <a:normAutofit/>
           </a:bodyPr>
-          <a:lstStyle/>
+          <a:lstStyle>
+            <a:lvl1pPr>
+              <a:defRPr sz="2000"/>
+            </a:lvl1pPr>
+            <a:lvl2pPr>
+              <a:defRPr sz="1800"/>
+            </a:lvl2pPr>
+            <a:lvl3pPr>
+              <a:defRPr sz="1600"/>
+            </a:lvl3pPr>
+            <a:lvl4pPr>
+              <a:defRPr sz="1400"/>
+            </a:lvl4pPr>
+            <a:lvl5pPr>
+              <a:defRPr sz="1400"/>
+            </a:lvl5pPr>
+            <a:lvl6pPr>
+              <a:defRPr sz="1400"/>
+            </a:lvl6pPr>
+            <a:lvl7pPr>
+              <a:defRPr sz="1400"/>
+            </a:lvl7pPr>
+            <a:lvl8pPr>
+              <a:defRPr sz="1400"/>
+            </a:lvl8pPr>
+            <a:lvl9pPr>
+              <a:defRPr sz="1400"/>
+            </a:lvl9pPr>
+          </a:lstStyle>
           <a:p>
             <a:pPr lvl="0"/>
             <a:r>
@@ -4074,12 +4367,12 @@
         </p:nvSpPr>
         <p:spPr>
           <a:xfrm>
-            <a:off x="7085012" y="2209799"/>
-            <a:ext cx="3657600" cy="2091267"/>
+            <a:off x="1141411" y="2971800"/>
+            <a:ext cx="3549121" cy="1828800"/>
           </a:xfrm>
         </p:spPr>
         <p:txBody>
-          <a:bodyPr anchor="t">
+          <a:bodyPr>
             <a:normAutofit/>
           </a:bodyPr>
           <a:lstStyle>
@@ -4146,7 +4439,7 @@
           <a:p>
             <a:fld id="{325CA7BC-FAA3-42D2-A4A6-6231C6B4CE4A}" type="datetimeFigureOut">
               <a:rPr lang="en-AU" smtClean="0"/>
-              <a:t>28/02/2024</a:t>
+              <a:t>6/03/2024</a:t>
             </a:fld>
             <a:endParaRPr lang="en-AU"/>
           </a:p>
@@ -4197,7 +4490,7 @@
     </p:spTree>
     <p:extLst>
       <p:ext uri="{BB962C8B-B14F-4D97-AF65-F5344CB8AC3E}">
-        <p14:creationId xmlns:p14="http://schemas.microsoft.com/office/powerpoint/2010/main" val="2454146728"/>
+        <p14:creationId xmlns:p14="http://schemas.microsoft.com/office/powerpoint/2010/main" val="2736556761"/>
       </p:ext>
     </p:extLst>
   </p:cSld>
@@ -4236,8 +4529,8 @@
         </p:nvSpPr>
         <p:spPr>
           <a:xfrm>
-            <a:off x="4722812" y="1447800"/>
-            <a:ext cx="6019800" cy="1143000"/>
+            <a:off x="1141411" y="1600200"/>
+            <a:ext cx="5334001" cy="1371600"/>
           </a:xfrm>
         </p:spPr>
         <p:txBody>
@@ -4270,24 +4563,27 @@
         </p:nvSpPr>
         <p:spPr>
           <a:xfrm>
-            <a:off x="989012" y="914400"/>
-            <a:ext cx="3280974" cy="4572000"/>
+            <a:off x="7433733" y="-18288"/>
+            <a:ext cx="3276599" cy="6903720"/>
           </a:xfrm>
-          <a:prstGeom prst="snip2DiagRect">
-            <a:avLst>
-              <a:gd name="adj1" fmla="val 10815"/>
-              <a:gd name="adj2" fmla="val 0"/>
-            </a:avLst>
-          </a:prstGeom>
-          <a:ln w="15875">
-            <a:solidFill>
-              <a:schemeClr val="tx1">
-                <a:alpha val="40000"/>
-              </a:schemeClr>
-            </a:solidFill>
+          <a:ln w="38100">
+            <a:gradFill flip="none" rotWithShape="1">
+              <a:gsLst>
+                <a:gs pos="0">
+                  <a:schemeClr val="bg2"/>
+                </a:gs>
+                <a:gs pos="100000">
+                  <a:schemeClr val="bg2">
+                    <a:lumMod val="75000"/>
+                  </a:schemeClr>
+                </a:gs>
+              </a:gsLst>
+              <a:lin ang="5400000" scaled="0"/>
+              <a:tileRect/>
+            </a:gradFill>
           </a:ln>
           <a:effectLst>
-            <a:innerShdw blurRad="57150" dist="38100" dir="14460000">
+            <a:innerShdw blurRad="57150" dist="38100" dir="10800000">
               <a:srgbClr val="000000">
                 <a:alpha val="70000"/>
               </a:srgbClr>
@@ -4357,12 +4653,12 @@
         </p:nvSpPr>
         <p:spPr>
           <a:xfrm>
-            <a:off x="4722812" y="2777066"/>
-            <a:ext cx="6021388" cy="2048933"/>
+            <a:off x="1141411" y="2971800"/>
+            <a:ext cx="5334001" cy="1828800"/>
           </a:xfrm>
         </p:spPr>
         <p:txBody>
-          <a:bodyPr anchor="t">
+          <a:bodyPr>
             <a:normAutofit/>
           </a:bodyPr>
           <a:lstStyle>
@@ -4422,14 +4718,19 @@
             <p:ph type="dt" sz="half" idx="10"/>
           </p:nvPr>
         </p:nvSpPr>
-        <p:spPr/>
+        <p:spPr>
+          <a:xfrm>
+            <a:off x="6399212" y="5883275"/>
+            <a:ext cx="914400" cy="365125"/>
+          </a:xfrm>
+        </p:spPr>
         <p:txBody>
           <a:bodyPr/>
           <a:lstStyle/>
           <a:p>
             <a:fld id="{325CA7BC-FAA3-42D2-A4A6-6231C6B4CE4A}" type="datetimeFigureOut">
               <a:rPr lang="en-AU" smtClean="0"/>
-              <a:t>28/02/2024</a:t>
+              <a:t>6/03/2024</a:t>
             </a:fld>
             <a:endParaRPr lang="en-AU"/>
           </a:p>
@@ -4445,7 +4746,12 @@
             <p:ph type="ftr" sz="quarter" idx="11"/>
           </p:nvPr>
         </p:nvSpPr>
-        <p:spPr/>
+        <p:spPr>
+          <a:xfrm>
+            <a:off x="1141412" y="5883275"/>
+            <a:ext cx="5105400" cy="365125"/>
+          </a:xfrm>
+        </p:spPr>
         <p:txBody>
           <a:bodyPr/>
           <a:lstStyle/>
@@ -4464,7 +4770,12 @@
             <p:ph type="sldNum" sz="quarter" idx="12"/>
           </p:nvPr>
         </p:nvSpPr>
-        <p:spPr/>
+        <p:spPr>
+          <a:xfrm>
+            <a:off x="10742612" y="5883275"/>
+            <a:ext cx="322567" cy="365125"/>
+          </a:xfrm>
+        </p:spPr>
         <p:txBody>
           <a:bodyPr/>
           <a:lstStyle/>
@@ -4480,7 +4791,7 @@
     </p:spTree>
     <p:extLst>
       <p:ext uri="{BB962C8B-B14F-4D97-AF65-F5344CB8AC3E}">
-        <p14:creationId xmlns:p14="http://schemas.microsoft.com/office/powerpoint/2010/main" val="1274244687"/>
+        <p14:creationId xmlns:p14="http://schemas.microsoft.com/office/powerpoint/2010/main" val="2520079431"/>
       </p:ext>
     </p:extLst>
   </p:cSld>
@@ -4494,7 +4805,7 @@
 <p:sldMaster xmlns:a="http://schemas.openxmlformats.org/drawingml/2006/main" xmlns:r="http://schemas.openxmlformats.org/officeDocument/2006/relationships" xmlns:p="http://schemas.openxmlformats.org/presentationml/2006/main">
   <p:cSld>
     <p:bg>
-      <p:bgRef idx="1002">
+      <p:bgRef idx="1003">
         <a:schemeClr val="bg2"/>
       </p:bgRef>
     </p:bg>
@@ -4512,196 +4823,6 @@
           <a:chExt cx="0" cy="0"/>
         </a:xfrm>
       </p:grpSpPr>
-      <p:grpSp>
-        <p:nvGrpSpPr>
-          <p:cNvPr id="7" name="Group 6"/>
-          <p:cNvGrpSpPr/>
-          <p:nvPr/>
-        </p:nvGrpSpPr>
-        <p:grpSpPr>
-          <a:xfrm>
-            <a:off x="9206969" y="2963333"/>
-            <a:ext cx="2981858" cy="3208867"/>
-            <a:chOff x="9206969" y="2963333"/>
-            <a:chExt cx="2981858" cy="3208867"/>
-          </a:xfrm>
-        </p:grpSpPr>
-        <p:cxnSp>
-          <p:nvCxnSpPr>
-            <p:cNvPr id="8" name="Straight Connector 7"/>
-            <p:cNvCxnSpPr/>
-            <p:nvPr/>
-          </p:nvCxnSpPr>
-          <p:spPr>
-            <a:xfrm flipH="1">
-              <a:off x="11276012" y="2963333"/>
-              <a:ext cx="912814" cy="912812"/>
-            </a:xfrm>
-            <a:prstGeom prst="line">
-              <a:avLst/>
-            </a:prstGeom>
-            <a:ln w="9525">
-              <a:solidFill>
-                <a:schemeClr val="tx1"/>
-              </a:solidFill>
-            </a:ln>
-          </p:spPr>
-          <p:style>
-            <a:lnRef idx="2">
-              <a:schemeClr val="accent1"/>
-            </a:lnRef>
-            <a:fillRef idx="0">
-              <a:schemeClr val="accent1"/>
-            </a:fillRef>
-            <a:effectRef idx="1">
-              <a:schemeClr val="accent1"/>
-            </a:effectRef>
-            <a:fontRef idx="minor">
-              <a:schemeClr val="tx1"/>
-            </a:fontRef>
-          </p:style>
-        </p:cxnSp>
-        <p:cxnSp>
-          <p:nvCxnSpPr>
-            <p:cNvPr id="9" name="Straight Connector 8"/>
-            <p:cNvCxnSpPr/>
-            <p:nvPr/>
-          </p:nvCxnSpPr>
-          <p:spPr>
-            <a:xfrm flipH="1">
-              <a:off x="9206969" y="3190344"/>
-              <a:ext cx="2981857" cy="2981856"/>
-            </a:xfrm>
-            <a:prstGeom prst="line">
-              <a:avLst/>
-            </a:prstGeom>
-            <a:ln w="9525">
-              <a:solidFill>
-                <a:schemeClr val="tx1"/>
-              </a:solidFill>
-            </a:ln>
-          </p:spPr>
-          <p:style>
-            <a:lnRef idx="2">
-              <a:schemeClr val="accent1"/>
-            </a:lnRef>
-            <a:fillRef idx="0">
-              <a:schemeClr val="accent1"/>
-            </a:fillRef>
-            <a:effectRef idx="1">
-              <a:schemeClr val="accent1"/>
-            </a:effectRef>
-            <a:fontRef idx="minor">
-              <a:schemeClr val="tx1"/>
-            </a:fontRef>
-          </p:style>
-        </p:cxnSp>
-        <p:cxnSp>
-          <p:nvCxnSpPr>
-            <p:cNvPr id="10" name="Straight Connector 9"/>
-            <p:cNvCxnSpPr/>
-            <p:nvPr/>
-          </p:nvCxnSpPr>
-          <p:spPr>
-            <a:xfrm flipH="1">
-              <a:off x="10292292" y="3285067"/>
-              <a:ext cx="1896534" cy="1896533"/>
-            </a:xfrm>
-            <a:prstGeom prst="line">
-              <a:avLst/>
-            </a:prstGeom>
-            <a:ln w="9525">
-              <a:solidFill>
-                <a:schemeClr val="tx1"/>
-              </a:solidFill>
-            </a:ln>
-          </p:spPr>
-          <p:style>
-            <a:lnRef idx="2">
-              <a:schemeClr val="accent1"/>
-            </a:lnRef>
-            <a:fillRef idx="0">
-              <a:schemeClr val="accent1"/>
-            </a:fillRef>
-            <a:effectRef idx="1">
-              <a:schemeClr val="accent1"/>
-            </a:effectRef>
-            <a:fontRef idx="minor">
-              <a:schemeClr val="tx1"/>
-            </a:fontRef>
-          </p:style>
-        </p:cxnSp>
-        <p:cxnSp>
-          <p:nvCxnSpPr>
-            <p:cNvPr id="11" name="Straight Connector 10"/>
-            <p:cNvCxnSpPr/>
-            <p:nvPr/>
-          </p:nvCxnSpPr>
-          <p:spPr>
-            <a:xfrm flipH="1">
-              <a:off x="10443103" y="3131080"/>
-              <a:ext cx="1745722" cy="1745720"/>
-            </a:xfrm>
-            <a:prstGeom prst="line">
-              <a:avLst/>
-            </a:prstGeom>
-            <a:ln w="28575">
-              <a:solidFill>
-                <a:schemeClr val="tx1"/>
-              </a:solidFill>
-            </a:ln>
-          </p:spPr>
-          <p:style>
-            <a:lnRef idx="2">
-              <a:schemeClr val="accent1"/>
-            </a:lnRef>
-            <a:fillRef idx="0">
-              <a:schemeClr val="accent1"/>
-            </a:fillRef>
-            <a:effectRef idx="1">
-              <a:schemeClr val="accent1"/>
-            </a:effectRef>
-            <a:fontRef idx="minor">
-              <a:schemeClr val="tx1"/>
-            </a:fontRef>
-          </p:style>
-        </p:cxnSp>
-        <p:cxnSp>
-          <p:nvCxnSpPr>
-            <p:cNvPr id="12" name="Straight Connector 11"/>
-            <p:cNvCxnSpPr/>
-            <p:nvPr/>
-          </p:nvCxnSpPr>
-          <p:spPr>
-            <a:xfrm flipH="1">
-              <a:off x="10918826" y="3683001"/>
-              <a:ext cx="1270001" cy="1269999"/>
-            </a:xfrm>
-            <a:prstGeom prst="line">
-              <a:avLst/>
-            </a:prstGeom>
-            <a:ln w="28575">
-              <a:solidFill>
-                <a:schemeClr val="tx1"/>
-              </a:solidFill>
-            </a:ln>
-          </p:spPr>
-          <p:style>
-            <a:lnRef idx="2">
-              <a:schemeClr val="accent1"/>
-            </a:lnRef>
-            <a:fillRef idx="0">
-              <a:schemeClr val="accent1"/>
-            </a:fillRef>
-            <a:effectRef idx="1">
-              <a:schemeClr val="accent1"/>
-            </a:effectRef>
-            <a:fontRef idx="minor">
-              <a:schemeClr val="tx1"/>
-            </a:fontRef>
-          </p:style>
-        </p:cxnSp>
-      </p:grpSp>
       <p:sp>
         <p:nvSpPr>
           <p:cNvPr id="2" name="Title Placeholder 1"/>
@@ -4714,42 +4835,8 @@
         </p:nvSpPr>
         <p:spPr>
           <a:xfrm>
-            <a:off x="684212" y="4487332"/>
-            <a:ext cx="8534400" cy="1507067"/>
-          </a:xfrm>
-          <a:prstGeom prst="rect">
-            <a:avLst/>
-          </a:prstGeom>
-          <a:effectLst/>
-        </p:spPr>
-        <p:txBody>
-          <a:bodyPr vert="horz" lIns="91440" tIns="45720" rIns="91440" bIns="45720" rtlCol="0" anchor="ctr">
-            <a:normAutofit/>
-          </a:bodyPr>
-          <a:lstStyle/>
-          <a:p>
-            <a:r>
-              <a:rPr lang="en-US"/>
-              <a:t>Click to edit Master title style</a:t>
-            </a:r>
-            <a:endParaRPr lang="en-US" dirty="0"/>
-          </a:p>
-        </p:txBody>
-      </p:sp>
-      <p:sp>
-        <p:nvSpPr>
-          <p:cNvPr id="3" name="Text Placeholder 2"/>
-          <p:cNvSpPr>
-            <a:spLocks noGrp="1"/>
-          </p:cNvSpPr>
-          <p:nvPr>
-            <p:ph type="body" idx="1"/>
-          </p:nvPr>
-        </p:nvSpPr>
-        <p:spPr>
-          <a:xfrm>
-            <a:off x="684212" y="685800"/>
-            <a:ext cx="8534400" cy="3615267"/>
+            <a:off x="1141413" y="609600"/>
+            <a:ext cx="9905998" cy="1905000"/>
           </a:xfrm>
           <a:prstGeom prst="rect">
             <a:avLst/>
@@ -4761,6 +4848,39 @@
           </a:bodyPr>
           <a:lstStyle/>
           <a:p>
+            <a:r>
+              <a:rPr lang="en-US"/>
+              <a:t>Click to edit Master title style</a:t>
+            </a:r>
+            <a:endParaRPr lang="en-US" dirty="0"/>
+          </a:p>
+        </p:txBody>
+      </p:sp>
+      <p:sp>
+        <p:nvSpPr>
+          <p:cNvPr id="3" name="Text Placeholder 2"/>
+          <p:cNvSpPr>
+            <a:spLocks noGrp="1"/>
+          </p:cNvSpPr>
+          <p:nvPr>
+            <p:ph type="body" idx="1"/>
+          </p:nvPr>
+        </p:nvSpPr>
+        <p:spPr>
+          <a:xfrm>
+            <a:off x="1141413" y="2666999"/>
+            <a:ext cx="9905998" cy="3124201"/>
+          </a:xfrm>
+          <a:prstGeom prst="rect">
+            <a:avLst/>
+          </a:prstGeom>
+        </p:spPr>
+        <p:txBody>
+          <a:bodyPr vert="horz" lIns="91440" tIns="45720" rIns="91440" bIns="45720" rtlCol="0" anchor="ctr">
+            <a:normAutofit/>
+          </a:bodyPr>
+          <a:lstStyle/>
+          <a:p>
             <a:pPr lvl="0"/>
             <a:r>
               <a:rPr lang="en-US"/>
@@ -4810,7 +4930,7 @@
         </p:nvSpPr>
         <p:spPr>
           <a:xfrm>
-            <a:off x="9904412" y="6172200"/>
+            <a:off x="8837612" y="5883275"/>
             <a:ext cx="1600200" cy="365125"/>
           </a:xfrm>
           <a:prstGeom prst="rect">
@@ -4818,16 +4938,22 @@
           </a:prstGeom>
         </p:spPr>
         <p:txBody>
-          <a:bodyPr vert="horz" lIns="91440" tIns="45720" rIns="91440" bIns="45720" rtlCol="0" anchor="t"/>
+          <a:bodyPr vert="horz" lIns="91440" tIns="45720" rIns="91440" bIns="45720" rtlCol="0" anchor="ctr"/>
           <a:lstStyle>
             <a:lvl1pPr algn="r">
-              <a:defRPr sz="1000" b="0" i="0">
+              <a:defRPr sz="900" b="1" i="0">
                 <a:solidFill>
-                  <a:schemeClr val="bg2">
-                    <a:lumMod val="50000"/>
+                  <a:schemeClr val="tx1">
+                    <a:lumMod val="75000"/>
                   </a:schemeClr>
                 </a:solidFill>
-                <a:effectLst/>
+                <a:effectLst>
+                  <a:outerShdw blurRad="50800" dist="38100" dir="2700000" algn="tl" rotWithShape="0">
+                    <a:srgbClr val="000000">
+                      <a:alpha val="43000"/>
+                    </a:srgbClr>
+                  </a:outerShdw>
+                </a:effectLst>
                 <a:latin typeface="+mn-lt"/>
               </a:defRPr>
             </a:lvl1pPr>
@@ -4835,7 +4961,7 @@
           <a:p>
             <a:fld id="{325CA7BC-FAA3-42D2-A4A6-6231C6B4CE4A}" type="datetimeFigureOut">
               <a:rPr lang="en-AU" smtClean="0"/>
-              <a:t>28/02/2024</a:t>
+              <a:t>6/03/2024</a:t>
             </a:fld>
             <a:endParaRPr lang="en-AU"/>
           </a:p>
@@ -4853,7 +4979,7 @@
         </p:nvSpPr>
         <p:spPr>
           <a:xfrm>
-            <a:off x="684212" y="6172200"/>
+            <a:off x="1141412" y="5883275"/>
             <a:ext cx="7543800" cy="365125"/>
           </a:xfrm>
           <a:prstGeom prst="rect">
@@ -4861,16 +4987,22 @@
           </a:prstGeom>
         </p:spPr>
         <p:txBody>
-          <a:bodyPr vert="horz" lIns="91440" tIns="45720" rIns="91440" bIns="45720" rtlCol="0" anchor="t"/>
+          <a:bodyPr vert="horz" lIns="91440" tIns="45720" rIns="91440" bIns="45720" rtlCol="0" anchor="ctr"/>
           <a:lstStyle>
             <a:lvl1pPr algn="l">
-              <a:defRPr sz="1000" b="0" i="0">
+              <a:defRPr sz="900" b="1" i="0">
                 <a:solidFill>
-                  <a:schemeClr val="bg2">
-                    <a:lumMod val="50000"/>
+                  <a:schemeClr val="tx1">
+                    <a:lumMod val="75000"/>
                   </a:schemeClr>
                 </a:solidFill>
-                <a:effectLst/>
+                <a:effectLst>
+                  <a:outerShdw blurRad="50800" dist="38100" dir="2700000" algn="tl" rotWithShape="0">
+                    <a:srgbClr val="000000">
+                      <a:alpha val="43000"/>
+                    </a:srgbClr>
+                  </a:outerShdw>
+                </a:effectLst>
                 <a:latin typeface="+mn-lt"/>
               </a:defRPr>
             </a:lvl1pPr>
@@ -4892,24 +5024,30 @@
         </p:nvSpPr>
         <p:spPr>
           <a:xfrm>
-            <a:off x="10363200" y="5578475"/>
-            <a:ext cx="1142245" cy="669925"/>
+            <a:off x="10514012" y="5883275"/>
+            <a:ext cx="551167" cy="365125"/>
           </a:xfrm>
           <a:prstGeom prst="rect">
             <a:avLst/>
           </a:prstGeom>
         </p:spPr>
         <p:txBody>
-          <a:bodyPr vert="horz" lIns="91440" tIns="45720" rIns="91440" bIns="45720" rtlCol="0" anchor="b"/>
+          <a:bodyPr vert="horz" lIns="91440" tIns="45720" rIns="91440" bIns="45720" rtlCol="0" anchor="ctr"/>
           <a:lstStyle>
             <a:lvl1pPr algn="r">
-              <a:defRPr sz="3200" b="0" i="0">
+              <a:defRPr sz="900" b="1" i="0">
                 <a:solidFill>
-                  <a:schemeClr val="bg2">
-                    <a:lumMod val="50000"/>
+                  <a:schemeClr val="tx1">
+                    <a:lumMod val="75000"/>
                   </a:schemeClr>
                 </a:solidFill>
-                <a:effectLst/>
+                <a:effectLst>
+                  <a:outerShdw blurRad="50800" dist="38100" dir="2700000" algn="tl" rotWithShape="0">
+                    <a:srgbClr val="000000">
+                      <a:alpha val="43000"/>
+                    </a:srgbClr>
+                  </a:outerShdw>
+                </a:effectLst>
                 <a:latin typeface="+mn-lt"/>
               </a:defRPr>
             </a:lvl1pPr>
@@ -4926,29 +5064,29 @@
     </p:spTree>
     <p:extLst>
       <p:ext uri="{BB962C8B-B14F-4D97-AF65-F5344CB8AC3E}">
-        <p14:creationId xmlns:p14="http://schemas.microsoft.com/office/powerpoint/2010/main" val="3004035203"/>
+        <p14:creationId xmlns:p14="http://schemas.microsoft.com/office/powerpoint/2010/main" val="2959342001"/>
       </p:ext>
     </p:extLst>
   </p:cSld>
   <p:clrMap bg1="dk1" tx1="lt1" bg2="dk2" tx2="lt2" accent1="accent1" accent2="accent2" accent3="accent3" accent4="accent4" accent5="accent5" accent6="accent6" hlink="hlink" folHlink="folHlink"/>
   <p:sldLayoutIdLst>
-    <p:sldLayoutId id="2147483691" r:id="rId1"/>
-    <p:sldLayoutId id="2147483692" r:id="rId2"/>
-    <p:sldLayoutId id="2147483693" r:id="rId3"/>
-    <p:sldLayoutId id="2147483694" r:id="rId4"/>
-    <p:sldLayoutId id="2147483695" r:id="rId5"/>
-    <p:sldLayoutId id="2147483696" r:id="rId6"/>
-    <p:sldLayoutId id="2147483697" r:id="rId7"/>
-    <p:sldLayoutId id="2147483698" r:id="rId8"/>
-    <p:sldLayoutId id="2147483699" r:id="rId9"/>
-    <p:sldLayoutId id="2147483700" r:id="rId10"/>
-    <p:sldLayoutId id="2147483701" r:id="rId11"/>
-    <p:sldLayoutId id="2147483702" r:id="rId12"/>
-    <p:sldLayoutId id="2147483703" r:id="rId13"/>
-    <p:sldLayoutId id="2147483704" r:id="rId14"/>
-    <p:sldLayoutId id="2147483705" r:id="rId15"/>
-    <p:sldLayoutId id="2147483706" r:id="rId16"/>
-    <p:sldLayoutId id="2147483707" r:id="rId17"/>
+    <p:sldLayoutId id="2147483832" r:id="rId1"/>
+    <p:sldLayoutId id="2147483833" r:id="rId2"/>
+    <p:sldLayoutId id="2147483834" r:id="rId3"/>
+    <p:sldLayoutId id="2147483835" r:id="rId4"/>
+    <p:sldLayoutId id="2147483836" r:id="rId5"/>
+    <p:sldLayoutId id="2147483837" r:id="rId6"/>
+    <p:sldLayoutId id="2147483838" r:id="rId7"/>
+    <p:sldLayoutId id="2147483839" r:id="rId8"/>
+    <p:sldLayoutId id="2147483840" r:id="rId9"/>
+    <p:sldLayoutId id="2147483841" r:id="rId10"/>
+    <p:sldLayoutId id="2147483842" r:id="rId11"/>
+    <p:sldLayoutId id="2147483843" r:id="rId12"/>
+    <p:sldLayoutId id="2147483844" r:id="rId13"/>
+    <p:sldLayoutId id="2147483845" r:id="rId14"/>
+    <p:sldLayoutId id="2147483846" r:id="rId15"/>
+    <p:sldLayoutId id="2147483847" r:id="rId16"/>
+    <p:sldLayoutId id="2147483848" r:id="rId17"/>
   </p:sldLayoutIdLst>
   <p:txStyles>
     <p:titleStyle>
@@ -4957,14 +5095,38 @@
           <a:spcPct val="0"/>
         </a:spcBef>
         <a:buNone/>
-        <a:defRPr sz="3600" kern="1200" cap="all">
+        <a:defRPr sz="3200" kern="1200" cap="all">
           <a:ln w="3175" cmpd="sng">
             <a:noFill/>
           </a:ln>
-          <a:solidFill>
-            <a:schemeClr val="tx1"/>
-          </a:solidFill>
-          <a:effectLst/>
+          <a:gradFill flip="none" rotWithShape="1">
+            <a:gsLst>
+              <a:gs pos="0">
+                <a:schemeClr val="tx1"/>
+              </a:gs>
+              <a:gs pos="100000">
+                <a:schemeClr val="tx1">
+                  <a:lumMod val="65000"/>
+                </a:schemeClr>
+              </a:gs>
+            </a:gsLst>
+            <a:lin ang="5580000" scaled="0"/>
+            <a:tileRect/>
+          </a:gradFill>
+          <a:effectLst>
+            <a:glow rad="38100">
+              <a:schemeClr val="bg1">
+                <a:lumMod val="65000"/>
+                <a:lumOff val="35000"/>
+                <a:alpha val="40000"/>
+              </a:schemeClr>
+            </a:glow>
+            <a:outerShdw blurRad="28575" dist="38100" dir="14040000" algn="tl" rotWithShape="0">
+              <a:srgbClr val="000000">
+                <a:alpha val="25000"/>
+              </a:srgbClr>
+            </a:outerShdw>
+          </a:effectLst>
           <a:latin typeface="+mj-lt"/>
           <a:ea typeface="+mj-ea"/>
           <a:cs typeface="+mj-cs"/>
@@ -5038,16 +5200,38 @@
         <a:buClr>
           <a:schemeClr val="tx1"/>
         </a:buClr>
-        <a:buSzPct val="80000"/>
-        <a:buFont typeface="Wingdings 3" panose="05040102010807070707" pitchFamily="18" charset="2"/>
-        <a:buChar char=""/>
-        <a:defRPr sz="2000" kern="1200" cap="none">
-          <a:solidFill>
-            <a:schemeClr val="bg2">
-              <a:lumMod val="75000"/>
-            </a:schemeClr>
-          </a:solidFill>
-          <a:effectLst/>
+        <a:buSzPct val="100000"/>
+        <a:buFont typeface="Arial"/>
+        <a:buChar char="•"/>
+        <a:defRPr sz="2000" kern="1200" cap="small">
+          <a:gradFill flip="none" rotWithShape="1">
+            <a:gsLst>
+              <a:gs pos="0">
+                <a:schemeClr val="tx1"/>
+              </a:gs>
+              <a:gs pos="100000">
+                <a:schemeClr val="tx1">
+                  <a:lumMod val="75000"/>
+                </a:schemeClr>
+              </a:gs>
+            </a:gsLst>
+            <a:lin ang="5580000" scaled="0"/>
+            <a:tileRect/>
+          </a:gradFill>
+          <a:effectLst>
+            <a:glow rad="38100">
+              <a:schemeClr val="bg1">
+                <a:lumMod val="50000"/>
+                <a:lumOff val="50000"/>
+                <a:alpha val="20000"/>
+              </a:schemeClr>
+            </a:glow>
+            <a:outerShdw blurRad="44450" dist="12700" dir="13860000" algn="tl" rotWithShape="0">
+              <a:srgbClr val="000000">
+                <a:alpha val="20000"/>
+              </a:srgbClr>
+            </a:outerShdw>
+          </a:effectLst>
           <a:latin typeface="+mn-lt"/>
           <a:ea typeface="+mn-ea"/>
           <a:cs typeface="+mn-cs"/>
@@ -5063,16 +5247,38 @@
         <a:buClr>
           <a:schemeClr val="tx1"/>
         </a:buClr>
-        <a:buSzPct val="80000"/>
-        <a:buFont typeface="Wingdings 3" panose="05040102010807070707" pitchFamily="18" charset="2"/>
-        <a:buChar char=""/>
-        <a:defRPr sz="1800" kern="1200" cap="none">
-          <a:solidFill>
-            <a:schemeClr val="bg2">
-              <a:lumMod val="75000"/>
-            </a:schemeClr>
-          </a:solidFill>
-          <a:effectLst/>
+        <a:buSzPct val="100000"/>
+        <a:buFont typeface="Arial"/>
+        <a:buChar char="•"/>
+        <a:defRPr sz="1800" kern="1200" cap="small">
+          <a:gradFill flip="none" rotWithShape="1">
+            <a:gsLst>
+              <a:gs pos="0">
+                <a:schemeClr val="tx1"/>
+              </a:gs>
+              <a:gs pos="100000">
+                <a:schemeClr val="tx1">
+                  <a:lumMod val="75000"/>
+                </a:schemeClr>
+              </a:gs>
+            </a:gsLst>
+            <a:lin ang="5580000" scaled="0"/>
+            <a:tileRect/>
+          </a:gradFill>
+          <a:effectLst>
+            <a:glow rad="38100">
+              <a:schemeClr val="bg1">
+                <a:lumMod val="50000"/>
+                <a:lumOff val="50000"/>
+                <a:alpha val="20000"/>
+              </a:schemeClr>
+            </a:glow>
+            <a:outerShdw blurRad="44450" dist="12700" dir="13860000" algn="tl" rotWithShape="0">
+              <a:srgbClr val="000000">
+                <a:alpha val="20000"/>
+              </a:srgbClr>
+            </a:outerShdw>
+          </a:effectLst>
           <a:latin typeface="+mn-lt"/>
           <a:ea typeface="+mn-ea"/>
           <a:cs typeface="+mn-cs"/>
@@ -5088,16 +5294,38 @@
         <a:buClr>
           <a:schemeClr val="tx1"/>
         </a:buClr>
-        <a:buSzPct val="80000"/>
-        <a:buFont typeface="Wingdings 3" panose="05040102010807070707" pitchFamily="18" charset="2"/>
-        <a:buChar char=""/>
-        <a:defRPr sz="1600" kern="1200" cap="none">
-          <a:solidFill>
-            <a:schemeClr val="bg2">
-              <a:lumMod val="75000"/>
-            </a:schemeClr>
-          </a:solidFill>
-          <a:effectLst/>
+        <a:buSzPct val="100000"/>
+        <a:buFont typeface="Arial"/>
+        <a:buChar char="•"/>
+        <a:defRPr sz="1600" kern="1200" cap="small">
+          <a:gradFill flip="none" rotWithShape="1">
+            <a:gsLst>
+              <a:gs pos="0">
+                <a:schemeClr val="tx1"/>
+              </a:gs>
+              <a:gs pos="100000">
+                <a:schemeClr val="tx1">
+                  <a:lumMod val="75000"/>
+                </a:schemeClr>
+              </a:gs>
+            </a:gsLst>
+            <a:lin ang="5580000" scaled="0"/>
+            <a:tileRect/>
+          </a:gradFill>
+          <a:effectLst>
+            <a:glow rad="38100">
+              <a:schemeClr val="bg1">
+                <a:lumMod val="50000"/>
+                <a:lumOff val="50000"/>
+                <a:alpha val="20000"/>
+              </a:schemeClr>
+            </a:glow>
+            <a:outerShdw blurRad="44450" dist="12700" dir="13860000" algn="tl" rotWithShape="0">
+              <a:srgbClr val="000000">
+                <a:alpha val="20000"/>
+              </a:srgbClr>
+            </a:outerShdw>
+          </a:effectLst>
           <a:latin typeface="+mn-lt"/>
           <a:ea typeface="+mn-ea"/>
           <a:cs typeface="+mn-cs"/>
@@ -5113,16 +5341,38 @@
         <a:buClr>
           <a:schemeClr val="tx1"/>
         </a:buClr>
-        <a:buSzPct val="80000"/>
-        <a:buFont typeface="Wingdings 3" panose="05040102010807070707" pitchFamily="18" charset="2"/>
-        <a:buChar char=""/>
-        <a:defRPr sz="1400" kern="1200" cap="none">
-          <a:solidFill>
-            <a:schemeClr val="bg2">
-              <a:lumMod val="75000"/>
-            </a:schemeClr>
-          </a:solidFill>
-          <a:effectLst/>
+        <a:buSzPct val="100000"/>
+        <a:buFont typeface="Arial"/>
+        <a:buChar char="•"/>
+        <a:defRPr sz="1400" kern="1200" cap="small">
+          <a:gradFill flip="none" rotWithShape="1">
+            <a:gsLst>
+              <a:gs pos="0">
+                <a:schemeClr val="tx1"/>
+              </a:gs>
+              <a:gs pos="100000">
+                <a:schemeClr val="tx1">
+                  <a:lumMod val="75000"/>
+                </a:schemeClr>
+              </a:gs>
+            </a:gsLst>
+            <a:lin ang="5580000" scaled="0"/>
+            <a:tileRect/>
+          </a:gradFill>
+          <a:effectLst>
+            <a:glow rad="38100">
+              <a:schemeClr val="bg1">
+                <a:lumMod val="50000"/>
+                <a:lumOff val="50000"/>
+                <a:alpha val="20000"/>
+              </a:schemeClr>
+            </a:glow>
+            <a:outerShdw blurRad="44450" dist="12700" dir="13860000" algn="tl" rotWithShape="0">
+              <a:srgbClr val="000000">
+                <a:alpha val="20000"/>
+              </a:srgbClr>
+            </a:outerShdw>
+          </a:effectLst>
           <a:latin typeface="+mn-lt"/>
           <a:ea typeface="+mn-ea"/>
           <a:cs typeface="+mn-cs"/>
@@ -5138,16 +5388,38 @@
         <a:buClr>
           <a:schemeClr val="tx1"/>
         </a:buClr>
-        <a:buSzPct val="80000"/>
-        <a:buFont typeface="Wingdings 3" panose="05040102010807070707" pitchFamily="18" charset="2"/>
-        <a:buChar char=""/>
-        <a:defRPr sz="1400" kern="1200" cap="none">
-          <a:solidFill>
-            <a:schemeClr val="bg2">
-              <a:lumMod val="75000"/>
-            </a:schemeClr>
-          </a:solidFill>
-          <a:effectLst/>
+        <a:buSzPct val="100000"/>
+        <a:buFont typeface="Arial"/>
+        <a:buChar char="•"/>
+        <a:defRPr sz="1400" kern="1200" cap="small">
+          <a:gradFill flip="none" rotWithShape="1">
+            <a:gsLst>
+              <a:gs pos="0">
+                <a:schemeClr val="tx1"/>
+              </a:gs>
+              <a:gs pos="100000">
+                <a:schemeClr val="tx1">
+                  <a:lumMod val="75000"/>
+                </a:schemeClr>
+              </a:gs>
+            </a:gsLst>
+            <a:lin ang="5580000" scaled="0"/>
+            <a:tileRect/>
+          </a:gradFill>
+          <a:effectLst>
+            <a:glow rad="38100">
+              <a:schemeClr val="bg1">
+                <a:lumMod val="50000"/>
+                <a:lumOff val="50000"/>
+                <a:alpha val="20000"/>
+              </a:schemeClr>
+            </a:glow>
+            <a:outerShdw blurRad="44450" dist="12700" dir="13860000" algn="tl" rotWithShape="0">
+              <a:srgbClr val="000000">
+                <a:alpha val="20000"/>
+              </a:srgbClr>
+            </a:outerShdw>
+          </a:effectLst>
           <a:latin typeface="+mn-lt"/>
           <a:ea typeface="+mn-ea"/>
           <a:cs typeface="+mn-cs"/>
@@ -5163,16 +5435,38 @@
         <a:buClr>
           <a:schemeClr val="tx1"/>
         </a:buClr>
-        <a:buSzPct val="80000"/>
-        <a:buFont typeface="Wingdings 3" panose="05040102010807070707" pitchFamily="18" charset="2"/>
-        <a:buChar char=""/>
-        <a:defRPr sz="1400" kern="1200" cap="none">
-          <a:solidFill>
-            <a:schemeClr val="bg2">
-              <a:lumMod val="75000"/>
-            </a:schemeClr>
-          </a:solidFill>
-          <a:effectLst/>
+        <a:buSzPct val="100000"/>
+        <a:buFont typeface="Arial"/>
+        <a:buChar char="•"/>
+        <a:defRPr sz="1200" kern="1200" cap="small">
+          <a:gradFill flip="none" rotWithShape="1">
+            <a:gsLst>
+              <a:gs pos="0">
+                <a:schemeClr val="tx1"/>
+              </a:gs>
+              <a:gs pos="100000">
+                <a:schemeClr val="tx1">
+                  <a:lumMod val="75000"/>
+                </a:schemeClr>
+              </a:gs>
+            </a:gsLst>
+            <a:lin ang="5580000" scaled="0"/>
+            <a:tileRect/>
+          </a:gradFill>
+          <a:effectLst>
+            <a:glow rad="38100">
+              <a:schemeClr val="bg1">
+                <a:lumMod val="50000"/>
+                <a:lumOff val="50000"/>
+                <a:alpha val="20000"/>
+              </a:schemeClr>
+            </a:glow>
+            <a:outerShdw blurRad="44450" dist="12700" dir="13860000" algn="tl" rotWithShape="0">
+              <a:srgbClr val="000000">
+                <a:alpha val="20000"/>
+              </a:srgbClr>
+            </a:outerShdw>
+          </a:effectLst>
           <a:latin typeface="+mn-lt"/>
           <a:ea typeface="+mn-ea"/>
           <a:cs typeface="+mn-cs"/>
@@ -5188,16 +5482,38 @@
         <a:buClr>
           <a:schemeClr val="tx1"/>
         </a:buClr>
-        <a:buSzPct val="80000"/>
-        <a:buFont typeface="Wingdings 3" panose="05040102010807070707" pitchFamily="18" charset="2"/>
-        <a:buChar char=""/>
-        <a:defRPr sz="1400" kern="1200" cap="none">
-          <a:solidFill>
-            <a:schemeClr val="bg2">
-              <a:lumMod val="75000"/>
-            </a:schemeClr>
-          </a:solidFill>
-          <a:effectLst/>
+        <a:buSzPct val="100000"/>
+        <a:buFont typeface="Arial"/>
+        <a:buChar char="•"/>
+        <a:defRPr sz="1200" kern="1200" cap="small">
+          <a:gradFill flip="none" rotWithShape="1">
+            <a:gsLst>
+              <a:gs pos="0">
+                <a:schemeClr val="tx1"/>
+              </a:gs>
+              <a:gs pos="100000">
+                <a:schemeClr val="tx1">
+                  <a:lumMod val="75000"/>
+                </a:schemeClr>
+              </a:gs>
+            </a:gsLst>
+            <a:lin ang="5580000" scaled="0"/>
+            <a:tileRect/>
+          </a:gradFill>
+          <a:effectLst>
+            <a:glow rad="38100">
+              <a:schemeClr val="bg1">
+                <a:lumMod val="50000"/>
+                <a:lumOff val="50000"/>
+                <a:alpha val="20000"/>
+              </a:schemeClr>
+            </a:glow>
+            <a:outerShdw blurRad="44450" dist="12700" dir="13860000" algn="tl" rotWithShape="0">
+              <a:srgbClr val="000000">
+                <a:alpha val="20000"/>
+              </a:srgbClr>
+            </a:outerShdw>
+          </a:effectLst>
           <a:latin typeface="+mn-lt"/>
           <a:ea typeface="+mn-ea"/>
           <a:cs typeface="+mn-cs"/>
@@ -5213,16 +5529,38 @@
         <a:buClr>
           <a:schemeClr val="tx1"/>
         </a:buClr>
-        <a:buSzPct val="80000"/>
-        <a:buFont typeface="Wingdings 3" panose="05040102010807070707" pitchFamily="18" charset="2"/>
-        <a:buChar char=""/>
-        <a:defRPr sz="1400" kern="1200" cap="none">
-          <a:solidFill>
-            <a:schemeClr val="bg2">
-              <a:lumMod val="75000"/>
-            </a:schemeClr>
-          </a:solidFill>
-          <a:effectLst/>
+        <a:buSzPct val="100000"/>
+        <a:buFont typeface="Arial"/>
+        <a:buChar char="•"/>
+        <a:defRPr sz="1200" kern="1200" cap="small">
+          <a:gradFill flip="none" rotWithShape="1">
+            <a:gsLst>
+              <a:gs pos="0">
+                <a:schemeClr val="tx1"/>
+              </a:gs>
+              <a:gs pos="100000">
+                <a:schemeClr val="tx1">
+                  <a:lumMod val="75000"/>
+                </a:schemeClr>
+              </a:gs>
+            </a:gsLst>
+            <a:lin ang="5580000" scaled="0"/>
+            <a:tileRect/>
+          </a:gradFill>
+          <a:effectLst>
+            <a:glow rad="38100">
+              <a:schemeClr val="bg1">
+                <a:lumMod val="50000"/>
+                <a:lumOff val="50000"/>
+                <a:alpha val="20000"/>
+              </a:schemeClr>
+            </a:glow>
+            <a:outerShdw blurRad="44450" dist="12700" dir="13860000" algn="tl" rotWithShape="0">
+              <a:srgbClr val="000000">
+                <a:alpha val="20000"/>
+              </a:srgbClr>
+            </a:outerShdw>
+          </a:effectLst>
           <a:latin typeface="+mn-lt"/>
           <a:ea typeface="+mn-ea"/>
           <a:cs typeface="+mn-cs"/>
@@ -5238,16 +5576,38 @@
         <a:buClr>
           <a:schemeClr val="tx1"/>
         </a:buClr>
-        <a:buSzPct val="80000"/>
-        <a:buFont typeface="Wingdings 3" panose="05040102010807070707" pitchFamily="18" charset="2"/>
-        <a:buChar char=""/>
-        <a:defRPr sz="1400" kern="1200" cap="none">
-          <a:solidFill>
-            <a:schemeClr val="bg2">
-              <a:lumMod val="75000"/>
-            </a:schemeClr>
-          </a:solidFill>
-          <a:effectLst/>
+        <a:buSzPct val="100000"/>
+        <a:buFont typeface="Arial"/>
+        <a:buChar char="•"/>
+        <a:defRPr sz="1200" kern="1200" cap="small">
+          <a:gradFill flip="none" rotWithShape="1">
+            <a:gsLst>
+              <a:gs pos="0">
+                <a:schemeClr val="tx1"/>
+              </a:gs>
+              <a:gs pos="100000">
+                <a:schemeClr val="tx1">
+                  <a:lumMod val="75000"/>
+                </a:schemeClr>
+              </a:gs>
+            </a:gsLst>
+            <a:lin ang="5580000" scaled="0"/>
+            <a:tileRect/>
+          </a:gradFill>
+          <a:effectLst>
+            <a:glow rad="38100">
+              <a:schemeClr val="bg1">
+                <a:lumMod val="50000"/>
+                <a:lumOff val="50000"/>
+                <a:alpha val="20000"/>
+              </a:schemeClr>
+            </a:glow>
+            <a:outerShdw blurRad="44450" dist="12700" dir="13860000" algn="tl" rotWithShape="0">
+              <a:srgbClr val="000000">
+                <a:alpha val="20000"/>
+              </a:srgbClr>
+            </a:outerShdw>
+          </a:effectLst>
           <a:latin typeface="+mn-lt"/>
           <a:ea typeface="+mn-ea"/>
           <a:cs typeface="+mn-cs"/>
@@ -5358,26 +5718,301 @@
   <p:cSld>
     <p:bg>
       <p:bgPr>
-        <a:gradFill rotWithShape="1">
-          <a:gsLst>
-            <a:gs pos="10000">
-              <a:schemeClr val="bg1">
-                <a:tint val="97000"/>
-                <a:hueMod val="92000"/>
-                <a:satMod val="169000"/>
-                <a:lumMod val="164000"/>
+        <a:blipFill rotWithShape="1">
+          <a:blip r:embed="rId2">
+            <a:duotone>
+              <a:schemeClr val="bg2">
+                <a:shade val="28000"/>
+                <a:satMod val="94000"/>
+                <a:lumMod val="20000"/>
               </a:schemeClr>
-            </a:gs>
-            <a:gs pos="100000">
-              <a:schemeClr val="bg1">
-                <a:shade val="96000"/>
-                <a:satMod val="120000"/>
-                <a:lumMod val="90000"/>
+              <a:schemeClr val="bg2">
+                <a:tint val="94000"/>
+                <a:shade val="84000"/>
+                <a:satMod val="148000"/>
+                <a:lumMod val="114000"/>
               </a:schemeClr>
-            </a:gs>
-          </a:gsLst>
-          <a:lin ang="6120000" scaled="1"/>
-        </a:gradFill>
+            </a:duotone>
+          </a:blip>
+          <a:stretch/>
+        </a:blipFill>
+        <a:effectLst/>
+      </p:bgPr>
+    </p:bg>
+    <p:spTree>
+      <p:nvGrpSpPr>
+        <p:cNvPr id="1" name=""/>
+        <p:cNvGrpSpPr/>
+        <p:nvPr/>
+      </p:nvGrpSpPr>
+      <p:grpSpPr>
+        <a:xfrm>
+          <a:off x="0" y="0"/>
+          <a:ext cx="0" cy="0"/>
+          <a:chOff x="0" y="0"/>
+          <a:chExt cx="0" cy="0"/>
+        </a:xfrm>
+      </p:grpSpPr>
+      <p:sp>
+        <p:nvSpPr>
+          <p:cNvPr id="15" name="Freeform: Shape 14">
+            <a:extLst>
+              <a:ext uri="{FF2B5EF4-FFF2-40B4-BE49-F238E27FC236}">
+                <a16:creationId xmlns:a16="http://schemas.microsoft.com/office/drawing/2014/main" id="{9A672405-5F81-4E97-B4FC-E7F2CC16FE7B}"/>
+              </a:ext>
+              <a:ext uri="{C183D7F6-B498-43B3-948B-1728B52AA6E4}">
+                <adec:decorative xmlns:adec="http://schemas.microsoft.com/office/drawing/2017/decorative" val="1"/>
+              </a:ext>
+            </a:extLst>
+          </p:cNvPr>
+          <p:cNvSpPr>
+            <a:spLocks noGrp="1" noRot="1" noChangeAspect="1" noMove="1" noResize="1" noEditPoints="1" noAdjustHandles="1" noChangeArrowheads="1" noChangeShapeType="1" noTextEdit="1"/>
+          </p:cNvSpPr>
+          <p:nvPr>
+            <p:extLst>
+              <p:ext uri="{386F3935-93C4-4BCD-93E2-E3B085C9AB24}">
+                <p16:designElem xmlns:p16="http://schemas.microsoft.com/office/powerpoint/2015/main" val="1"/>
+              </p:ext>
+            </p:extLst>
+          </p:nvPr>
+        </p:nvSpPr>
+        <p:spPr>
+          <a:xfrm>
+            <a:off x="0" y="0"/>
+            <a:ext cx="12191999" cy="6858000"/>
+          </a:xfrm>
+          <a:custGeom>
+            <a:avLst/>
+            <a:gdLst>
+              <a:gd name="connsiteX0" fmla="*/ 0 w 12191999"/>
+              <a:gd name="connsiteY0" fmla="*/ 0 h 6858000"/>
+              <a:gd name="connsiteX1" fmla="*/ 12191999 w 12191999"/>
+              <a:gd name="connsiteY1" fmla="*/ 0 h 6858000"/>
+              <a:gd name="connsiteX2" fmla="*/ 12191999 w 12191999"/>
+              <a:gd name="connsiteY2" fmla="*/ 6858000 h 6858000"/>
+              <a:gd name="connsiteX3" fmla="*/ 0 w 12191999"/>
+              <a:gd name="connsiteY3" fmla="*/ 6858000 h 6858000"/>
+            </a:gdLst>
+            <a:ahLst/>
+            <a:cxnLst>
+              <a:cxn ang="0">
+                <a:pos x="connsiteX0" y="connsiteY0"/>
+              </a:cxn>
+              <a:cxn ang="0">
+                <a:pos x="connsiteX1" y="connsiteY1"/>
+              </a:cxn>
+              <a:cxn ang="0">
+                <a:pos x="connsiteX2" y="connsiteY2"/>
+              </a:cxn>
+              <a:cxn ang="0">
+                <a:pos x="connsiteX3" y="connsiteY3"/>
+              </a:cxn>
+            </a:cxnLst>
+            <a:rect l="l" t="t" r="r" b="b"/>
+            <a:pathLst>
+              <a:path w="12191999" h="6858000">
+                <a:moveTo>
+                  <a:pt x="0" y="0"/>
+                </a:moveTo>
+                <a:lnTo>
+                  <a:pt x="12191999" y="0"/>
+                </a:lnTo>
+                <a:lnTo>
+                  <a:pt x="12191999" y="6858000"/>
+                </a:lnTo>
+                <a:lnTo>
+                  <a:pt x="0" y="6858000"/>
+                </a:lnTo>
+                <a:close/>
+              </a:path>
+            </a:pathLst>
+          </a:custGeom>
+          <a:solidFill>
+            <a:schemeClr val="bg2"/>
+          </a:solidFill>
+          <a:ln>
+            <a:noFill/>
+          </a:ln>
+        </p:spPr>
+        <p:style>
+          <a:lnRef idx="2">
+            <a:schemeClr val="accent1">
+              <a:shade val="50000"/>
+            </a:schemeClr>
+          </a:lnRef>
+          <a:fillRef idx="1">
+            <a:schemeClr val="accent1"/>
+          </a:fillRef>
+          <a:effectRef idx="0">
+            <a:schemeClr val="accent1"/>
+          </a:effectRef>
+          <a:fontRef idx="minor">
+            <a:schemeClr val="lt1"/>
+          </a:fontRef>
+        </p:style>
+        <p:txBody>
+          <a:bodyPr wrap="square" rtlCol="0" anchor="ctr">
+            <a:noAutofit/>
+          </a:bodyPr>
+          <a:lstStyle/>
+          <a:p>
+            <a:pPr algn="ctr"/>
+            <a:endParaRPr lang="en-US"/>
+          </a:p>
+        </p:txBody>
+      </p:sp>
+      <p:sp>
+        <p:nvSpPr>
+          <p:cNvPr id="2" name="Title 1">
+            <a:extLst>
+              <a:ext uri="{FF2B5EF4-FFF2-40B4-BE49-F238E27FC236}">
+                <a16:creationId xmlns:a16="http://schemas.microsoft.com/office/drawing/2014/main" id="{A1529AB8-330E-44FE-D0DC-7771445F6A0A}"/>
+              </a:ext>
+            </a:extLst>
+          </p:cNvPr>
+          <p:cNvSpPr>
+            <a:spLocks noGrp="1"/>
+          </p:cNvSpPr>
+          <p:nvPr>
+            <p:ph type="ctrTitle"/>
+          </p:nvPr>
+        </p:nvSpPr>
+        <p:spPr>
+          <a:xfrm>
+            <a:off x="4996542" y="990601"/>
+            <a:ext cx="6054045" cy="4632960"/>
+          </a:xfrm>
+        </p:spPr>
+        <p:txBody>
+          <a:bodyPr anchor="ctr">
+            <a:normAutofit/>
+          </a:bodyPr>
+          <a:lstStyle/>
+          <a:p>
+            <a:pPr algn="l"/>
+            <a:r>
+              <a:rPr lang="en-AU"/>
+              <a:t>Pitch DECK</a:t>
+            </a:r>
+          </a:p>
+        </p:txBody>
+      </p:sp>
+      <p:sp>
+        <p:nvSpPr>
+          <p:cNvPr id="3" name="Subtitle 2">
+            <a:extLst>
+              <a:ext uri="{FF2B5EF4-FFF2-40B4-BE49-F238E27FC236}">
+                <a16:creationId xmlns:a16="http://schemas.microsoft.com/office/drawing/2014/main" id="{C2998BC9-3972-A58D-63F1-332645D880BC}"/>
+              </a:ext>
+            </a:extLst>
+          </p:cNvPr>
+          <p:cNvSpPr>
+            <a:spLocks noGrp="1"/>
+          </p:cNvSpPr>
+          <p:nvPr>
+            <p:ph type="subTitle" idx="1"/>
+          </p:nvPr>
+        </p:nvSpPr>
+        <p:spPr>
+          <a:xfrm>
+            <a:off x="1141412" y="990600"/>
+            <a:ext cx="3191623" cy="4632960"/>
+          </a:xfrm>
+        </p:spPr>
+        <p:txBody>
+          <a:bodyPr anchor="ctr">
+            <a:normAutofit/>
+          </a:bodyPr>
+          <a:lstStyle/>
+          <a:p>
+            <a:r>
+              <a:rPr lang="en-US"/>
+              <a:t>BY Christopher O’Brien</a:t>
+            </a:r>
+            <a:endParaRPr lang="en-AU"/>
+          </a:p>
+        </p:txBody>
+      </p:sp>
+      <p:cxnSp>
+        <p:nvCxnSpPr>
+          <p:cNvPr id="16" name="Straight Connector 15">
+            <a:extLst>
+              <a:ext uri="{FF2B5EF4-FFF2-40B4-BE49-F238E27FC236}">
+                <a16:creationId xmlns:a16="http://schemas.microsoft.com/office/drawing/2014/main" id="{FC86C303-74D6-4DF3-9113-E0A374D7166D}"/>
+              </a:ext>
+              <a:ext uri="{C183D7F6-B498-43B3-948B-1728B52AA6E4}">
+                <adec:decorative xmlns:adec="http://schemas.microsoft.com/office/drawing/2017/decorative" val="1"/>
+              </a:ext>
+            </a:extLst>
+          </p:cNvPr>
+          <p:cNvCxnSpPr>
+            <a:cxnSpLocks noGrp="1" noRot="1" noChangeAspect="1" noMove="1" noResize="1" noEditPoints="1" noAdjustHandles="1" noChangeArrowheads="1" noChangeShapeType="1"/>
+          </p:cNvCxnSpPr>
+          <p:nvPr>
+            <p:extLst>
+              <p:ext uri="{386F3935-93C4-4BCD-93E2-E3B085C9AB24}">
+                <p16:designElem xmlns:p16="http://schemas.microsoft.com/office/powerpoint/2015/main" val="1"/>
+              </p:ext>
+            </p:extLst>
+          </p:nvPr>
+        </p:nvCxnSpPr>
+        <p:spPr>
+          <a:xfrm>
+            <a:off x="4654769" y="2057400"/>
+            <a:ext cx="0" cy="2743200"/>
+          </a:xfrm>
+          <a:prstGeom prst="line">
+            <a:avLst/>
+          </a:prstGeom>
+          <a:ln w="19050">
+            <a:solidFill>
+              <a:schemeClr val="accent1"/>
+            </a:solidFill>
+          </a:ln>
+          <a:effectLst>
+            <a:innerShdw blurRad="63500" dist="50800" dir="16200000">
+              <a:prstClr val="black">
+                <a:alpha val="50000"/>
+              </a:prstClr>
+            </a:innerShdw>
+          </a:effectLst>
+        </p:spPr>
+        <p:style>
+          <a:lnRef idx="1">
+            <a:schemeClr val="accent1"/>
+          </a:lnRef>
+          <a:fillRef idx="0">
+            <a:schemeClr val="accent1"/>
+          </a:fillRef>
+          <a:effectRef idx="0">
+            <a:schemeClr val="accent1"/>
+          </a:effectRef>
+          <a:fontRef idx="minor">
+            <a:schemeClr val="tx1"/>
+          </a:fontRef>
+        </p:style>
+      </p:cxnSp>
+    </p:spTree>
+    <p:extLst>
+      <p:ext uri="{BB962C8B-B14F-4D97-AF65-F5344CB8AC3E}">
+        <p14:creationId xmlns:p14="http://schemas.microsoft.com/office/powerpoint/2010/main" val="609094725"/>
+      </p:ext>
+    </p:extLst>
+  </p:cSld>
+  <p:clrMapOvr>
+    <a:masterClrMapping/>
+  </p:clrMapOvr>
+</p:sld>
+</file>
+
+<file path=ppt/slides/slide2.xml><?xml version="1.0" encoding="utf-8"?>
+<p:sld xmlns:a="http://schemas.openxmlformats.org/drawingml/2006/main" xmlns:r="http://schemas.openxmlformats.org/officeDocument/2006/relationships" xmlns:p="http://schemas.openxmlformats.org/presentationml/2006/main">
+  <p:cSld>
+    <p:bg>
+      <p:bgPr>
+        <a:solidFill>
+          <a:schemeClr val="bg2"/>
+        </a:solidFill>
         <a:effectLst/>
       </p:bgPr>
     </p:bg>
@@ -5400,7 +6035,7 @@
           <p:cNvPr id="8" name="Rectangle 7">
             <a:extLst>
               <a:ext uri="{FF2B5EF4-FFF2-40B4-BE49-F238E27FC236}">
-                <a16:creationId xmlns:a16="http://schemas.microsoft.com/office/drawing/2014/main" id="{4609862E-48F9-45AC-8D44-67A0268A7935}"/>
+                <a16:creationId xmlns:a16="http://schemas.microsoft.com/office/drawing/2014/main" id="{8BCFA5F4-1A8E-48F5-9209-7F24485B1D78}"/>
               </a:ext>
               <a:ext uri="{C183D7F6-B498-43B3-948B-1728B52AA6E4}">
                 <adec:decorative xmlns:adec="http://schemas.microsoft.com/office/drawing/2017/decorative" val="1"/>
@@ -5455,21 +6090,21 @@
           </a:p>
         </p:txBody>
       </p:sp>
-      <p:grpSp>
-        <p:nvGrpSpPr>
-          <p:cNvPr id="10" name="Group 9">
+      <p:sp>
+        <p:nvSpPr>
+          <p:cNvPr id="10" name="Rectangle 9">
             <a:extLst>
               <a:ext uri="{FF2B5EF4-FFF2-40B4-BE49-F238E27FC236}">
-                <a16:creationId xmlns:a16="http://schemas.microsoft.com/office/drawing/2014/main" id="{C97986E7-0E3C-4F64-886E-935DDCB83AA7}"/>
+                <a16:creationId xmlns:a16="http://schemas.microsoft.com/office/drawing/2014/main" id="{A8074621-AE44-40C4-8323-DF5185BC954E}"/>
               </a:ext>
               <a:ext uri="{C183D7F6-B498-43B3-948B-1728B52AA6E4}">
                 <adec:decorative xmlns:adec="http://schemas.microsoft.com/office/drawing/2017/decorative" val="1"/>
               </a:ext>
             </a:extLst>
           </p:cNvPr>
-          <p:cNvGrpSpPr>
-            <a:grpSpLocks noGrp="1" noUngrp="1" noRot="1" noChangeAspect="1" noMove="1" noResize="1"/>
-          </p:cNvGrpSpPr>
+          <p:cNvSpPr>
+            <a:spLocks noGrp="1" noRot="1" noChangeAspect="1" noMove="1" noResize="1" noEditPoints="1" noAdjustHandles="1" noChangeArrowheads="1" noChangeShapeType="1" noTextEdit="1"/>
+          </p:cNvSpPr>
           <p:nvPr>
             <p:extLst>
               <p:ext uri="{386F3935-93C4-4BCD-93E2-E3B085C9AB24}">
@@ -5477,384 +6112,49 @@
               </p:ext>
             </p:extLst>
           </p:nvPr>
-        </p:nvGrpSpPr>
-        <p:grpSpPr>
-          <a:xfrm>
-            <a:off x="7773033" y="1420238"/>
-            <a:ext cx="4415786" cy="4751961"/>
-            <a:chOff x="9206969" y="2963333"/>
-            <a:chExt cx="2981858" cy="3208867"/>
-          </a:xfrm>
-        </p:grpSpPr>
-        <p:cxnSp>
-          <p:nvCxnSpPr>
-            <p:cNvPr id="11" name="Straight Connector 10">
-              <a:extLst>
-                <a:ext uri="{FF2B5EF4-FFF2-40B4-BE49-F238E27FC236}">
-                  <a16:creationId xmlns:a16="http://schemas.microsoft.com/office/drawing/2014/main" id="{B903D17F-F79E-40E5-9563-A1CFFCC06A2A}"/>
-                </a:ext>
-                <a:ext uri="{C183D7F6-B498-43B3-948B-1728B52AA6E4}">
-                  <adec:decorative xmlns:adec="http://schemas.microsoft.com/office/drawing/2017/decorative" val="1"/>
-                </a:ext>
-              </a:extLst>
-            </p:cNvPr>
-            <p:cNvCxnSpPr/>
-            <p:nvPr>
-              <p:extLst>
-                <p:ext uri="{386F3935-93C4-4BCD-93E2-E3B085C9AB24}">
-                  <p16:designElem xmlns:p16="http://schemas.microsoft.com/office/powerpoint/2015/main" val="1"/>
-                </p:ext>
-              </p:extLst>
-            </p:nvPr>
-          </p:nvCxnSpPr>
-          <p:spPr>
-            <a:xfrm flipH="1">
-              <a:off x="11276012" y="2963333"/>
-              <a:ext cx="912814" cy="912812"/>
-            </a:xfrm>
-            <a:prstGeom prst="line">
-              <a:avLst/>
-            </a:prstGeom>
-            <a:ln w="9525">
-              <a:solidFill>
-                <a:schemeClr val="tx2">
-                  <a:lumMod val="75000"/>
-                  <a:alpha val="80000"/>
-                </a:schemeClr>
-              </a:solidFill>
-            </a:ln>
-          </p:spPr>
-          <p:style>
-            <a:lnRef idx="2">
-              <a:schemeClr val="accent1"/>
-            </a:lnRef>
-            <a:fillRef idx="0">
-              <a:schemeClr val="accent1"/>
-            </a:fillRef>
-            <a:effectRef idx="1">
-              <a:schemeClr val="accent1"/>
-            </a:effectRef>
-            <a:fontRef idx="minor">
-              <a:schemeClr val="tx1"/>
-            </a:fontRef>
-          </p:style>
-        </p:cxnSp>
-        <p:cxnSp>
-          <p:nvCxnSpPr>
-            <p:cNvPr id="12" name="Straight Connector 11">
-              <a:extLst>
-                <a:ext uri="{FF2B5EF4-FFF2-40B4-BE49-F238E27FC236}">
-                  <a16:creationId xmlns:a16="http://schemas.microsoft.com/office/drawing/2014/main" id="{CA5D5775-627F-4588-82B3-905EDF23138E}"/>
-                </a:ext>
-                <a:ext uri="{C183D7F6-B498-43B3-948B-1728B52AA6E4}">
-                  <adec:decorative xmlns:adec="http://schemas.microsoft.com/office/drawing/2017/decorative" val="1"/>
-                </a:ext>
-              </a:extLst>
-            </p:cNvPr>
-            <p:cNvCxnSpPr/>
-            <p:nvPr>
-              <p:extLst>
-                <p:ext uri="{386F3935-93C4-4BCD-93E2-E3B085C9AB24}">
-                  <p16:designElem xmlns:p16="http://schemas.microsoft.com/office/powerpoint/2015/main" val="1"/>
-                </p:ext>
-              </p:extLst>
-            </p:nvPr>
-          </p:nvCxnSpPr>
-          <p:spPr>
-            <a:xfrm flipH="1">
-              <a:off x="9206969" y="3190344"/>
-              <a:ext cx="2981857" cy="2981856"/>
-            </a:xfrm>
-            <a:prstGeom prst="line">
-              <a:avLst/>
-            </a:prstGeom>
-            <a:ln w="9525">
-              <a:solidFill>
-                <a:schemeClr val="tx2">
-                  <a:lumMod val="75000"/>
-                  <a:alpha val="80000"/>
-                </a:schemeClr>
-              </a:solidFill>
-            </a:ln>
-          </p:spPr>
-          <p:style>
-            <a:lnRef idx="2">
-              <a:schemeClr val="accent1"/>
-            </a:lnRef>
-            <a:fillRef idx="0">
-              <a:schemeClr val="accent1"/>
-            </a:fillRef>
-            <a:effectRef idx="1">
-              <a:schemeClr val="accent1"/>
-            </a:effectRef>
-            <a:fontRef idx="minor">
-              <a:schemeClr val="tx1"/>
-            </a:fontRef>
-          </p:style>
-        </p:cxnSp>
-        <p:cxnSp>
-          <p:nvCxnSpPr>
-            <p:cNvPr id="13" name="Straight Connector 12">
-              <a:extLst>
-                <a:ext uri="{FF2B5EF4-FFF2-40B4-BE49-F238E27FC236}">
-                  <a16:creationId xmlns:a16="http://schemas.microsoft.com/office/drawing/2014/main" id="{7D7F2A20-5DE4-4BC0-91EA-5FFE33A4D3A9}"/>
-                </a:ext>
-                <a:ext uri="{C183D7F6-B498-43B3-948B-1728B52AA6E4}">
-                  <adec:decorative xmlns:adec="http://schemas.microsoft.com/office/drawing/2017/decorative" val="1"/>
-                </a:ext>
-              </a:extLst>
-            </p:cNvPr>
-            <p:cNvCxnSpPr/>
-            <p:nvPr>
-              <p:extLst>
-                <p:ext uri="{386F3935-93C4-4BCD-93E2-E3B085C9AB24}">
-                  <p16:designElem xmlns:p16="http://schemas.microsoft.com/office/powerpoint/2015/main" val="1"/>
-                </p:ext>
-              </p:extLst>
-            </p:nvPr>
-          </p:nvCxnSpPr>
-          <p:spPr>
-            <a:xfrm flipH="1">
-              <a:off x="10292292" y="3285067"/>
-              <a:ext cx="1896534" cy="1896533"/>
-            </a:xfrm>
-            <a:prstGeom prst="line">
-              <a:avLst/>
-            </a:prstGeom>
-            <a:ln w="9525">
-              <a:solidFill>
-                <a:schemeClr val="tx2">
-                  <a:lumMod val="75000"/>
-                  <a:alpha val="80000"/>
-                </a:schemeClr>
-              </a:solidFill>
-            </a:ln>
-          </p:spPr>
-          <p:style>
-            <a:lnRef idx="2">
-              <a:schemeClr val="accent1"/>
-            </a:lnRef>
-            <a:fillRef idx="0">
-              <a:schemeClr val="accent1"/>
-            </a:fillRef>
-            <a:effectRef idx="1">
-              <a:schemeClr val="accent1"/>
-            </a:effectRef>
-            <a:fontRef idx="minor">
-              <a:schemeClr val="tx1"/>
-            </a:fontRef>
-          </p:style>
-        </p:cxnSp>
-        <p:cxnSp>
-          <p:nvCxnSpPr>
-            <p:cNvPr id="14" name="Straight Connector 13">
-              <a:extLst>
-                <a:ext uri="{FF2B5EF4-FFF2-40B4-BE49-F238E27FC236}">
-                  <a16:creationId xmlns:a16="http://schemas.microsoft.com/office/drawing/2014/main" id="{3D536BA0-56C7-429C-B41E-B5724F0CD4C4}"/>
-                </a:ext>
-                <a:ext uri="{C183D7F6-B498-43B3-948B-1728B52AA6E4}">
-                  <adec:decorative xmlns:adec="http://schemas.microsoft.com/office/drawing/2017/decorative" val="1"/>
-                </a:ext>
-              </a:extLst>
-            </p:cNvPr>
-            <p:cNvCxnSpPr/>
-            <p:nvPr>
-              <p:extLst>
-                <p:ext uri="{386F3935-93C4-4BCD-93E2-E3B085C9AB24}">
-                  <p16:designElem xmlns:p16="http://schemas.microsoft.com/office/powerpoint/2015/main" val="1"/>
-                </p:ext>
-              </p:extLst>
-            </p:nvPr>
-          </p:nvCxnSpPr>
-          <p:spPr>
-            <a:xfrm flipH="1">
-              <a:off x="10443103" y="3131080"/>
-              <a:ext cx="1745722" cy="1745720"/>
-            </a:xfrm>
-            <a:prstGeom prst="line">
-              <a:avLst/>
-            </a:prstGeom>
-            <a:ln w="28575">
-              <a:solidFill>
-                <a:schemeClr val="tx2">
-                  <a:lumMod val="75000"/>
-                  <a:alpha val="80000"/>
-                </a:schemeClr>
-              </a:solidFill>
-            </a:ln>
-          </p:spPr>
-          <p:style>
-            <a:lnRef idx="2">
-              <a:schemeClr val="accent1"/>
-            </a:lnRef>
-            <a:fillRef idx="0">
-              <a:schemeClr val="accent1"/>
-            </a:fillRef>
-            <a:effectRef idx="1">
-              <a:schemeClr val="accent1"/>
-            </a:effectRef>
-            <a:fontRef idx="minor">
-              <a:schemeClr val="tx1"/>
-            </a:fontRef>
-          </p:style>
-        </p:cxnSp>
-        <p:cxnSp>
-          <p:nvCxnSpPr>
-            <p:cNvPr id="15" name="Straight Connector 14">
-              <a:extLst>
-                <a:ext uri="{FF2B5EF4-FFF2-40B4-BE49-F238E27FC236}">
-                  <a16:creationId xmlns:a16="http://schemas.microsoft.com/office/drawing/2014/main" id="{1F15726F-71BE-4007-B9B6-0A1AA0D5201D}"/>
-                </a:ext>
-                <a:ext uri="{C183D7F6-B498-43B3-948B-1728B52AA6E4}">
-                  <adec:decorative xmlns:adec="http://schemas.microsoft.com/office/drawing/2017/decorative" val="1"/>
-                </a:ext>
-              </a:extLst>
-            </p:cNvPr>
-            <p:cNvCxnSpPr/>
-            <p:nvPr>
-              <p:extLst>
-                <p:ext uri="{386F3935-93C4-4BCD-93E2-E3B085C9AB24}">
-                  <p16:designElem xmlns:p16="http://schemas.microsoft.com/office/powerpoint/2015/main" val="1"/>
-                </p:ext>
-              </p:extLst>
-            </p:nvPr>
-          </p:nvCxnSpPr>
-          <p:spPr>
-            <a:xfrm flipH="1">
-              <a:off x="10918826" y="3683001"/>
-              <a:ext cx="1270001" cy="1269999"/>
-            </a:xfrm>
-            <a:prstGeom prst="line">
-              <a:avLst/>
-            </a:prstGeom>
-            <a:ln w="28575">
-              <a:solidFill>
-                <a:schemeClr val="tx2">
-                  <a:lumMod val="75000"/>
-                  <a:alpha val="80000"/>
-                </a:schemeClr>
-              </a:solidFill>
-            </a:ln>
-          </p:spPr>
-          <p:style>
-            <a:lnRef idx="2">
-              <a:schemeClr val="accent1"/>
-            </a:lnRef>
-            <a:fillRef idx="0">
-              <a:schemeClr val="accent1"/>
-            </a:fillRef>
-            <a:effectRef idx="1">
-              <a:schemeClr val="accent1"/>
-            </a:effectRef>
-            <a:fontRef idx="minor">
-              <a:schemeClr val="tx1"/>
-            </a:fontRef>
-          </p:style>
-        </p:cxnSp>
-      </p:grpSp>
-      <p:sp>
-        <p:nvSpPr>
-          <p:cNvPr id="2" name="Title 1">
-            <a:extLst>
-              <a:ext uri="{FF2B5EF4-FFF2-40B4-BE49-F238E27FC236}">
-                <a16:creationId xmlns:a16="http://schemas.microsoft.com/office/drawing/2014/main" id="{A1529AB8-330E-44FE-D0DC-7771445F6A0A}"/>
-              </a:ext>
-            </a:extLst>
-          </p:cNvPr>
-          <p:cNvSpPr>
-            <a:spLocks noGrp="1"/>
-          </p:cNvSpPr>
-          <p:nvPr>
-            <p:ph type="ctrTitle"/>
-          </p:nvPr>
         </p:nvSpPr>
         <p:spPr>
           <a:xfrm>
-            <a:off x="684211" y="685799"/>
-            <a:ext cx="8420877" cy="2971801"/>
+            <a:off x="0" y="0"/>
+            <a:ext cx="12192000" cy="2053062"/>
           </a:xfrm>
+          <a:prstGeom prst="rect">
+            <a:avLst/>
+          </a:prstGeom>
+          <a:solidFill>
+            <a:schemeClr val="bg2">
+              <a:lumMod val="75000"/>
+            </a:schemeClr>
+          </a:solidFill>
+          <a:ln>
+            <a:noFill/>
+          </a:ln>
         </p:spPr>
-        <p:txBody>
-          <a:bodyPr>
-            <a:normAutofit/>
-          </a:bodyPr>
-          <a:lstStyle/>
-          <a:p>
-            <a:r>
-              <a:rPr lang="en-AU" dirty="0"/>
-              <a:t>Pitch DECK</a:t>
-            </a:r>
-          </a:p>
-        </p:txBody>
-      </p:sp>
-      <p:sp>
-        <p:nvSpPr>
-          <p:cNvPr id="3" name="Subtitle 2">
-            <a:extLst>
-              <a:ext uri="{FF2B5EF4-FFF2-40B4-BE49-F238E27FC236}">
-                <a16:creationId xmlns:a16="http://schemas.microsoft.com/office/drawing/2014/main" id="{C2998BC9-3972-A58D-63F1-332645D880BC}"/>
-              </a:ext>
-            </a:extLst>
-          </p:cNvPr>
-          <p:cNvSpPr>
-            <a:spLocks noGrp="1"/>
-          </p:cNvSpPr>
-          <p:nvPr>
-            <p:ph type="subTitle" idx="1"/>
-          </p:nvPr>
-        </p:nvSpPr>
-        <p:spPr>
-          <a:xfrm>
-            <a:off x="684212" y="3843867"/>
-            <a:ext cx="6400800" cy="1947333"/>
-          </a:xfrm>
-        </p:spPr>
-        <p:txBody>
-          <a:bodyPr>
-            <a:normAutofit/>
-          </a:bodyPr>
-          <a:lstStyle/>
-          <a:p>
-            <a:endParaRPr lang="en-AU">
-              <a:solidFill>
-                <a:schemeClr val="tx2">
-                  <a:lumMod val="75000"/>
-                </a:schemeClr>
-              </a:solidFill>
-            </a:endParaRPr>
-          </a:p>
-        </p:txBody>
-      </p:sp>
-    </p:spTree>
-    <p:extLst>
-      <p:ext uri="{BB962C8B-B14F-4D97-AF65-F5344CB8AC3E}">
-        <p14:creationId xmlns:p14="http://schemas.microsoft.com/office/powerpoint/2010/main" val="609094725"/>
-      </p:ext>
-    </p:extLst>
-  </p:cSld>
-  <p:clrMapOvr>
-    <a:masterClrMapping/>
-  </p:clrMapOvr>
-</p:sld>
-</file>
-
-<file path=ppt/slides/slide2.xml><?xml version="1.0" encoding="utf-8"?>
-<p:sld xmlns:a="http://schemas.openxmlformats.org/drawingml/2006/main" xmlns:r="http://schemas.openxmlformats.org/officeDocument/2006/relationships" xmlns:p="http://schemas.openxmlformats.org/presentationml/2006/main">
-  <p:cSld>
-    <p:spTree>
-      <p:nvGrpSpPr>
-        <p:cNvPr id="1" name=""/>
-        <p:cNvGrpSpPr/>
-        <p:nvPr/>
-      </p:nvGrpSpPr>
-      <p:grpSpPr>
-        <a:xfrm>
-          <a:off x="0" y="0"/>
-          <a:ext cx="0" cy="0"/>
-          <a:chOff x="0" y="0"/>
-          <a:chExt cx="0" cy="0"/>
-        </a:xfrm>
-      </p:grpSpPr>
+        <p:style>
+          <a:lnRef idx="2">
+            <a:schemeClr val="accent1">
+              <a:shade val="50000"/>
+            </a:schemeClr>
+          </a:lnRef>
+          <a:fillRef idx="1">
+            <a:schemeClr val="accent1"/>
+          </a:fillRef>
+          <a:effectRef idx="0">
+            <a:schemeClr val="accent1"/>
+          </a:effectRef>
+          <a:fontRef idx="minor">
+            <a:schemeClr val="lt1"/>
+          </a:fontRef>
+        </p:style>
+        <p:txBody>
+          <a:bodyPr rtlCol="0" anchor="ctr"/>
+          <a:lstStyle/>
+          <a:p>
+            <a:pPr algn="ctr"/>
+            <a:endParaRPr lang="en-US"/>
+          </a:p>
+        </p:txBody>
+      </p:sp>
       <p:sp>
         <p:nvSpPr>
           <p:cNvPr id="2" name="Title 1">
@@ -5871,12 +6171,23 @@
             <p:ph type="title"/>
           </p:nvPr>
         </p:nvSpPr>
-        <p:spPr/>
-        <p:txBody>
-          <a:bodyPr/>
-          <a:lstStyle/>
-          <a:p>
-            <a:endParaRPr lang="en-AU"/>
+        <p:spPr>
+          <a:xfrm>
+            <a:off x="1141413" y="643467"/>
+            <a:ext cx="7696199" cy="1079989"/>
+          </a:xfrm>
+        </p:spPr>
+        <p:txBody>
+          <a:bodyPr>
+            <a:normAutofit/>
+          </a:bodyPr>
+          <a:lstStyle/>
+          <a:p>
+            <a:r>
+              <a:rPr lang="en-US" sz="3600" dirty="0"/>
+              <a:t>Character brief #1</a:t>
+            </a:r>
+            <a:endParaRPr lang="en-AU" sz="3600" dirty="0"/>
           </a:p>
         </p:txBody>
       </p:sp>
@@ -5896,12 +6207,53 @@
             <p:ph idx="1"/>
           </p:nvPr>
         </p:nvSpPr>
-        <p:spPr/>
-        <p:txBody>
-          <a:bodyPr/>
-          <a:lstStyle/>
-          <a:p>
-            <a:endParaRPr lang="en-AU"/>
+        <p:spPr>
+          <a:xfrm>
+            <a:off x="1141413" y="2374795"/>
+            <a:ext cx="7696199" cy="3416406"/>
+          </a:xfrm>
+        </p:spPr>
+        <p:txBody>
+          <a:bodyPr>
+            <a:normAutofit lnSpcReduction="10000"/>
+          </a:bodyPr>
+          <a:lstStyle/>
+          <a:p>
+            <a:pPr marL="0" indent="0">
+              <a:buNone/>
+            </a:pPr>
+            <a:r>
+              <a:rPr lang="en-US" dirty="0"/>
+              <a:t>For my first model I have chosen the Rookie Trainer (Type A) from Pouch Critters</a:t>
+            </a:r>
+          </a:p>
+          <a:p>
+            <a:pPr marL="0" indent="0">
+              <a:buNone/>
+            </a:pPr>
+            <a:r>
+              <a:rPr lang="en-US" dirty="0"/>
+              <a:t>The characters in pouch critters require a low-poly/cartoon style. </a:t>
+            </a:r>
+          </a:p>
+          <a:p>
+            <a:pPr marL="0" indent="0">
+              <a:buNone/>
+            </a:pPr>
+            <a:r>
+              <a:rPr lang="en-US" dirty="0"/>
+              <a:t>Pouch Critters is set in the region of Mandurah, it is a semi-rural coastal area in a hot, sunbaked part of the world.  The region is semi-rural but has sci-fi features such as holographic projectors, farming robots and hover cars.</a:t>
+            </a:r>
+          </a:p>
+          <a:p>
+            <a:pPr marL="0" indent="0">
+              <a:buNone/>
+            </a:pPr>
+            <a:r>
+              <a:rPr lang="en-US" dirty="0"/>
+              <a:t>The rookie trainer is a newcomer to Mandurah, their goal is to become the number one critter trainer in the region.</a:t>
+            </a:r>
+            <a:endParaRPr lang="en-AU" dirty="0"/>
           </a:p>
         </p:txBody>
       </p:sp>
@@ -5921,6 +6273,14 @@
 <file path=ppt/slides/slide3.xml><?xml version="1.0" encoding="utf-8"?>
 <p:sld xmlns:a="http://schemas.openxmlformats.org/drawingml/2006/main" xmlns:r="http://schemas.openxmlformats.org/officeDocument/2006/relationships" xmlns:p="http://schemas.openxmlformats.org/presentationml/2006/main">
   <p:cSld>
+    <p:bg>
+      <p:bgPr>
+        <a:solidFill>
+          <a:schemeClr val="bg2"/>
+        </a:solidFill>
+        <a:effectLst/>
+      </p:bgPr>
+    </p:bg>
     <p:spTree>
       <p:nvGrpSpPr>
         <p:cNvPr id="1" name=""/>
@@ -5935,6 +6295,131 @@
           <a:chExt cx="0" cy="0"/>
         </a:xfrm>
       </p:grpSpPr>
+      <p:sp useBgFill="1">
+        <p:nvSpPr>
+          <p:cNvPr id="8" name="Rectangle 7">
+            <a:extLst>
+              <a:ext uri="{FF2B5EF4-FFF2-40B4-BE49-F238E27FC236}">
+                <a16:creationId xmlns:a16="http://schemas.microsoft.com/office/drawing/2014/main" id="{8BCFA5F4-1A8E-48F5-9209-7F24485B1D78}"/>
+              </a:ext>
+              <a:ext uri="{C183D7F6-B498-43B3-948B-1728B52AA6E4}">
+                <adec:decorative xmlns:adec="http://schemas.microsoft.com/office/drawing/2017/decorative" val="1"/>
+              </a:ext>
+            </a:extLst>
+          </p:cNvPr>
+          <p:cNvSpPr>
+            <a:spLocks noGrp="1" noRot="1" noChangeAspect="1" noMove="1" noResize="1" noEditPoints="1" noAdjustHandles="1" noChangeArrowheads="1" noChangeShapeType="1" noTextEdit="1"/>
+          </p:cNvSpPr>
+          <p:nvPr>
+            <p:extLst>
+              <p:ext uri="{386F3935-93C4-4BCD-93E2-E3B085C9AB24}">
+                <p16:designElem xmlns:p16="http://schemas.microsoft.com/office/powerpoint/2015/main" val="1"/>
+              </p:ext>
+            </p:extLst>
+          </p:nvPr>
+        </p:nvSpPr>
+        <p:spPr>
+          <a:xfrm>
+            <a:off x="0" y="0"/>
+            <a:ext cx="12192000" cy="6858000"/>
+          </a:xfrm>
+          <a:prstGeom prst="rect">
+            <a:avLst/>
+          </a:prstGeom>
+          <a:ln>
+            <a:noFill/>
+          </a:ln>
+        </p:spPr>
+        <p:style>
+          <a:lnRef idx="2">
+            <a:schemeClr val="accent1">
+              <a:shade val="50000"/>
+            </a:schemeClr>
+          </a:lnRef>
+          <a:fillRef idx="1">
+            <a:schemeClr val="accent1"/>
+          </a:fillRef>
+          <a:effectRef idx="0">
+            <a:schemeClr val="accent1"/>
+          </a:effectRef>
+          <a:fontRef idx="minor">
+            <a:schemeClr val="lt1"/>
+          </a:fontRef>
+        </p:style>
+        <p:txBody>
+          <a:bodyPr rtlCol="0" anchor="ctr"/>
+          <a:lstStyle/>
+          <a:p>
+            <a:pPr algn="ctr"/>
+            <a:endParaRPr lang="en-US"/>
+          </a:p>
+        </p:txBody>
+      </p:sp>
+      <p:sp>
+        <p:nvSpPr>
+          <p:cNvPr id="10" name="Rectangle 9">
+            <a:extLst>
+              <a:ext uri="{FF2B5EF4-FFF2-40B4-BE49-F238E27FC236}">
+                <a16:creationId xmlns:a16="http://schemas.microsoft.com/office/drawing/2014/main" id="{A8074621-AE44-40C4-8323-DF5185BC954E}"/>
+              </a:ext>
+              <a:ext uri="{C183D7F6-B498-43B3-948B-1728B52AA6E4}">
+                <adec:decorative xmlns:adec="http://schemas.microsoft.com/office/drawing/2017/decorative" val="1"/>
+              </a:ext>
+            </a:extLst>
+          </p:cNvPr>
+          <p:cNvSpPr>
+            <a:spLocks noGrp="1" noRot="1" noChangeAspect="1" noMove="1" noResize="1" noEditPoints="1" noAdjustHandles="1" noChangeArrowheads="1" noChangeShapeType="1" noTextEdit="1"/>
+          </p:cNvSpPr>
+          <p:nvPr>
+            <p:extLst>
+              <p:ext uri="{386F3935-93C4-4BCD-93E2-E3B085C9AB24}">
+                <p16:designElem xmlns:p16="http://schemas.microsoft.com/office/powerpoint/2015/main" val="1"/>
+              </p:ext>
+            </p:extLst>
+          </p:nvPr>
+        </p:nvSpPr>
+        <p:spPr>
+          <a:xfrm>
+            <a:off x="0" y="0"/>
+            <a:ext cx="12192000" cy="2053062"/>
+          </a:xfrm>
+          <a:prstGeom prst="rect">
+            <a:avLst/>
+          </a:prstGeom>
+          <a:solidFill>
+            <a:schemeClr val="bg2">
+              <a:lumMod val="75000"/>
+            </a:schemeClr>
+          </a:solidFill>
+          <a:ln>
+            <a:noFill/>
+          </a:ln>
+        </p:spPr>
+        <p:style>
+          <a:lnRef idx="2">
+            <a:schemeClr val="accent1">
+              <a:shade val="50000"/>
+            </a:schemeClr>
+          </a:lnRef>
+          <a:fillRef idx="1">
+            <a:schemeClr val="accent1"/>
+          </a:fillRef>
+          <a:effectRef idx="0">
+            <a:schemeClr val="accent1"/>
+          </a:effectRef>
+          <a:fontRef idx="minor">
+            <a:schemeClr val="lt1"/>
+          </a:fontRef>
+        </p:style>
+        <p:txBody>
+          <a:bodyPr rtlCol="0" anchor="ctr"/>
+          <a:lstStyle/>
+          <a:p>
+            <a:pPr algn="ctr"/>
+            <a:endParaRPr lang="en-US"/>
+          </a:p>
+        </p:txBody>
+      </p:sp>
       <p:sp>
         <p:nvSpPr>
           <p:cNvPr id="2" name="Title 1">
@@ -5951,12 +6436,23 @@
             <p:ph type="title"/>
           </p:nvPr>
         </p:nvSpPr>
-        <p:spPr/>
-        <p:txBody>
-          <a:bodyPr/>
-          <a:lstStyle/>
-          <a:p>
-            <a:endParaRPr lang="en-AU"/>
+        <p:spPr>
+          <a:xfrm>
+            <a:off x="1141413" y="643467"/>
+            <a:ext cx="7696199" cy="1079989"/>
+          </a:xfrm>
+        </p:spPr>
+        <p:txBody>
+          <a:bodyPr>
+            <a:normAutofit/>
+          </a:bodyPr>
+          <a:lstStyle/>
+          <a:p>
+            <a:r>
+              <a:rPr lang="en-US" sz="3600" dirty="0"/>
+              <a:t>Character brief #2</a:t>
+            </a:r>
+            <a:endParaRPr lang="en-AU" sz="3600" dirty="0"/>
           </a:p>
         </p:txBody>
       </p:sp>
@@ -5976,12 +6472,60 @@
             <p:ph idx="1"/>
           </p:nvPr>
         </p:nvSpPr>
-        <p:spPr/>
-        <p:txBody>
-          <a:bodyPr/>
-          <a:lstStyle/>
-          <a:p>
-            <a:endParaRPr lang="en-AU"/>
+        <p:spPr>
+          <a:xfrm>
+            <a:off x="1141413" y="2374795"/>
+            <a:ext cx="7696199" cy="3416406"/>
+          </a:xfrm>
+        </p:spPr>
+        <p:txBody>
+          <a:bodyPr>
+            <a:normAutofit/>
+          </a:bodyPr>
+          <a:lstStyle/>
+          <a:p>
+            <a:pPr marL="0" indent="0">
+              <a:buNone/>
+            </a:pPr>
+            <a:r>
+              <a:rPr lang="en-US" dirty="0"/>
+              <a:t>For my second model I have chosen the Giant Wolf from Antique Hoop</a:t>
+            </a:r>
+          </a:p>
+          <a:p>
+            <a:pPr marL="0" indent="0">
+              <a:buNone/>
+            </a:pPr>
+            <a:r>
+              <a:rPr lang="en-US" dirty="0"/>
+              <a:t>The characters in Antique require a High-poly/realistic style.</a:t>
+            </a:r>
+          </a:p>
+          <a:p>
+            <a:pPr marL="0" indent="0">
+              <a:buNone/>
+            </a:pPr>
+            <a:r>
+              <a:rPr lang="en-US" dirty="0"/>
+              <a:t>Antique Hoop is set the Realms Betwixt, it is a stunning open world of decaying grandeur. It is filled with </a:t>
+            </a:r>
+            <a:r>
+              <a:rPr lang="en-AU" dirty="0"/>
+              <a:t>sprawling fields dotted with grand fortresses, mansions fallen to ruin and dark forests.</a:t>
+            </a:r>
+            <a:r>
+              <a:rPr lang="en-US" dirty="0"/>
+              <a:t> </a:t>
+            </a:r>
+          </a:p>
+          <a:p>
+            <a:pPr marL="0" indent="0">
+              <a:buNone/>
+            </a:pPr>
+            <a:r>
+              <a:rPr lang="en-US" dirty="0"/>
+              <a:t>The Giant Wolf acts as an enemy for the player to defeat.</a:t>
+            </a:r>
           </a:p>
         </p:txBody>
       </p:sp>
@@ -6001,6 +6545,14 @@
 <file path=ppt/slides/slide4.xml><?xml version="1.0" encoding="utf-8"?>
 <p:sld xmlns:a="http://schemas.openxmlformats.org/drawingml/2006/main" xmlns:r="http://schemas.openxmlformats.org/officeDocument/2006/relationships" xmlns:p="http://schemas.openxmlformats.org/presentationml/2006/main">
   <p:cSld>
+    <p:bg>
+      <p:bgPr>
+        <a:solidFill>
+          <a:schemeClr val="bg2"/>
+        </a:solidFill>
+        <a:effectLst/>
+      </p:bgPr>
+    </p:bg>
     <p:spTree>
       <p:nvGrpSpPr>
         <p:cNvPr id="1" name=""/>
@@ -6015,6 +6567,131 @@
           <a:chExt cx="0" cy="0"/>
         </a:xfrm>
       </p:grpSpPr>
+      <p:sp useBgFill="1">
+        <p:nvSpPr>
+          <p:cNvPr id="15" name="Rectangle 14">
+            <a:extLst>
+              <a:ext uri="{FF2B5EF4-FFF2-40B4-BE49-F238E27FC236}">
+                <a16:creationId xmlns:a16="http://schemas.microsoft.com/office/drawing/2014/main" id="{8BCFA5F4-1A8E-48F5-9209-7F24485B1D78}"/>
+              </a:ext>
+              <a:ext uri="{C183D7F6-B498-43B3-948B-1728B52AA6E4}">
+                <adec:decorative xmlns:adec="http://schemas.microsoft.com/office/drawing/2017/decorative" val="1"/>
+              </a:ext>
+            </a:extLst>
+          </p:cNvPr>
+          <p:cNvSpPr>
+            <a:spLocks noGrp="1" noRot="1" noChangeAspect="1" noMove="1" noResize="1" noEditPoints="1" noAdjustHandles="1" noChangeArrowheads="1" noChangeShapeType="1" noTextEdit="1"/>
+          </p:cNvSpPr>
+          <p:nvPr>
+            <p:extLst>
+              <p:ext uri="{386F3935-93C4-4BCD-93E2-E3B085C9AB24}">
+                <p16:designElem xmlns:p16="http://schemas.microsoft.com/office/powerpoint/2015/main" val="1"/>
+              </p:ext>
+            </p:extLst>
+          </p:nvPr>
+        </p:nvSpPr>
+        <p:spPr>
+          <a:xfrm>
+            <a:off x="0" y="0"/>
+            <a:ext cx="12192000" cy="6858000"/>
+          </a:xfrm>
+          <a:prstGeom prst="rect">
+            <a:avLst/>
+          </a:prstGeom>
+          <a:ln>
+            <a:noFill/>
+          </a:ln>
+        </p:spPr>
+        <p:style>
+          <a:lnRef idx="2">
+            <a:schemeClr val="accent1">
+              <a:shade val="50000"/>
+            </a:schemeClr>
+          </a:lnRef>
+          <a:fillRef idx="1">
+            <a:schemeClr val="accent1"/>
+          </a:fillRef>
+          <a:effectRef idx="0">
+            <a:schemeClr val="accent1"/>
+          </a:effectRef>
+          <a:fontRef idx="minor">
+            <a:schemeClr val="lt1"/>
+          </a:fontRef>
+        </p:style>
+        <p:txBody>
+          <a:bodyPr rtlCol="0" anchor="ctr"/>
+          <a:lstStyle/>
+          <a:p>
+            <a:pPr algn="ctr"/>
+            <a:endParaRPr lang="en-US"/>
+          </a:p>
+        </p:txBody>
+      </p:sp>
+      <p:sp>
+        <p:nvSpPr>
+          <p:cNvPr id="17" name="Rectangle 16">
+            <a:extLst>
+              <a:ext uri="{FF2B5EF4-FFF2-40B4-BE49-F238E27FC236}">
+                <a16:creationId xmlns:a16="http://schemas.microsoft.com/office/drawing/2014/main" id="{A8074621-AE44-40C4-8323-DF5185BC954E}"/>
+              </a:ext>
+              <a:ext uri="{C183D7F6-B498-43B3-948B-1728B52AA6E4}">
+                <adec:decorative xmlns:adec="http://schemas.microsoft.com/office/drawing/2017/decorative" val="1"/>
+              </a:ext>
+            </a:extLst>
+          </p:cNvPr>
+          <p:cNvSpPr>
+            <a:spLocks noGrp="1" noRot="1" noChangeAspect="1" noMove="1" noResize="1" noEditPoints="1" noAdjustHandles="1" noChangeArrowheads="1" noChangeShapeType="1" noTextEdit="1"/>
+          </p:cNvSpPr>
+          <p:nvPr>
+            <p:extLst>
+              <p:ext uri="{386F3935-93C4-4BCD-93E2-E3B085C9AB24}">
+                <p16:designElem xmlns:p16="http://schemas.microsoft.com/office/powerpoint/2015/main" val="1"/>
+              </p:ext>
+            </p:extLst>
+          </p:nvPr>
+        </p:nvSpPr>
+        <p:spPr>
+          <a:xfrm>
+            <a:off x="0" y="0"/>
+            <a:ext cx="12192000" cy="2053062"/>
+          </a:xfrm>
+          <a:prstGeom prst="rect">
+            <a:avLst/>
+          </a:prstGeom>
+          <a:solidFill>
+            <a:schemeClr val="bg2">
+              <a:lumMod val="75000"/>
+            </a:schemeClr>
+          </a:solidFill>
+          <a:ln>
+            <a:noFill/>
+          </a:ln>
+        </p:spPr>
+        <p:style>
+          <a:lnRef idx="2">
+            <a:schemeClr val="accent1">
+              <a:shade val="50000"/>
+            </a:schemeClr>
+          </a:lnRef>
+          <a:fillRef idx="1">
+            <a:schemeClr val="accent1"/>
+          </a:fillRef>
+          <a:effectRef idx="0">
+            <a:schemeClr val="accent1"/>
+          </a:effectRef>
+          <a:fontRef idx="minor">
+            <a:schemeClr val="lt1"/>
+          </a:fontRef>
+        </p:style>
+        <p:txBody>
+          <a:bodyPr rtlCol="0" anchor="ctr"/>
+          <a:lstStyle/>
+          <a:p>
+            <a:pPr algn="ctr"/>
+            <a:endParaRPr lang="en-US"/>
+          </a:p>
+        </p:txBody>
+      </p:sp>
       <p:sp>
         <p:nvSpPr>
           <p:cNvPr id="2" name="Title 1">
@@ -6031,12 +6708,23 @@
             <p:ph type="title"/>
           </p:nvPr>
         </p:nvSpPr>
-        <p:spPr/>
-        <p:txBody>
-          <a:bodyPr/>
-          <a:lstStyle/>
-          <a:p>
-            <a:endParaRPr lang="en-AU"/>
+        <p:spPr>
+          <a:xfrm>
+            <a:off x="1141413" y="643467"/>
+            <a:ext cx="7696199" cy="1079989"/>
+          </a:xfrm>
+        </p:spPr>
+        <p:txBody>
+          <a:bodyPr>
+            <a:normAutofit/>
+          </a:bodyPr>
+          <a:lstStyle/>
+          <a:p>
+            <a:r>
+              <a:rPr lang="en-US" sz="3600" dirty="0"/>
+              <a:t>Character #1</a:t>
+            </a:r>
+            <a:endParaRPr lang="en-AU" sz="3600" dirty="0"/>
           </a:p>
         </p:txBody>
       </p:sp>
@@ -6056,9 +6744,16 @@
             <p:ph idx="1"/>
           </p:nvPr>
         </p:nvSpPr>
-        <p:spPr/>
-        <p:txBody>
-          <a:bodyPr/>
+        <p:spPr>
+          <a:xfrm>
+            <a:off x="1141413" y="2374795"/>
+            <a:ext cx="7696199" cy="3416406"/>
+          </a:xfrm>
+        </p:spPr>
+        <p:txBody>
+          <a:bodyPr>
+            <a:normAutofit/>
+          </a:bodyPr>
           <a:lstStyle/>
           <a:p>
             <a:endParaRPr lang="en-AU"/>
@@ -6081,6 +6776,14 @@
 <file path=ppt/slides/slide5.xml><?xml version="1.0" encoding="utf-8"?>
 <p:sld xmlns:a="http://schemas.openxmlformats.org/drawingml/2006/main" xmlns:r="http://schemas.openxmlformats.org/officeDocument/2006/relationships" xmlns:p="http://schemas.openxmlformats.org/presentationml/2006/main">
   <p:cSld>
+    <p:bg>
+      <p:bgPr>
+        <a:solidFill>
+          <a:schemeClr val="bg2"/>
+        </a:solidFill>
+        <a:effectLst/>
+      </p:bgPr>
+    </p:bg>
     <p:spTree>
       <p:nvGrpSpPr>
         <p:cNvPr id="1" name=""/>
@@ -6095,6 +6798,131 @@
           <a:chExt cx="0" cy="0"/>
         </a:xfrm>
       </p:grpSpPr>
+      <p:sp useBgFill="1">
+        <p:nvSpPr>
+          <p:cNvPr id="8" name="Rectangle 7">
+            <a:extLst>
+              <a:ext uri="{FF2B5EF4-FFF2-40B4-BE49-F238E27FC236}">
+                <a16:creationId xmlns:a16="http://schemas.microsoft.com/office/drawing/2014/main" id="{8BCFA5F4-1A8E-48F5-9209-7F24485B1D78}"/>
+              </a:ext>
+              <a:ext uri="{C183D7F6-B498-43B3-948B-1728B52AA6E4}">
+                <adec:decorative xmlns:adec="http://schemas.microsoft.com/office/drawing/2017/decorative" val="1"/>
+              </a:ext>
+            </a:extLst>
+          </p:cNvPr>
+          <p:cNvSpPr>
+            <a:spLocks noGrp="1" noRot="1" noChangeAspect="1" noMove="1" noResize="1" noEditPoints="1" noAdjustHandles="1" noChangeArrowheads="1" noChangeShapeType="1" noTextEdit="1"/>
+          </p:cNvSpPr>
+          <p:nvPr>
+            <p:extLst>
+              <p:ext uri="{386F3935-93C4-4BCD-93E2-E3B085C9AB24}">
+                <p16:designElem xmlns:p16="http://schemas.microsoft.com/office/powerpoint/2015/main" val="1"/>
+              </p:ext>
+            </p:extLst>
+          </p:nvPr>
+        </p:nvSpPr>
+        <p:spPr>
+          <a:xfrm>
+            <a:off x="0" y="0"/>
+            <a:ext cx="12192000" cy="6858000"/>
+          </a:xfrm>
+          <a:prstGeom prst="rect">
+            <a:avLst/>
+          </a:prstGeom>
+          <a:ln>
+            <a:noFill/>
+          </a:ln>
+        </p:spPr>
+        <p:style>
+          <a:lnRef idx="2">
+            <a:schemeClr val="accent1">
+              <a:shade val="50000"/>
+            </a:schemeClr>
+          </a:lnRef>
+          <a:fillRef idx="1">
+            <a:schemeClr val="accent1"/>
+          </a:fillRef>
+          <a:effectRef idx="0">
+            <a:schemeClr val="accent1"/>
+          </a:effectRef>
+          <a:fontRef idx="minor">
+            <a:schemeClr val="lt1"/>
+          </a:fontRef>
+        </p:style>
+        <p:txBody>
+          <a:bodyPr rtlCol="0" anchor="ctr"/>
+          <a:lstStyle/>
+          <a:p>
+            <a:pPr algn="ctr"/>
+            <a:endParaRPr lang="en-US"/>
+          </a:p>
+        </p:txBody>
+      </p:sp>
+      <p:sp>
+        <p:nvSpPr>
+          <p:cNvPr id="10" name="Rectangle 9">
+            <a:extLst>
+              <a:ext uri="{FF2B5EF4-FFF2-40B4-BE49-F238E27FC236}">
+                <a16:creationId xmlns:a16="http://schemas.microsoft.com/office/drawing/2014/main" id="{A8074621-AE44-40C4-8323-DF5185BC954E}"/>
+              </a:ext>
+              <a:ext uri="{C183D7F6-B498-43B3-948B-1728B52AA6E4}">
+                <adec:decorative xmlns:adec="http://schemas.microsoft.com/office/drawing/2017/decorative" val="1"/>
+              </a:ext>
+            </a:extLst>
+          </p:cNvPr>
+          <p:cNvSpPr>
+            <a:spLocks noGrp="1" noRot="1" noChangeAspect="1" noMove="1" noResize="1" noEditPoints="1" noAdjustHandles="1" noChangeArrowheads="1" noChangeShapeType="1" noTextEdit="1"/>
+          </p:cNvSpPr>
+          <p:nvPr>
+            <p:extLst>
+              <p:ext uri="{386F3935-93C4-4BCD-93E2-E3B085C9AB24}">
+                <p16:designElem xmlns:p16="http://schemas.microsoft.com/office/powerpoint/2015/main" val="1"/>
+              </p:ext>
+            </p:extLst>
+          </p:nvPr>
+        </p:nvSpPr>
+        <p:spPr>
+          <a:xfrm>
+            <a:off x="0" y="0"/>
+            <a:ext cx="12192000" cy="2053062"/>
+          </a:xfrm>
+          <a:prstGeom prst="rect">
+            <a:avLst/>
+          </a:prstGeom>
+          <a:solidFill>
+            <a:schemeClr val="bg2">
+              <a:lumMod val="75000"/>
+            </a:schemeClr>
+          </a:solidFill>
+          <a:ln>
+            <a:noFill/>
+          </a:ln>
+        </p:spPr>
+        <p:style>
+          <a:lnRef idx="2">
+            <a:schemeClr val="accent1">
+              <a:shade val="50000"/>
+            </a:schemeClr>
+          </a:lnRef>
+          <a:fillRef idx="1">
+            <a:schemeClr val="accent1"/>
+          </a:fillRef>
+          <a:effectRef idx="0">
+            <a:schemeClr val="accent1"/>
+          </a:effectRef>
+          <a:fontRef idx="minor">
+            <a:schemeClr val="lt1"/>
+          </a:fontRef>
+        </p:style>
+        <p:txBody>
+          <a:bodyPr rtlCol="0" anchor="ctr"/>
+          <a:lstStyle/>
+          <a:p>
+            <a:pPr algn="ctr"/>
+            <a:endParaRPr lang="en-US"/>
+          </a:p>
+        </p:txBody>
+      </p:sp>
       <p:sp>
         <p:nvSpPr>
           <p:cNvPr id="2" name="Title 1">
@@ -6111,12 +6939,23 @@
             <p:ph type="title"/>
           </p:nvPr>
         </p:nvSpPr>
-        <p:spPr/>
-        <p:txBody>
-          <a:bodyPr/>
-          <a:lstStyle/>
-          <a:p>
-            <a:endParaRPr lang="en-AU"/>
+        <p:spPr>
+          <a:xfrm>
+            <a:off x="1141413" y="643467"/>
+            <a:ext cx="7696199" cy="1079989"/>
+          </a:xfrm>
+        </p:spPr>
+        <p:txBody>
+          <a:bodyPr>
+            <a:normAutofit/>
+          </a:bodyPr>
+          <a:lstStyle/>
+          <a:p>
+            <a:r>
+              <a:rPr lang="en-US" sz="3600" dirty="0"/>
+              <a:t>Character #2</a:t>
+            </a:r>
+            <a:endParaRPr lang="en-AU" sz="3600" dirty="0"/>
           </a:p>
         </p:txBody>
       </p:sp>
@@ -6136,9 +6975,16 @@
             <p:ph idx="1"/>
           </p:nvPr>
         </p:nvSpPr>
-        <p:spPr/>
-        <p:txBody>
-          <a:bodyPr/>
+        <p:spPr>
+          <a:xfrm>
+            <a:off x="1141413" y="2374795"/>
+            <a:ext cx="7696199" cy="3416406"/>
+          </a:xfrm>
+        </p:spPr>
+        <p:txBody>
+          <a:bodyPr>
+            <a:normAutofit/>
+          </a:bodyPr>
           <a:lstStyle/>
           <a:p>
             <a:endParaRPr lang="en-AU"/>
@@ -6161,6 +7007,14 @@
 <file path=ppt/slides/slide6.xml><?xml version="1.0" encoding="utf-8"?>
 <p:sld xmlns:a="http://schemas.openxmlformats.org/drawingml/2006/main" xmlns:r="http://schemas.openxmlformats.org/officeDocument/2006/relationships" xmlns:p="http://schemas.openxmlformats.org/presentationml/2006/main">
   <p:cSld>
+    <p:bg>
+      <p:bgPr>
+        <a:solidFill>
+          <a:schemeClr val="bg2"/>
+        </a:solidFill>
+        <a:effectLst/>
+      </p:bgPr>
+    </p:bg>
     <p:spTree>
       <p:nvGrpSpPr>
         <p:cNvPr id="1" name=""/>
@@ -6175,6 +7029,131 @@
           <a:chExt cx="0" cy="0"/>
         </a:xfrm>
       </p:grpSpPr>
+      <p:sp useBgFill="1">
+        <p:nvSpPr>
+          <p:cNvPr id="15" name="Rectangle 14">
+            <a:extLst>
+              <a:ext uri="{FF2B5EF4-FFF2-40B4-BE49-F238E27FC236}">
+                <a16:creationId xmlns:a16="http://schemas.microsoft.com/office/drawing/2014/main" id="{8BCFA5F4-1A8E-48F5-9209-7F24485B1D78}"/>
+              </a:ext>
+              <a:ext uri="{C183D7F6-B498-43B3-948B-1728B52AA6E4}">
+                <adec:decorative xmlns:adec="http://schemas.microsoft.com/office/drawing/2017/decorative" val="1"/>
+              </a:ext>
+            </a:extLst>
+          </p:cNvPr>
+          <p:cNvSpPr>
+            <a:spLocks noGrp="1" noRot="1" noChangeAspect="1" noMove="1" noResize="1" noEditPoints="1" noAdjustHandles="1" noChangeArrowheads="1" noChangeShapeType="1" noTextEdit="1"/>
+          </p:cNvSpPr>
+          <p:nvPr>
+            <p:extLst>
+              <p:ext uri="{386F3935-93C4-4BCD-93E2-E3B085C9AB24}">
+                <p16:designElem xmlns:p16="http://schemas.microsoft.com/office/powerpoint/2015/main" val="1"/>
+              </p:ext>
+            </p:extLst>
+          </p:nvPr>
+        </p:nvSpPr>
+        <p:spPr>
+          <a:xfrm>
+            <a:off x="0" y="0"/>
+            <a:ext cx="12192000" cy="6858000"/>
+          </a:xfrm>
+          <a:prstGeom prst="rect">
+            <a:avLst/>
+          </a:prstGeom>
+          <a:ln>
+            <a:noFill/>
+          </a:ln>
+        </p:spPr>
+        <p:style>
+          <a:lnRef idx="2">
+            <a:schemeClr val="accent1">
+              <a:shade val="50000"/>
+            </a:schemeClr>
+          </a:lnRef>
+          <a:fillRef idx="1">
+            <a:schemeClr val="accent1"/>
+          </a:fillRef>
+          <a:effectRef idx="0">
+            <a:schemeClr val="accent1"/>
+          </a:effectRef>
+          <a:fontRef idx="minor">
+            <a:schemeClr val="lt1"/>
+          </a:fontRef>
+        </p:style>
+        <p:txBody>
+          <a:bodyPr rtlCol="0" anchor="ctr"/>
+          <a:lstStyle/>
+          <a:p>
+            <a:pPr algn="ctr"/>
+            <a:endParaRPr lang="en-US"/>
+          </a:p>
+        </p:txBody>
+      </p:sp>
+      <p:sp>
+        <p:nvSpPr>
+          <p:cNvPr id="17" name="Rectangle 16">
+            <a:extLst>
+              <a:ext uri="{FF2B5EF4-FFF2-40B4-BE49-F238E27FC236}">
+                <a16:creationId xmlns:a16="http://schemas.microsoft.com/office/drawing/2014/main" id="{A8074621-AE44-40C4-8323-DF5185BC954E}"/>
+              </a:ext>
+              <a:ext uri="{C183D7F6-B498-43B3-948B-1728B52AA6E4}">
+                <adec:decorative xmlns:adec="http://schemas.microsoft.com/office/drawing/2017/decorative" val="1"/>
+              </a:ext>
+            </a:extLst>
+          </p:cNvPr>
+          <p:cNvSpPr>
+            <a:spLocks noGrp="1" noRot="1" noChangeAspect="1" noMove="1" noResize="1" noEditPoints="1" noAdjustHandles="1" noChangeArrowheads="1" noChangeShapeType="1" noTextEdit="1"/>
+          </p:cNvSpPr>
+          <p:nvPr>
+            <p:extLst>
+              <p:ext uri="{386F3935-93C4-4BCD-93E2-E3B085C9AB24}">
+                <p16:designElem xmlns:p16="http://schemas.microsoft.com/office/powerpoint/2015/main" val="1"/>
+              </p:ext>
+            </p:extLst>
+          </p:nvPr>
+        </p:nvSpPr>
+        <p:spPr>
+          <a:xfrm>
+            <a:off x="0" y="0"/>
+            <a:ext cx="12192000" cy="2053062"/>
+          </a:xfrm>
+          <a:prstGeom prst="rect">
+            <a:avLst/>
+          </a:prstGeom>
+          <a:solidFill>
+            <a:schemeClr val="bg2">
+              <a:lumMod val="75000"/>
+            </a:schemeClr>
+          </a:solidFill>
+          <a:ln>
+            <a:noFill/>
+          </a:ln>
+        </p:spPr>
+        <p:style>
+          <a:lnRef idx="2">
+            <a:schemeClr val="accent1">
+              <a:shade val="50000"/>
+            </a:schemeClr>
+          </a:lnRef>
+          <a:fillRef idx="1">
+            <a:schemeClr val="accent1"/>
+          </a:fillRef>
+          <a:effectRef idx="0">
+            <a:schemeClr val="accent1"/>
+          </a:effectRef>
+          <a:fontRef idx="minor">
+            <a:schemeClr val="lt1"/>
+          </a:fontRef>
+        </p:style>
+        <p:txBody>
+          <a:bodyPr rtlCol="0" anchor="ctr"/>
+          <a:lstStyle/>
+          <a:p>
+            <a:pPr algn="ctr"/>
+            <a:endParaRPr lang="en-US"/>
+          </a:p>
+        </p:txBody>
+      </p:sp>
       <p:sp>
         <p:nvSpPr>
           <p:cNvPr id="2" name="Title 1">
@@ -6191,12 +7170,19 @@
             <p:ph type="title"/>
           </p:nvPr>
         </p:nvSpPr>
-        <p:spPr/>
-        <p:txBody>
-          <a:bodyPr/>
-          <a:lstStyle/>
-          <a:p>
-            <a:endParaRPr lang="en-AU"/>
+        <p:spPr>
+          <a:xfrm>
+            <a:off x="1141413" y="643467"/>
+            <a:ext cx="7696199" cy="1079989"/>
+          </a:xfrm>
+        </p:spPr>
+        <p:txBody>
+          <a:bodyPr>
+            <a:normAutofit/>
+          </a:bodyPr>
+          <a:lstStyle/>
+          <a:p>
+            <a:endParaRPr lang="en-AU" sz="3600"/>
           </a:p>
         </p:txBody>
       </p:sp>
@@ -6216,9 +7202,16 @@
             <p:ph idx="1"/>
           </p:nvPr>
         </p:nvSpPr>
-        <p:spPr/>
-        <p:txBody>
-          <a:bodyPr/>
+        <p:spPr>
+          <a:xfrm>
+            <a:off x="1141413" y="2374795"/>
+            <a:ext cx="7696199" cy="3416406"/>
+          </a:xfrm>
+        </p:spPr>
+        <p:txBody>
+          <a:bodyPr>
+            <a:normAutofit/>
+          </a:bodyPr>
           <a:lstStyle/>
           <a:p>
             <a:endParaRPr lang="en-AU"/>
@@ -6241,6 +7234,14 @@
 <file path=ppt/slides/slide7.xml><?xml version="1.0" encoding="utf-8"?>
 <p:sld xmlns:a="http://schemas.openxmlformats.org/drawingml/2006/main" xmlns:r="http://schemas.openxmlformats.org/officeDocument/2006/relationships" xmlns:p="http://schemas.openxmlformats.org/presentationml/2006/main">
   <p:cSld>
+    <p:bg>
+      <p:bgPr>
+        <a:solidFill>
+          <a:schemeClr val="bg2"/>
+        </a:solidFill>
+        <a:effectLst/>
+      </p:bgPr>
+    </p:bg>
     <p:spTree>
       <p:nvGrpSpPr>
         <p:cNvPr id="1" name=""/>
@@ -6255,6 +7256,131 @@
           <a:chExt cx="0" cy="0"/>
         </a:xfrm>
       </p:grpSpPr>
+      <p:sp useBgFill="1">
+        <p:nvSpPr>
+          <p:cNvPr id="8" name="Rectangle 7">
+            <a:extLst>
+              <a:ext uri="{FF2B5EF4-FFF2-40B4-BE49-F238E27FC236}">
+                <a16:creationId xmlns:a16="http://schemas.microsoft.com/office/drawing/2014/main" id="{8BCFA5F4-1A8E-48F5-9209-7F24485B1D78}"/>
+              </a:ext>
+              <a:ext uri="{C183D7F6-B498-43B3-948B-1728B52AA6E4}">
+                <adec:decorative xmlns:adec="http://schemas.microsoft.com/office/drawing/2017/decorative" val="1"/>
+              </a:ext>
+            </a:extLst>
+          </p:cNvPr>
+          <p:cNvSpPr>
+            <a:spLocks noGrp="1" noRot="1" noChangeAspect="1" noMove="1" noResize="1" noEditPoints="1" noAdjustHandles="1" noChangeArrowheads="1" noChangeShapeType="1" noTextEdit="1"/>
+          </p:cNvSpPr>
+          <p:nvPr>
+            <p:extLst>
+              <p:ext uri="{386F3935-93C4-4BCD-93E2-E3B085C9AB24}">
+                <p16:designElem xmlns:p16="http://schemas.microsoft.com/office/powerpoint/2015/main" val="1"/>
+              </p:ext>
+            </p:extLst>
+          </p:nvPr>
+        </p:nvSpPr>
+        <p:spPr>
+          <a:xfrm>
+            <a:off x="0" y="0"/>
+            <a:ext cx="12192000" cy="6858000"/>
+          </a:xfrm>
+          <a:prstGeom prst="rect">
+            <a:avLst/>
+          </a:prstGeom>
+          <a:ln>
+            <a:noFill/>
+          </a:ln>
+        </p:spPr>
+        <p:style>
+          <a:lnRef idx="2">
+            <a:schemeClr val="accent1">
+              <a:shade val="50000"/>
+            </a:schemeClr>
+          </a:lnRef>
+          <a:fillRef idx="1">
+            <a:schemeClr val="accent1"/>
+          </a:fillRef>
+          <a:effectRef idx="0">
+            <a:schemeClr val="accent1"/>
+          </a:effectRef>
+          <a:fontRef idx="minor">
+            <a:schemeClr val="lt1"/>
+          </a:fontRef>
+        </p:style>
+        <p:txBody>
+          <a:bodyPr rtlCol="0" anchor="ctr"/>
+          <a:lstStyle/>
+          <a:p>
+            <a:pPr algn="ctr"/>
+            <a:endParaRPr lang="en-US"/>
+          </a:p>
+        </p:txBody>
+      </p:sp>
+      <p:sp>
+        <p:nvSpPr>
+          <p:cNvPr id="10" name="Rectangle 9">
+            <a:extLst>
+              <a:ext uri="{FF2B5EF4-FFF2-40B4-BE49-F238E27FC236}">
+                <a16:creationId xmlns:a16="http://schemas.microsoft.com/office/drawing/2014/main" id="{A8074621-AE44-40C4-8323-DF5185BC954E}"/>
+              </a:ext>
+              <a:ext uri="{C183D7F6-B498-43B3-948B-1728B52AA6E4}">
+                <adec:decorative xmlns:adec="http://schemas.microsoft.com/office/drawing/2017/decorative" val="1"/>
+              </a:ext>
+            </a:extLst>
+          </p:cNvPr>
+          <p:cNvSpPr>
+            <a:spLocks noGrp="1" noRot="1" noChangeAspect="1" noMove="1" noResize="1" noEditPoints="1" noAdjustHandles="1" noChangeArrowheads="1" noChangeShapeType="1" noTextEdit="1"/>
+          </p:cNvSpPr>
+          <p:nvPr>
+            <p:extLst>
+              <p:ext uri="{386F3935-93C4-4BCD-93E2-E3B085C9AB24}">
+                <p16:designElem xmlns:p16="http://schemas.microsoft.com/office/powerpoint/2015/main" val="1"/>
+              </p:ext>
+            </p:extLst>
+          </p:nvPr>
+        </p:nvSpPr>
+        <p:spPr>
+          <a:xfrm>
+            <a:off x="0" y="0"/>
+            <a:ext cx="12192000" cy="2053062"/>
+          </a:xfrm>
+          <a:prstGeom prst="rect">
+            <a:avLst/>
+          </a:prstGeom>
+          <a:solidFill>
+            <a:schemeClr val="bg2">
+              <a:lumMod val="75000"/>
+            </a:schemeClr>
+          </a:solidFill>
+          <a:ln>
+            <a:noFill/>
+          </a:ln>
+        </p:spPr>
+        <p:style>
+          <a:lnRef idx="2">
+            <a:schemeClr val="accent1">
+              <a:shade val="50000"/>
+            </a:schemeClr>
+          </a:lnRef>
+          <a:fillRef idx="1">
+            <a:schemeClr val="accent1"/>
+          </a:fillRef>
+          <a:effectRef idx="0">
+            <a:schemeClr val="accent1"/>
+          </a:effectRef>
+          <a:fontRef idx="minor">
+            <a:schemeClr val="lt1"/>
+          </a:fontRef>
+        </p:style>
+        <p:txBody>
+          <a:bodyPr rtlCol="0" anchor="ctr"/>
+          <a:lstStyle/>
+          <a:p>
+            <a:pPr algn="ctr"/>
+            <a:endParaRPr lang="en-US"/>
+          </a:p>
+        </p:txBody>
+      </p:sp>
       <p:sp>
         <p:nvSpPr>
           <p:cNvPr id="2" name="Title 1">
@@ -6271,12 +7397,19 @@
             <p:ph type="title"/>
           </p:nvPr>
         </p:nvSpPr>
-        <p:spPr/>
-        <p:txBody>
-          <a:bodyPr/>
-          <a:lstStyle/>
-          <a:p>
-            <a:endParaRPr lang="en-AU"/>
+        <p:spPr>
+          <a:xfrm>
+            <a:off x="1141413" y="643467"/>
+            <a:ext cx="7696199" cy="1079989"/>
+          </a:xfrm>
+        </p:spPr>
+        <p:txBody>
+          <a:bodyPr>
+            <a:normAutofit/>
+          </a:bodyPr>
+          <a:lstStyle/>
+          <a:p>
+            <a:endParaRPr lang="en-AU" sz="3600"/>
           </a:p>
         </p:txBody>
       </p:sp>
@@ -6296,9 +7429,16 @@
             <p:ph idx="1"/>
           </p:nvPr>
         </p:nvSpPr>
-        <p:spPr/>
-        <p:txBody>
-          <a:bodyPr/>
+        <p:spPr>
+          <a:xfrm>
+            <a:off x="1141413" y="2374795"/>
+            <a:ext cx="7696199" cy="3416406"/>
+          </a:xfrm>
+        </p:spPr>
+        <p:txBody>
+          <a:bodyPr>
+            <a:normAutofit/>
+          </a:bodyPr>
           <a:lstStyle/>
           <a:p>
             <a:endParaRPr lang="en-AU"/>
@@ -6321,6 +7461,14 @@
 <file path=ppt/slides/slide8.xml><?xml version="1.0" encoding="utf-8"?>
 <p:sld xmlns:a="http://schemas.openxmlformats.org/drawingml/2006/main" xmlns:r="http://schemas.openxmlformats.org/officeDocument/2006/relationships" xmlns:p="http://schemas.openxmlformats.org/presentationml/2006/main">
   <p:cSld>
+    <p:bg>
+      <p:bgPr>
+        <a:solidFill>
+          <a:schemeClr val="bg2"/>
+        </a:solidFill>
+        <a:effectLst/>
+      </p:bgPr>
+    </p:bg>
     <p:spTree>
       <p:nvGrpSpPr>
         <p:cNvPr id="1" name=""/>
@@ -6335,6 +7483,131 @@
           <a:chExt cx="0" cy="0"/>
         </a:xfrm>
       </p:grpSpPr>
+      <p:sp useBgFill="1">
+        <p:nvSpPr>
+          <p:cNvPr id="19" name="Rectangle 18">
+            <a:extLst>
+              <a:ext uri="{FF2B5EF4-FFF2-40B4-BE49-F238E27FC236}">
+                <a16:creationId xmlns:a16="http://schemas.microsoft.com/office/drawing/2014/main" id="{8BCFA5F4-1A8E-48F5-9209-7F24485B1D78}"/>
+              </a:ext>
+              <a:ext uri="{C183D7F6-B498-43B3-948B-1728B52AA6E4}">
+                <adec:decorative xmlns:adec="http://schemas.microsoft.com/office/drawing/2017/decorative" val="1"/>
+              </a:ext>
+            </a:extLst>
+          </p:cNvPr>
+          <p:cNvSpPr>
+            <a:spLocks noGrp="1" noRot="1" noChangeAspect="1" noMove="1" noResize="1" noEditPoints="1" noAdjustHandles="1" noChangeArrowheads="1" noChangeShapeType="1" noTextEdit="1"/>
+          </p:cNvSpPr>
+          <p:nvPr>
+            <p:extLst>
+              <p:ext uri="{386F3935-93C4-4BCD-93E2-E3B085C9AB24}">
+                <p16:designElem xmlns:p16="http://schemas.microsoft.com/office/powerpoint/2015/main" val="1"/>
+              </p:ext>
+            </p:extLst>
+          </p:nvPr>
+        </p:nvSpPr>
+        <p:spPr>
+          <a:xfrm>
+            <a:off x="0" y="0"/>
+            <a:ext cx="12192000" cy="6858000"/>
+          </a:xfrm>
+          <a:prstGeom prst="rect">
+            <a:avLst/>
+          </a:prstGeom>
+          <a:ln>
+            <a:noFill/>
+          </a:ln>
+        </p:spPr>
+        <p:style>
+          <a:lnRef idx="2">
+            <a:schemeClr val="accent1">
+              <a:shade val="50000"/>
+            </a:schemeClr>
+          </a:lnRef>
+          <a:fillRef idx="1">
+            <a:schemeClr val="accent1"/>
+          </a:fillRef>
+          <a:effectRef idx="0">
+            <a:schemeClr val="accent1"/>
+          </a:effectRef>
+          <a:fontRef idx="minor">
+            <a:schemeClr val="lt1"/>
+          </a:fontRef>
+        </p:style>
+        <p:txBody>
+          <a:bodyPr rtlCol="0" anchor="ctr"/>
+          <a:lstStyle/>
+          <a:p>
+            <a:pPr algn="ctr"/>
+            <a:endParaRPr lang="en-US"/>
+          </a:p>
+        </p:txBody>
+      </p:sp>
+      <p:sp>
+        <p:nvSpPr>
+          <p:cNvPr id="20" name="Rectangle 19">
+            <a:extLst>
+              <a:ext uri="{FF2B5EF4-FFF2-40B4-BE49-F238E27FC236}">
+                <a16:creationId xmlns:a16="http://schemas.microsoft.com/office/drawing/2014/main" id="{A8074621-AE44-40C4-8323-DF5185BC954E}"/>
+              </a:ext>
+              <a:ext uri="{C183D7F6-B498-43B3-948B-1728B52AA6E4}">
+                <adec:decorative xmlns:adec="http://schemas.microsoft.com/office/drawing/2017/decorative" val="1"/>
+              </a:ext>
+            </a:extLst>
+          </p:cNvPr>
+          <p:cNvSpPr>
+            <a:spLocks noGrp="1" noRot="1" noChangeAspect="1" noMove="1" noResize="1" noEditPoints="1" noAdjustHandles="1" noChangeArrowheads="1" noChangeShapeType="1" noTextEdit="1"/>
+          </p:cNvSpPr>
+          <p:nvPr>
+            <p:extLst>
+              <p:ext uri="{386F3935-93C4-4BCD-93E2-E3B085C9AB24}">
+                <p16:designElem xmlns:p16="http://schemas.microsoft.com/office/powerpoint/2015/main" val="1"/>
+              </p:ext>
+            </p:extLst>
+          </p:nvPr>
+        </p:nvSpPr>
+        <p:spPr>
+          <a:xfrm>
+            <a:off x="0" y="0"/>
+            <a:ext cx="12192000" cy="2053062"/>
+          </a:xfrm>
+          <a:prstGeom prst="rect">
+            <a:avLst/>
+          </a:prstGeom>
+          <a:solidFill>
+            <a:schemeClr val="bg2">
+              <a:lumMod val="75000"/>
+            </a:schemeClr>
+          </a:solidFill>
+          <a:ln>
+            <a:noFill/>
+          </a:ln>
+        </p:spPr>
+        <p:style>
+          <a:lnRef idx="2">
+            <a:schemeClr val="accent1">
+              <a:shade val="50000"/>
+            </a:schemeClr>
+          </a:lnRef>
+          <a:fillRef idx="1">
+            <a:schemeClr val="accent1"/>
+          </a:fillRef>
+          <a:effectRef idx="0">
+            <a:schemeClr val="accent1"/>
+          </a:effectRef>
+          <a:fontRef idx="minor">
+            <a:schemeClr val="lt1"/>
+          </a:fontRef>
+        </p:style>
+        <p:txBody>
+          <a:bodyPr rtlCol="0" anchor="ctr"/>
+          <a:lstStyle/>
+          <a:p>
+            <a:pPr algn="ctr"/>
+            <a:endParaRPr lang="en-US"/>
+          </a:p>
+        </p:txBody>
+      </p:sp>
       <p:sp>
         <p:nvSpPr>
           <p:cNvPr id="2" name="Title 1">
@@ -6351,12 +7624,19 @@
             <p:ph type="title"/>
           </p:nvPr>
         </p:nvSpPr>
-        <p:spPr/>
-        <p:txBody>
-          <a:bodyPr/>
-          <a:lstStyle/>
-          <a:p>
-            <a:endParaRPr lang="en-AU"/>
+        <p:spPr>
+          <a:xfrm>
+            <a:off x="1141413" y="643467"/>
+            <a:ext cx="7696199" cy="1079989"/>
+          </a:xfrm>
+        </p:spPr>
+        <p:txBody>
+          <a:bodyPr>
+            <a:normAutofit/>
+          </a:bodyPr>
+          <a:lstStyle/>
+          <a:p>
+            <a:endParaRPr lang="en-AU" sz="3600"/>
           </a:p>
         </p:txBody>
       </p:sp>
@@ -6376,9 +7656,16 @@
             <p:ph idx="1"/>
           </p:nvPr>
         </p:nvSpPr>
-        <p:spPr/>
-        <p:txBody>
-          <a:bodyPr/>
+        <p:spPr>
+          <a:xfrm>
+            <a:off x="1141413" y="2374795"/>
+            <a:ext cx="7696199" cy="3416406"/>
+          </a:xfrm>
+        </p:spPr>
+        <p:txBody>
+          <a:bodyPr>
+            <a:normAutofit/>
+          </a:bodyPr>
           <a:lstStyle/>
           <a:p>
             <a:endParaRPr lang="en-AU"/>
@@ -6399,9 +7686,9 @@
 </file>
 
 <file path=ppt/theme/theme1.xml><?xml version="1.0" encoding="utf-8"?>
-<a:theme xmlns:a="http://schemas.openxmlformats.org/drawingml/2006/main" name="Slice">
+<a:theme xmlns:a="http://schemas.openxmlformats.org/drawingml/2006/main" name="Mesh">
   <a:themeElements>
-    <a:clrScheme name="Slice">
+    <a:clrScheme name="Mesh">
       <a:dk1>
         <a:sysClr val="windowText" lastClr="000000"/>
       </a:dk1>
@@ -6409,45 +7696,45 @@
         <a:sysClr val="window" lastClr="FFFFFF"/>
       </a:lt1>
       <a:dk2>
-        <a:srgbClr val="146194"/>
+        <a:srgbClr val="363D46"/>
       </a:dk2>
       <a:lt2>
-        <a:srgbClr val="76DBF4"/>
+        <a:srgbClr val="EBEBEB"/>
       </a:lt2>
       <a:accent1>
-        <a:srgbClr val="052F61"/>
+        <a:srgbClr val="6F6F6F"/>
       </a:accent1>
       <a:accent2>
-        <a:srgbClr val="A50E82"/>
+        <a:srgbClr val="BFBFA5"/>
       </a:accent2>
       <a:accent3>
-        <a:srgbClr val="14967C"/>
+        <a:srgbClr val="DCD084"/>
       </a:accent3>
       <a:accent4>
-        <a:srgbClr val="6A9E1F"/>
+        <a:srgbClr val="E7BF5F"/>
       </a:accent4>
       <a:accent5>
-        <a:srgbClr val="E87D37"/>
+        <a:srgbClr val="E9A039"/>
       </a:accent5>
       <a:accent6>
-        <a:srgbClr val="C62324"/>
+        <a:srgbClr val="CF7133"/>
       </a:accent6>
       <a:hlink>
-        <a:srgbClr val="0D2E46"/>
+        <a:srgbClr val="F28943"/>
       </a:hlink>
       <a:folHlink>
-        <a:srgbClr val="356A95"/>
+        <a:srgbClr val="F1B76C"/>
       </a:folHlink>
     </a:clrScheme>
-    <a:fontScheme name="Slice">
+    <a:fontScheme name="Mesh">
       <a:majorFont>
         <a:latin typeface="Century Gothic" panose="020B0502020202020204"/>
         <a:ea typeface=""/>
         <a:cs typeface=""/>
-        <a:font script="Jpan" typeface="メイリオ"/>
-        <a:font script="Hang" typeface="HY중고딕"/>
-        <a:font script="Hans" typeface="幼圆"/>
-        <a:font script="Hant" typeface="微軟正黑體"/>
+        <a:font script="Jpan" typeface="ＭＳ ゴシック"/>
+        <a:font script="Hang" typeface="맑은 고딕"/>
+        <a:font script="Hans" typeface="宋体"/>
+        <a:font script="Hant" typeface="新細明體"/>
         <a:font script="Arab" typeface="Tahoma"/>
         <a:font script="Hebr" typeface="Gisha"/>
         <a:font script="Thai" typeface="DilleniaUPC"/>
@@ -6479,10 +7766,10 @@
         <a:latin typeface="Century Gothic" panose="020B0502020202020204"/>
         <a:ea typeface=""/>
         <a:cs typeface=""/>
-        <a:font script="Jpan" typeface="メイリオ"/>
-        <a:font script="Hang" typeface="HY중고딕"/>
-        <a:font script="Hans" typeface="幼圆"/>
-        <a:font script="Hant" typeface="微軟正黑體"/>
+        <a:font script="Jpan" typeface="ＭＳ ゴシック"/>
+        <a:font script="Hang" typeface="맑은 고딕"/>
+        <a:font script="Hans" typeface="宋体"/>
+        <a:font script="Hant" typeface="新細明體"/>
         <a:font script="Arab" typeface="Tahoma"/>
         <a:font script="Hebr" typeface="Gisha"/>
         <a:font script="Thai" typeface="DilleniaUPC"/>
@@ -6506,12 +7793,12 @@
         <a:font script="Laoo" typeface="DokChampa"/>
         <a:font script="Sinh" typeface="Iskoola Pota"/>
         <a:font script="Mong" typeface="Mongolian Baiti"/>
-        <a:font script="Viet" typeface="Tahoma"/>
+        <a:font script="Viet" typeface="Verdana"/>
         <a:font script="Uigh" typeface="Microsoft Uighur"/>
         <a:font script="Geor" typeface="Sylfaen"/>
       </a:minorFont>
     </a:fontScheme>
-    <a:fmtScheme name="Slice">
+    <a:fmtScheme name="Mesh">
       <a:fillStyleLst>
         <a:solidFill>
           <a:schemeClr val="phClr"/>
@@ -6520,16 +7807,13 @@
           <a:gsLst>
             <a:gs pos="0">
               <a:schemeClr val="phClr">
-                <a:tint val="62000"/>
-                <a:hueMod val="94000"/>
-                <a:satMod val="140000"/>
+                <a:tint val="60000"/>
                 <a:lumMod val="110000"/>
               </a:schemeClr>
             </a:gs>
             <a:gs pos="100000">
               <a:schemeClr val="phClr">
-                <a:tint val="84000"/>
-                <a:satMod val="160000"/>
+                <a:tint val="82000"/>
               </a:schemeClr>
             </a:gs>
           </a:gsLst>
@@ -6539,16 +7823,14 @@
           <a:gsLst>
             <a:gs pos="0">
               <a:schemeClr val="phClr">
-                <a:tint val="98000"/>
-                <a:hueMod val="94000"/>
-                <a:satMod val="130000"/>
-                <a:lumMod val="128000"/>
+                <a:tint val="96000"/>
+                <a:lumMod val="104000"/>
               </a:schemeClr>
             </a:gs>
             <a:gs pos="100000">
               <a:schemeClr val="phClr">
-                <a:shade val="94000"/>
-                <a:lumMod val="88000"/>
+                <a:shade val="84000"/>
+                <a:lumMod val="84000"/>
               </a:schemeClr>
             </a:gs>
           </a:gsLst>
@@ -6558,23 +7840,17 @@
       <a:lnStyleLst>
         <a:ln w="9525" cap="rnd" cmpd="sng" algn="ctr">
           <a:solidFill>
-            <a:schemeClr val="phClr">
-              <a:tint val="76000"/>
-              <a:alpha val="60000"/>
-              <a:hueMod val="94000"/>
-            </a:schemeClr>
+            <a:schemeClr val="phClr"/>
           </a:solidFill>
           <a:prstDash val="solid"/>
         </a:ln>
-        <a:ln w="15875" cap="rnd" cmpd="sng" algn="ctr">
+        <a:ln w="19050" cap="rnd" cmpd="sng" algn="ctr">
           <a:solidFill>
-            <a:schemeClr val="phClr">
-              <a:hueMod val="94000"/>
-            </a:schemeClr>
+            <a:schemeClr val="phClr"/>
           </a:solidFill>
           <a:prstDash val="solid"/>
         </a:ln>
-        <a:ln w="28575" cap="rnd" cmpd="sng" algn="ctr">
+        <a:ln w="25400" cap="rnd" cmpd="sng" algn="ctr">
           <a:solidFill>
             <a:schemeClr val="phClr"/>
           </a:solidFill>
@@ -6587,9 +7863,9 @@
         </a:effectStyle>
         <a:effectStyle>
           <a:effectLst>
-            <a:innerShdw blurRad="25400" dist="12700" dir="13500000">
+            <a:innerShdw blurRad="50800" dist="25400" dir="13500000">
               <a:srgbClr val="000000">
-                <a:alpha val="45000"/>
+                <a:alpha val="55000"/>
               </a:srgbClr>
             </a:innerShdw>
           </a:effectLst>
@@ -6598,7 +7874,7 @@
           <a:effectLst>
             <a:outerShdw blurRad="50800" dist="38100" dir="5400000" rotWithShape="0">
               <a:srgbClr val="000000">
-                <a:alpha val="46000"/>
+                <a:alpha val="60000"/>
               </a:srgbClr>
             </a:outerShdw>
           </a:effectLst>
@@ -6606,10 +7882,10 @@
             <a:camera prst="orthographicFront">
               <a:rot lat="0" lon="0" rev="0"/>
             </a:camera>
-            <a:lightRig rig="threePt" dir="t"/>
+            <a:lightRig rig="threePt" dir="tl"/>
           </a:scene3d>
-          <a:sp3d prstMaterial="plastic">
-            <a:bevelT w="25400" h="25400"/>
+          <a:sp3d>
+            <a:bevelT w="25400" h="25400" prst="slope"/>
           </a:sp3d>
         </a:effectStyle>
       </a:effectStyleLst>
@@ -6619,46 +7895,39 @@
         </a:solidFill>
         <a:gradFill rotWithShape="1">
           <a:gsLst>
-            <a:gs pos="10000">
+            <a:gs pos="0">
               <a:schemeClr val="phClr">
-                <a:tint val="97000"/>
-                <a:hueMod val="92000"/>
-                <a:satMod val="169000"/>
-                <a:lumMod val="164000"/>
+                <a:tint val="90000"/>
+                <a:lumMod val="110000"/>
               </a:schemeClr>
             </a:gs>
             <a:gs pos="100000">
               <a:schemeClr val="phClr">
-                <a:shade val="96000"/>
-                <a:satMod val="120000"/>
-                <a:lumMod val="90000"/>
+                <a:shade val="64000"/>
+                <a:lumMod val="98000"/>
               </a:schemeClr>
             </a:gs>
           </a:gsLst>
-          <a:lin ang="6120000" scaled="1"/>
+          <a:lin ang="5400000" scaled="0"/>
         </a:gradFill>
-        <a:gradFill rotWithShape="1">
-          <a:gsLst>
-            <a:gs pos="0">
+        <a:blipFill rotWithShape="1">
+          <a:blip xmlns:r="http://schemas.openxmlformats.org/officeDocument/2006/relationships" r:embed="rId1">
+            <a:duotone>
               <a:schemeClr val="phClr">
-                <a:tint val="97000"/>
-                <a:hueMod val="92000"/>
-                <a:satMod val="169000"/>
-                <a:lumMod val="164000"/>
+                <a:shade val="28000"/>
+                <a:satMod val="94000"/>
+                <a:lumMod val="20000"/>
               </a:schemeClr>
-            </a:gs>
-            <a:gs pos="100000">
               <a:schemeClr val="phClr">
-                <a:shade val="96000"/>
-                <a:satMod val="120000"/>
-                <a:lumMod val="90000"/>
+                <a:tint val="94000"/>
+                <a:shade val="84000"/>
+                <a:satMod val="148000"/>
+                <a:lumMod val="114000"/>
               </a:schemeClr>
-            </a:gs>
-          </a:gsLst>
-          <a:path path="circle">
-            <a:fillToRect b="100000"/>
-          </a:path>
-        </a:gradFill>
+            </a:duotone>
+          </a:blip>
+          <a:stretch/>
+        </a:blipFill>
       </a:bgFillStyleLst>
     </a:fmtScheme>
   </a:themeElements>
@@ -6666,7 +7935,7 @@
   <a:extraClrSchemeLst/>
   <a:extLst>
     <a:ext uri="{05A4C25C-085E-4340-85A3-A5531E510DB2}">
-      <thm15:themeFamily xmlns:thm15="http://schemas.microsoft.com/office/thememl/2012/main" name="Slice" id="{0507925B-6AC9-4358-8E18-C330545D08F8}" vid="{13FEC7C6-62A9-40C4-99D2-581AACACAA2F}"/>
+      <thm15:themeFamily xmlns:thm15="http://schemas.microsoft.com/office/thememl/2012/main" name="Mesh" id="{789EC3FE-34FD-429C-9918-760025E6C145}" vid="{B8BE45C0-8141-4D58-8C71-A009BC26FBBB}"/>
     </a:ext>
   </a:extLst>
 </a:theme>

--- a/Documents/PitchDeck.pptx
+++ b/Documents/PitchDeck.pptx
@@ -332,7 +332,7 @@
           <a:p>
             <a:fld id="{325CA7BC-FAA3-42D2-A4A6-6231C6B4CE4A}" type="datetimeFigureOut">
               <a:rPr lang="en-AU" smtClean="0"/>
-              <a:t>6/03/2024</a:t>
+              <a:t>12/03/2024</a:t>
             </a:fld>
             <a:endParaRPr lang="en-AU"/>
           </a:p>
@@ -623,7 +623,7 @@
           <a:p>
             <a:fld id="{325CA7BC-FAA3-42D2-A4A6-6231C6B4CE4A}" type="datetimeFigureOut">
               <a:rPr lang="en-AU" smtClean="0"/>
-              <a:t>6/03/2024</a:t>
+              <a:t>12/03/2024</a:t>
             </a:fld>
             <a:endParaRPr lang="en-AU"/>
           </a:p>
@@ -882,7 +882,7 @@
           <a:p>
             <a:fld id="{325CA7BC-FAA3-42D2-A4A6-6231C6B4CE4A}" type="datetimeFigureOut">
               <a:rPr lang="en-AU" smtClean="0"/>
-              <a:t>6/03/2024</a:t>
+              <a:t>12/03/2024</a:t>
             </a:fld>
             <a:endParaRPr lang="en-AU"/>
           </a:p>
@@ -1351,7 +1351,7 @@
           <a:p>
             <a:fld id="{325CA7BC-FAA3-42D2-A4A6-6231C6B4CE4A}" type="datetimeFigureOut">
               <a:rPr lang="en-AU" smtClean="0"/>
-              <a:t>6/03/2024</a:t>
+              <a:t>12/03/2024</a:t>
             </a:fld>
             <a:endParaRPr lang="en-AU"/>
           </a:p>
@@ -1531,7 +1531,7 @@
           <a:p>
             <a:fld id="{325CA7BC-FAA3-42D2-A4A6-6231C6B4CE4A}" type="datetimeFigureOut">
               <a:rPr lang="en-AU" smtClean="0"/>
-              <a:t>6/03/2024</a:t>
+              <a:t>12/03/2024</a:t>
             </a:fld>
             <a:endParaRPr lang="en-AU"/>
           </a:p>
@@ -2107,7 +2107,7 @@
           <a:p>
             <a:fld id="{325CA7BC-FAA3-42D2-A4A6-6231C6B4CE4A}" type="datetimeFigureOut">
               <a:rPr lang="en-AU" smtClean="0"/>
-              <a:t>6/03/2024</a:t>
+              <a:t>12/03/2024</a:t>
             </a:fld>
             <a:endParaRPr lang="en-AU"/>
           </a:p>
@@ -2439,7 +2439,7 @@
           <a:p>
             <a:fld id="{325CA7BC-FAA3-42D2-A4A6-6231C6B4CE4A}" type="datetimeFigureOut">
               <a:rPr lang="en-AU" smtClean="0"/>
-              <a:t>6/03/2024</a:t>
+              <a:t>12/03/2024</a:t>
             </a:fld>
             <a:endParaRPr lang="en-AU"/>
           </a:p>
@@ -2614,7 +2614,7 @@
           <a:p>
             <a:fld id="{325CA7BC-FAA3-42D2-A4A6-6231C6B4CE4A}" type="datetimeFigureOut">
               <a:rPr lang="en-AU" smtClean="0"/>
-              <a:t>6/03/2024</a:t>
+              <a:t>12/03/2024</a:t>
             </a:fld>
             <a:endParaRPr lang="en-AU"/>
           </a:p>
@@ -2794,7 +2794,7 @@
           <a:p>
             <a:fld id="{325CA7BC-FAA3-42D2-A4A6-6231C6B4CE4A}" type="datetimeFigureOut">
               <a:rPr lang="en-AU" smtClean="0"/>
-              <a:t>6/03/2024</a:t>
+              <a:t>12/03/2024</a:t>
             </a:fld>
             <a:endParaRPr lang="en-AU"/>
           </a:p>
@@ -2964,7 +2964,7 @@
           <a:p>
             <a:fld id="{325CA7BC-FAA3-42D2-A4A6-6231C6B4CE4A}" type="datetimeFigureOut">
               <a:rPr lang="en-AU" smtClean="0"/>
-              <a:t>6/03/2024</a:t>
+              <a:t>12/03/2024</a:t>
             </a:fld>
             <a:endParaRPr lang="en-AU"/>
           </a:p>
@@ -3221,7 +3221,7 @@
           <a:p>
             <a:fld id="{325CA7BC-FAA3-42D2-A4A6-6231C6B4CE4A}" type="datetimeFigureOut">
               <a:rPr lang="en-AU" smtClean="0"/>
-              <a:t>6/03/2024</a:t>
+              <a:t>12/03/2024</a:t>
             </a:fld>
             <a:endParaRPr lang="en-AU"/>
           </a:p>
@@ -3513,7 +3513,7 @@
           <a:p>
             <a:fld id="{325CA7BC-FAA3-42D2-A4A6-6231C6B4CE4A}" type="datetimeFigureOut">
               <a:rPr lang="en-AU" smtClean="0"/>
-              <a:t>6/03/2024</a:t>
+              <a:t>12/03/2024</a:t>
             </a:fld>
             <a:endParaRPr lang="en-AU"/>
           </a:p>
@@ -3943,7 +3943,7 @@
           <a:p>
             <a:fld id="{325CA7BC-FAA3-42D2-A4A6-6231C6B4CE4A}" type="datetimeFigureOut">
               <a:rPr lang="en-AU" smtClean="0"/>
-              <a:t>6/03/2024</a:t>
+              <a:t>12/03/2024</a:t>
             </a:fld>
             <a:endParaRPr lang="en-AU"/>
           </a:p>
@@ -4061,7 +4061,7 @@
           <a:p>
             <a:fld id="{325CA7BC-FAA3-42D2-A4A6-6231C6B4CE4A}" type="datetimeFigureOut">
               <a:rPr lang="en-AU" smtClean="0"/>
-              <a:t>6/03/2024</a:t>
+              <a:t>12/03/2024</a:t>
             </a:fld>
             <a:endParaRPr lang="en-AU"/>
           </a:p>
@@ -4156,7 +4156,7 @@
           <a:p>
             <a:fld id="{325CA7BC-FAA3-42D2-A4A6-6231C6B4CE4A}" type="datetimeFigureOut">
               <a:rPr lang="en-AU" smtClean="0"/>
-              <a:t>6/03/2024</a:t>
+              <a:t>12/03/2024</a:t>
             </a:fld>
             <a:endParaRPr lang="en-AU"/>
           </a:p>
@@ -4439,7 +4439,7 @@
           <a:p>
             <a:fld id="{325CA7BC-FAA3-42D2-A4A6-6231C6B4CE4A}" type="datetimeFigureOut">
               <a:rPr lang="en-AU" smtClean="0"/>
-              <a:t>6/03/2024</a:t>
+              <a:t>12/03/2024</a:t>
             </a:fld>
             <a:endParaRPr lang="en-AU"/>
           </a:p>
@@ -4730,7 +4730,7 @@
           <a:p>
             <a:fld id="{325CA7BC-FAA3-42D2-A4A6-6231C6B4CE4A}" type="datetimeFigureOut">
               <a:rPr lang="en-AU" smtClean="0"/>
-              <a:t>6/03/2024</a:t>
+              <a:t>12/03/2024</a:t>
             </a:fld>
             <a:endParaRPr lang="en-AU"/>
           </a:p>
@@ -4961,7 +4961,7 @@
           <a:p>
             <a:fld id="{325CA7BC-FAA3-42D2-A4A6-6231C6B4CE4A}" type="datetimeFigureOut">
               <a:rPr lang="en-AU" smtClean="0"/>
-              <a:t>6/03/2024</a:t>
+              <a:t>12/03/2024</a:t>
             </a:fld>
             <a:endParaRPr lang="en-AU"/>
           </a:p>
@@ -6242,7 +6242,7 @@
             </a:pPr>
             <a:r>
               <a:rPr lang="en-US" dirty="0"/>
-              <a:t>Pouch Critters is set in the region of Mandurah, it is a semi-rural coastal area in a hot, sunbaked part of the world.  The region is semi-rural but has sci-fi features such as holographic projectors, farming robots and hover cars.</a:t>
+              <a:t>Pouch Critters is set in the region of Mandurah, it is a semi-rural coastal area in a hot, sunbaked part of the world. The region is semi-rural but has sci-fi features such as holographic projectors, farming robots and hover cars.</a:t>
             </a:r>
           </a:p>
           <a:p>
@@ -6498,7 +6498,7 @@
             </a:pPr>
             <a:r>
               <a:rPr lang="en-US" dirty="0"/>
-              <a:t>The characters in Antique require a High-poly/realistic style.</a:t>
+              <a:t>The characters in Antique Hoop require a High-poly/realistic style.</a:t>
             </a:r>
           </a:p>
           <a:p>
@@ -6716,13 +6716,13 @@
         </p:spPr>
         <p:txBody>
           <a:bodyPr>
-            <a:normAutofit/>
+            <a:normAutofit fontScale="90000"/>
           </a:bodyPr>
           <a:lstStyle/>
           <a:p>
             <a:r>
               <a:rPr lang="en-US" sz="3600" dirty="0"/>
-              <a:t>Character #1</a:t>
+              <a:t>Character #1 Style and purpose</a:t>
             </a:r>
             <a:endParaRPr lang="en-AU" sz="3600" dirty="0"/>
           </a:p>
@@ -6947,13 +6947,13 @@
         </p:spPr>
         <p:txBody>
           <a:bodyPr>
-            <a:normAutofit/>
+            <a:normAutofit fontScale="90000"/>
           </a:bodyPr>
           <a:lstStyle/>
           <a:p>
             <a:r>
               <a:rPr lang="en-US" sz="3600" dirty="0"/>
-              <a:t>Character #2</a:t>
+              <a:t>Character #2 style and purpose</a:t>
             </a:r>
             <a:endParaRPr lang="en-AU" sz="3600" dirty="0"/>
           </a:p>
